--- a/2조 최종 PPT.pptx
+++ b/2조 최종 PPT.pptx
@@ -38,12 +38,12 @@
   <p:notesSz cx="6858000" cy="9144000"/>
   <p:embeddedFontLst>
     <p:embeddedFont>
-      <p:font typeface="나눔스퀘어 ExtraBold" panose="020B0600000101010101" pitchFamily="50" charset="-127"/>
-      <p:bold r:id="rId30"/>
+      <p:font typeface="나눔스퀘어 Light" panose="020B0600000101010101" pitchFamily="50" charset="-127"/>
+      <p:regular r:id="rId30"/>
     </p:embeddedFont>
     <p:embeddedFont>
-      <p:font typeface="나눔스퀘어 Light" panose="020B0600000101010101" pitchFamily="50" charset="-127"/>
-      <p:regular r:id="rId31"/>
+      <p:font typeface="나눔스퀘어 ExtraBold" panose="020B0600000101010101" pitchFamily="50" charset="-127"/>
+      <p:bold r:id="rId31"/>
     </p:embeddedFont>
   </p:embeddedFontLst>
   <p:defaultTextStyle>
@@ -307,7 +307,7 @@
           <a:p>
             <a:fld id="{5C85567D-AB5D-4AC7-81EF-B47DBFAE57A2}" type="datetimeFigureOut">
               <a:rPr lang="ko-KR" altLang="en-US" smtClean="0"/>
-              <a:t>2021-07-08</a:t>
+              <a:t>2021-07-09</a:t>
             </a:fld>
             <a:endParaRPr lang="ko-KR" altLang="en-US"/>
           </a:p>
@@ -595,7 +595,7 @@
           <a:p>
             <a:fld id="{5C85567D-AB5D-4AC7-81EF-B47DBFAE57A2}" type="datetimeFigureOut">
               <a:rPr lang="ko-KR" altLang="en-US" smtClean="0"/>
-              <a:t>2021-07-08</a:t>
+              <a:t>2021-07-09</a:t>
             </a:fld>
             <a:endParaRPr lang="ko-KR" altLang="en-US"/>
           </a:p>
@@ -793,7 +793,7 @@
           <a:p>
             <a:fld id="{5C85567D-AB5D-4AC7-81EF-B47DBFAE57A2}" type="datetimeFigureOut">
               <a:rPr lang="ko-KR" altLang="en-US" smtClean="0"/>
-              <a:t>2021-07-08</a:t>
+              <a:t>2021-07-09</a:t>
             </a:fld>
             <a:endParaRPr lang="ko-KR" altLang="en-US"/>
           </a:p>
@@ -1001,7 +1001,7 @@
           <a:p>
             <a:fld id="{5C85567D-AB5D-4AC7-81EF-B47DBFAE57A2}" type="datetimeFigureOut">
               <a:rPr lang="ko-KR" altLang="en-US" smtClean="0"/>
-              <a:t>2021-07-08</a:t>
+              <a:t>2021-07-09</a:t>
             </a:fld>
             <a:endParaRPr lang="ko-KR" altLang="en-US"/>
           </a:p>
@@ -1199,7 +1199,7 @@
           <a:p>
             <a:fld id="{5C85567D-AB5D-4AC7-81EF-B47DBFAE57A2}" type="datetimeFigureOut">
               <a:rPr lang="ko-KR" altLang="en-US" smtClean="0"/>
-              <a:t>2021-07-08</a:t>
+              <a:t>2021-07-09</a:t>
             </a:fld>
             <a:endParaRPr lang="ko-KR" altLang="en-US"/>
           </a:p>
@@ -1474,7 +1474,7 @@
           <a:p>
             <a:fld id="{5C85567D-AB5D-4AC7-81EF-B47DBFAE57A2}" type="datetimeFigureOut">
               <a:rPr lang="ko-KR" altLang="en-US" smtClean="0"/>
-              <a:t>2021-07-08</a:t>
+              <a:t>2021-07-09</a:t>
             </a:fld>
             <a:endParaRPr lang="ko-KR" altLang="en-US"/>
           </a:p>
@@ -1739,7 +1739,7 @@
           <a:p>
             <a:fld id="{5C85567D-AB5D-4AC7-81EF-B47DBFAE57A2}" type="datetimeFigureOut">
               <a:rPr lang="ko-KR" altLang="en-US" smtClean="0"/>
-              <a:t>2021-07-08</a:t>
+              <a:t>2021-07-09</a:t>
             </a:fld>
             <a:endParaRPr lang="ko-KR" altLang="en-US"/>
           </a:p>
@@ -2151,7 +2151,7 @@
           <a:p>
             <a:fld id="{5C85567D-AB5D-4AC7-81EF-B47DBFAE57A2}" type="datetimeFigureOut">
               <a:rPr lang="ko-KR" altLang="en-US" smtClean="0"/>
-              <a:t>2021-07-08</a:t>
+              <a:t>2021-07-09</a:t>
             </a:fld>
             <a:endParaRPr lang="ko-KR" altLang="en-US"/>
           </a:p>
@@ -2292,7 +2292,7 @@
           <a:p>
             <a:fld id="{5C85567D-AB5D-4AC7-81EF-B47DBFAE57A2}" type="datetimeFigureOut">
               <a:rPr lang="ko-KR" altLang="en-US" smtClean="0"/>
-              <a:t>2021-07-08</a:t>
+              <a:t>2021-07-09</a:t>
             </a:fld>
             <a:endParaRPr lang="ko-KR" altLang="en-US"/>
           </a:p>
@@ -2494,7 +2494,7 @@
           <a:p>
             <a:fld id="{5C85567D-AB5D-4AC7-81EF-B47DBFAE57A2}" type="datetimeFigureOut">
               <a:rPr lang="ko-KR" altLang="en-US" smtClean="0"/>
-              <a:t>2021-07-08</a:t>
+              <a:t>2021-07-09</a:t>
             </a:fld>
             <a:endParaRPr lang="ko-KR" altLang="en-US"/>
           </a:p>
@@ -2735,7 +2735,7 @@
           <a:p>
             <a:fld id="{5C85567D-AB5D-4AC7-81EF-B47DBFAE57A2}" type="datetimeFigureOut">
               <a:rPr lang="ko-KR" altLang="en-US" smtClean="0"/>
-              <a:t>2021-07-08</a:t>
+              <a:t>2021-07-09</a:t>
             </a:fld>
             <a:endParaRPr lang="ko-KR" altLang="en-US"/>
           </a:p>
@@ -3046,7 +3046,7 @@
           <a:p>
             <a:fld id="{5C85567D-AB5D-4AC7-81EF-B47DBFAE57A2}" type="datetimeFigureOut">
               <a:rPr lang="ko-KR" altLang="en-US" smtClean="0"/>
-              <a:t>2021-07-08</a:t>
+              <a:t>2021-07-09</a:t>
             </a:fld>
             <a:endParaRPr lang="ko-KR" altLang="en-US"/>
           </a:p>
@@ -3287,7 +3287,7 @@
           <a:p>
             <a:fld id="{5C85567D-AB5D-4AC7-81EF-B47DBFAE57A2}" type="datetimeFigureOut">
               <a:rPr lang="ko-KR" altLang="en-US" smtClean="0"/>
-              <a:t>2021-07-08</a:t>
+              <a:t>2021-07-09</a:t>
             </a:fld>
             <a:endParaRPr lang="ko-KR" altLang="en-US"/>
           </a:p>
@@ -3975,7 +3975,7 @@
     <a:masterClrMapping/>
   </p:clrMapOvr>
   <mc:AlternateContent xmlns:mc="http://schemas.openxmlformats.org/markup-compatibility/2006">
-    <mc:Choice xmlns="" xmlns:p159="http://schemas.microsoft.com/office/powerpoint/2015/09/main" Requires="p159">
+    <mc:Choice xmlns:p159="http://schemas.microsoft.com/office/powerpoint/2015/09/main" xmlns="" Requires="p159">
       <p:transition xmlns:p14="http://schemas.microsoft.com/office/powerpoint/2010/main" spd="slow" p14:dur="2000">
         <p159:morph option="byObject"/>
       </p:transition>
@@ -4264,6 +4264,54 @@
           </a:prstGeom>
         </p:spPr>
       </p:pic>
+      <p:sp>
+        <p:nvSpPr>
+          <p:cNvPr id="8" name="직사각형 7"/>
+          <p:cNvSpPr/>
+          <p:nvPr/>
+        </p:nvSpPr>
+        <p:spPr>
+          <a:xfrm>
+            <a:off x="10241280" y="6489402"/>
+            <a:ext cx="1950720" cy="302096"/>
+          </a:xfrm>
+          <a:prstGeom prst="rect">
+            <a:avLst/>
+          </a:prstGeom>
+          <a:solidFill>
+            <a:schemeClr val="bg1"/>
+          </a:solidFill>
+          <a:ln>
+            <a:solidFill>
+              <a:schemeClr val="bg1"/>
+            </a:solidFill>
+          </a:ln>
+        </p:spPr>
+        <p:style>
+          <a:lnRef idx="2">
+            <a:schemeClr val="accent1">
+              <a:shade val="50000"/>
+            </a:schemeClr>
+          </a:lnRef>
+          <a:fillRef idx="1">
+            <a:schemeClr val="accent1"/>
+          </a:fillRef>
+          <a:effectRef idx="0">
+            <a:schemeClr val="accent1"/>
+          </a:effectRef>
+          <a:fontRef idx="minor">
+            <a:schemeClr val="lt1"/>
+          </a:fontRef>
+        </p:style>
+        <p:txBody>
+          <a:bodyPr rtlCol="0" anchor="ctr"/>
+          <a:lstStyle/>
+          <a:p>
+            <a:pPr algn="ctr"/>
+            <a:endParaRPr lang="ko-KR" altLang="en-US"/>
+          </a:p>
+        </p:txBody>
+      </p:sp>
     </p:spTree>
     <p:extLst>
       <p:ext uri="{BB962C8B-B14F-4D97-AF65-F5344CB8AC3E}">
@@ -4275,7 +4323,7 @@
     <a:masterClrMapping/>
   </p:clrMapOvr>
   <mc:AlternateContent xmlns:mc="http://schemas.openxmlformats.org/markup-compatibility/2006">
-    <mc:Choice xmlns="" xmlns:p159="http://schemas.microsoft.com/office/powerpoint/2015/09/main" Requires="p159">
+    <mc:Choice xmlns:p159="http://schemas.microsoft.com/office/powerpoint/2015/09/main" xmlns="" Requires="p159">
       <p:transition xmlns:p14="http://schemas.microsoft.com/office/powerpoint/2010/main" spd="slow" p14:dur="2000">
         <p159:morph option="byObject"/>
       </p:transition>
@@ -4564,6 +4612,54 @@
           </a:prstGeom>
         </p:spPr>
       </p:pic>
+      <p:sp>
+        <p:nvSpPr>
+          <p:cNvPr id="8" name="직사각형 7"/>
+          <p:cNvSpPr/>
+          <p:nvPr/>
+        </p:nvSpPr>
+        <p:spPr>
+          <a:xfrm>
+            <a:off x="10241280" y="6489402"/>
+            <a:ext cx="1950720" cy="302096"/>
+          </a:xfrm>
+          <a:prstGeom prst="rect">
+            <a:avLst/>
+          </a:prstGeom>
+          <a:solidFill>
+            <a:schemeClr val="bg1"/>
+          </a:solidFill>
+          <a:ln>
+            <a:solidFill>
+              <a:schemeClr val="bg1"/>
+            </a:solidFill>
+          </a:ln>
+        </p:spPr>
+        <p:style>
+          <a:lnRef idx="2">
+            <a:schemeClr val="accent1">
+              <a:shade val="50000"/>
+            </a:schemeClr>
+          </a:lnRef>
+          <a:fillRef idx="1">
+            <a:schemeClr val="accent1"/>
+          </a:fillRef>
+          <a:effectRef idx="0">
+            <a:schemeClr val="accent1"/>
+          </a:effectRef>
+          <a:fontRef idx="minor">
+            <a:schemeClr val="lt1"/>
+          </a:fontRef>
+        </p:style>
+        <p:txBody>
+          <a:bodyPr rtlCol="0" anchor="ctr"/>
+          <a:lstStyle/>
+          <a:p>
+            <a:pPr algn="ctr"/>
+            <a:endParaRPr lang="ko-KR" altLang="en-US"/>
+          </a:p>
+        </p:txBody>
+      </p:sp>
     </p:spTree>
     <p:extLst>
       <p:ext uri="{BB962C8B-B14F-4D97-AF65-F5344CB8AC3E}">
@@ -4575,7 +4671,7 @@
     <a:masterClrMapping/>
   </p:clrMapOvr>
   <mc:AlternateContent xmlns:mc="http://schemas.openxmlformats.org/markup-compatibility/2006">
-    <mc:Choice xmlns="" xmlns:p159="http://schemas.microsoft.com/office/powerpoint/2015/09/main" Requires="p159">
+    <mc:Choice xmlns:p159="http://schemas.microsoft.com/office/powerpoint/2015/09/main" xmlns="" Requires="p159">
       <p:transition xmlns:p14="http://schemas.microsoft.com/office/powerpoint/2010/main" spd="slow" p14:dur="2000">
         <p159:morph option="byObject"/>
       </p:transition>
@@ -4864,6 +4960,54 @@
           </a:prstGeom>
         </p:spPr>
       </p:pic>
+      <p:sp>
+        <p:nvSpPr>
+          <p:cNvPr id="8" name="직사각형 7"/>
+          <p:cNvSpPr/>
+          <p:nvPr/>
+        </p:nvSpPr>
+        <p:spPr>
+          <a:xfrm>
+            <a:off x="10241280" y="6489402"/>
+            <a:ext cx="1950720" cy="302096"/>
+          </a:xfrm>
+          <a:prstGeom prst="rect">
+            <a:avLst/>
+          </a:prstGeom>
+          <a:solidFill>
+            <a:schemeClr val="bg1"/>
+          </a:solidFill>
+          <a:ln>
+            <a:solidFill>
+              <a:schemeClr val="bg1"/>
+            </a:solidFill>
+          </a:ln>
+        </p:spPr>
+        <p:style>
+          <a:lnRef idx="2">
+            <a:schemeClr val="accent1">
+              <a:shade val="50000"/>
+            </a:schemeClr>
+          </a:lnRef>
+          <a:fillRef idx="1">
+            <a:schemeClr val="accent1"/>
+          </a:fillRef>
+          <a:effectRef idx="0">
+            <a:schemeClr val="accent1"/>
+          </a:effectRef>
+          <a:fontRef idx="minor">
+            <a:schemeClr val="lt1"/>
+          </a:fontRef>
+        </p:style>
+        <p:txBody>
+          <a:bodyPr rtlCol="0" anchor="ctr"/>
+          <a:lstStyle/>
+          <a:p>
+            <a:pPr algn="ctr"/>
+            <a:endParaRPr lang="ko-KR" altLang="en-US"/>
+          </a:p>
+        </p:txBody>
+      </p:sp>
     </p:spTree>
     <p:extLst>
       <p:ext uri="{BB962C8B-B14F-4D97-AF65-F5344CB8AC3E}">
@@ -4875,7 +5019,7 @@
     <a:masterClrMapping/>
   </p:clrMapOvr>
   <mc:AlternateContent xmlns:mc="http://schemas.openxmlformats.org/markup-compatibility/2006">
-    <mc:Choice xmlns="" xmlns:p159="http://schemas.microsoft.com/office/powerpoint/2015/09/main" Requires="p159">
+    <mc:Choice xmlns:p159="http://schemas.microsoft.com/office/powerpoint/2015/09/main" xmlns="" Requires="p159">
       <p:transition xmlns:p14="http://schemas.microsoft.com/office/powerpoint/2010/main" spd="slow" p14:dur="2000">
         <p159:morph option="byObject"/>
       </p:transition>
@@ -5187,7 +5331,7 @@
     <a:masterClrMapping/>
   </p:clrMapOvr>
   <mc:AlternateContent xmlns:mc="http://schemas.openxmlformats.org/markup-compatibility/2006">
-    <mc:Choice xmlns="" xmlns:p159="http://schemas.microsoft.com/office/powerpoint/2015/09/main" Requires="p159">
+    <mc:Choice xmlns:p159="http://schemas.microsoft.com/office/powerpoint/2015/09/main" xmlns="" Requires="p159">
       <p:transition xmlns:p14="http://schemas.microsoft.com/office/powerpoint/2010/main" spd="slow" p14:dur="2000">
         <p159:morph option="byObject"/>
       </p:transition>
@@ -5421,25 +5565,38 @@
                   <a:solidFill>
                     <a:srgbClr val="393939"/>
                   </a:solidFill>
+                  <a:latin typeface="+mj-ea"/>
+                  <a:ea typeface="+mj-ea"/>
                 </a:rPr>
-                <a:t>- PG, </a:t>
+                <a:t>PG</a:t>
+              </a:r>
+              <a:r>
+                <a:rPr lang="en-US" altLang="ko-KR" sz="1400" spc="-150" dirty="0" smtClean="0">
+                  <a:solidFill>
+                    <a:srgbClr val="393939"/>
+                  </a:solidFill>
+                  <a:latin typeface="+mj-ea"/>
+                  <a:ea typeface="+mj-ea"/>
+                </a:rPr>
+                <a:t>, </a:t>
               </a:r>
               <a:r>
                 <a:rPr lang="ko-KR" altLang="en-US" sz="1400" spc="-150" dirty="0" smtClean="0">
                   <a:solidFill>
                     <a:srgbClr val="393939"/>
                   </a:solidFill>
+                  <a:latin typeface="+mj-ea"/>
+                  <a:ea typeface="+mj-ea"/>
                 </a:rPr>
                 <a:t>은행 </a:t>
               </a:r>
-              <a:r>
-                <a:rPr lang="en-US" altLang="ko-KR" sz="1400" spc="-150" dirty="0" smtClean="0">
-                  <a:solidFill>
-                    <a:srgbClr val="393939"/>
-                  </a:solidFill>
-                </a:rPr>
-                <a:t>BACK-END</a:t>
-              </a:r>
+              <a:endParaRPr lang="en-US" altLang="ko-KR" sz="1400" spc="-150" dirty="0" smtClean="0">
+                <a:solidFill>
+                  <a:srgbClr val="393939"/>
+                </a:solidFill>
+                <a:latin typeface="+mj-ea"/>
+                <a:ea typeface="+mj-ea"/>
+              </a:endParaRPr>
             </a:p>
             <a:p>
               <a:pPr algn="ctr"/>
@@ -5448,14 +5605,28 @@
                   <a:solidFill>
                     <a:srgbClr val="393939"/>
                   </a:solidFill>
+                  <a:latin typeface="+mj-ea"/>
+                  <a:ea typeface="+mj-ea"/>
                 </a:rPr>
-                <a:t>- SERVER </a:t>
+                <a:t>- </a:t>
+              </a:r>
+              <a:r>
+                <a:rPr lang="en-US" altLang="ko-KR" sz="1400" spc="-150" dirty="0" smtClean="0">
+                  <a:solidFill>
+                    <a:srgbClr val="393939"/>
+                  </a:solidFill>
+                  <a:latin typeface="+mj-ea"/>
+                  <a:ea typeface="+mj-ea"/>
+                </a:rPr>
+                <a:t> SERVER </a:t>
               </a:r>
               <a:r>
                 <a:rPr lang="ko-KR" altLang="en-US" sz="1400" spc="-150" dirty="0" smtClean="0">
                   <a:solidFill>
                     <a:srgbClr val="393939"/>
                   </a:solidFill>
+                  <a:latin typeface="+mj-ea"/>
+                  <a:ea typeface="+mj-ea"/>
                 </a:rPr>
                 <a:t>설계 및 통신</a:t>
               </a:r>
@@ -5463,6 +5634,8 @@
                 <a:solidFill>
                   <a:srgbClr val="393939"/>
                 </a:solidFill>
+                <a:latin typeface="+mj-ea"/>
+                <a:ea typeface="+mj-ea"/>
               </a:endParaRPr>
             </a:p>
           </p:txBody>
@@ -5547,25 +5720,31 @@
           <a:p>
             <a:pPr algn="ctr"/>
             <a:r>
-              <a:rPr lang="en-US" altLang="ko-KR" sz="1400" spc="-150" dirty="0" smtClean="0">
+              <a:rPr lang="ko-KR" altLang="en-US" sz="1400" spc="-150" dirty="0" smtClean="0">
                 <a:solidFill>
                   <a:srgbClr val="393939"/>
                 </a:solidFill>
+                <a:latin typeface="+mj-ea"/>
+                <a:ea typeface="+mj-ea"/>
               </a:rPr>
-              <a:t>- </a:t>
+              <a:t>프로젝트 </a:t>
             </a:r>
             <a:r>
               <a:rPr lang="ko-KR" altLang="en-US" sz="1400" spc="-150" dirty="0" smtClean="0">
                 <a:solidFill>
                   <a:srgbClr val="393939"/>
                 </a:solidFill>
+                <a:latin typeface="+mj-ea"/>
+                <a:ea typeface="+mj-ea"/>
               </a:rPr>
-              <a:t>프로젝트 총괄</a:t>
+              <a:t>총괄</a:t>
             </a:r>
             <a:endParaRPr lang="en-US" altLang="ko-KR" sz="1400" spc="-150" dirty="0" smtClean="0">
               <a:solidFill>
                 <a:srgbClr val="393939"/>
               </a:solidFill>
+              <a:latin typeface="+mj-ea"/>
+              <a:ea typeface="+mj-ea"/>
             </a:endParaRPr>
           </a:p>
           <a:p>
@@ -5575,6 +5754,8 @@
                 <a:solidFill>
                   <a:srgbClr val="393939"/>
                 </a:solidFill>
+                <a:latin typeface="+mj-ea"/>
+                <a:ea typeface="+mj-ea"/>
               </a:rPr>
               <a:t>- UI  / UX</a:t>
             </a:r>
@@ -5582,6 +5763,8 @@
               <a:solidFill>
                 <a:srgbClr val="393939"/>
               </a:solidFill>
+              <a:latin typeface="+mj-ea"/>
+              <a:ea typeface="+mj-ea"/>
             </a:endParaRPr>
           </a:p>
         </p:txBody>
@@ -5669,6 +5852,8 @@
                 <a:solidFill>
                   <a:srgbClr val="393939"/>
                 </a:solidFill>
+                <a:latin typeface="+mj-ea"/>
+                <a:ea typeface="+mj-ea"/>
               </a:rPr>
               <a:t>쇼핑몰</a:t>
             </a:r>
@@ -5676,6 +5861,8 @@
               <a:solidFill>
                 <a:srgbClr val="393939"/>
               </a:solidFill>
+              <a:latin typeface="+mj-ea"/>
+              <a:ea typeface="+mj-ea"/>
             </a:endParaRPr>
           </a:p>
           <a:p>
@@ -5685,14 +5872,28 @@
                 <a:solidFill>
                   <a:srgbClr val="393939"/>
                 </a:solidFill>
+                <a:latin typeface="+mj-ea"/>
+                <a:ea typeface="+mj-ea"/>
               </a:rPr>
               <a:t>- </a:t>
+            </a:r>
+            <a:r>
+              <a:rPr lang="en-US" altLang="ko-KR" sz="1400" spc="-150" dirty="0" smtClean="0">
+                <a:solidFill>
+                  <a:srgbClr val="393939"/>
+                </a:solidFill>
+                <a:latin typeface="+mj-ea"/>
+                <a:ea typeface="+mj-ea"/>
+              </a:rPr>
+              <a:t> </a:t>
             </a:r>
             <a:r>
               <a:rPr lang="ko-KR" altLang="en-US" sz="1400" spc="-150" dirty="0" smtClean="0">
                 <a:solidFill>
                   <a:srgbClr val="393939"/>
                 </a:solidFill>
+                <a:latin typeface="+mj-ea"/>
+                <a:ea typeface="+mj-ea"/>
               </a:rPr>
               <a:t>공지사항</a:t>
             </a:r>
@@ -5700,6 +5901,8 @@
               <a:solidFill>
                 <a:srgbClr val="393939"/>
               </a:solidFill>
+              <a:latin typeface="+mj-ea"/>
+              <a:ea typeface="+mj-ea"/>
             </a:endParaRPr>
           </a:p>
           <a:p>
@@ -5709,14 +5912,28 @@
                 <a:solidFill>
                   <a:srgbClr val="393939"/>
                 </a:solidFill>
+                <a:latin typeface="+mj-ea"/>
+                <a:ea typeface="+mj-ea"/>
               </a:rPr>
               <a:t>- </a:t>
+            </a:r>
+            <a:r>
+              <a:rPr lang="en-US" altLang="ko-KR" sz="1400" spc="-150" dirty="0" smtClean="0">
+                <a:solidFill>
+                  <a:srgbClr val="393939"/>
+                </a:solidFill>
+                <a:latin typeface="+mj-ea"/>
+                <a:ea typeface="+mj-ea"/>
+              </a:rPr>
+              <a:t> </a:t>
             </a:r>
             <a:r>
               <a:rPr lang="ko-KR" altLang="en-US" sz="1400" spc="-150" dirty="0" smtClean="0">
                 <a:solidFill>
                   <a:srgbClr val="393939"/>
                 </a:solidFill>
+                <a:latin typeface="+mj-ea"/>
+                <a:ea typeface="+mj-ea"/>
               </a:rPr>
               <a:t>회원가입</a:t>
             </a:r>
@@ -5724,6 +5941,8 @@
               <a:solidFill>
                 <a:srgbClr val="393939"/>
               </a:solidFill>
+              <a:latin typeface="+mj-ea"/>
+              <a:ea typeface="+mj-ea"/>
             </a:endParaRPr>
           </a:p>
           <a:p>
@@ -5819,6 +6038,8 @@
                 <a:solidFill>
                   <a:srgbClr val="393939"/>
                 </a:solidFill>
+                <a:latin typeface="+mj-ea"/>
+                <a:ea typeface="+mj-ea"/>
               </a:rPr>
               <a:t>쇼핑몰</a:t>
             </a:r>
@@ -5826,6 +6047,8 @@
               <a:solidFill>
                 <a:srgbClr val="393939"/>
               </a:solidFill>
+              <a:latin typeface="+mj-ea"/>
+              <a:ea typeface="+mj-ea"/>
             </a:endParaRPr>
           </a:p>
           <a:p>
@@ -5835,9 +6058,28 @@
                 <a:solidFill>
                   <a:srgbClr val="393939"/>
                 </a:solidFill>
+                <a:latin typeface="+mj-ea"/>
+                <a:ea typeface="+mj-ea"/>
               </a:rPr>
-              <a:t>- REVIEW</a:t>
+              <a:t>- </a:t>
             </a:r>
+            <a:r>
+              <a:rPr lang="en-US" altLang="ko-KR" sz="1400" spc="-150" dirty="0" smtClean="0">
+                <a:solidFill>
+                  <a:srgbClr val="393939"/>
+                </a:solidFill>
+                <a:latin typeface="+mj-ea"/>
+                <a:ea typeface="+mj-ea"/>
+              </a:rPr>
+              <a:t> REVIEW</a:t>
+            </a:r>
+            <a:endParaRPr lang="en-US" altLang="ko-KR" sz="1400" spc="-150" dirty="0" smtClean="0">
+              <a:solidFill>
+                <a:srgbClr val="393939"/>
+              </a:solidFill>
+              <a:latin typeface="+mj-ea"/>
+              <a:ea typeface="+mj-ea"/>
+            </a:endParaRPr>
           </a:p>
           <a:p>
             <a:pPr algn="ctr"/>
@@ -5846,14 +6088,28 @@
                 <a:solidFill>
                   <a:srgbClr val="393939"/>
                 </a:solidFill>
+                <a:latin typeface="+mj-ea"/>
+                <a:ea typeface="+mj-ea"/>
               </a:rPr>
               <a:t>- </a:t>
+            </a:r>
+            <a:r>
+              <a:rPr lang="en-US" altLang="ko-KR" sz="1400" spc="-150" dirty="0" smtClean="0">
+                <a:solidFill>
+                  <a:srgbClr val="393939"/>
+                </a:solidFill>
+                <a:latin typeface="+mj-ea"/>
+                <a:ea typeface="+mj-ea"/>
+              </a:rPr>
+              <a:t> </a:t>
             </a:r>
             <a:r>
               <a:rPr lang="ko-KR" altLang="en-US" sz="1400" spc="-150" dirty="0" smtClean="0">
                 <a:solidFill>
                   <a:srgbClr val="393939"/>
                 </a:solidFill>
+                <a:latin typeface="+mj-ea"/>
+                <a:ea typeface="+mj-ea"/>
               </a:rPr>
               <a:t>상세페이지</a:t>
             </a:r>
@@ -5861,6 +6117,8 @@
               <a:solidFill>
                 <a:srgbClr val="393939"/>
               </a:solidFill>
+              <a:latin typeface="+mj-ea"/>
+              <a:ea typeface="+mj-ea"/>
             </a:endParaRPr>
           </a:p>
         </p:txBody>
@@ -5948,6 +6206,8 @@
                 <a:solidFill>
                   <a:srgbClr val="393939"/>
                 </a:solidFill>
+                <a:latin typeface="+mj-ea"/>
+                <a:ea typeface="+mj-ea"/>
               </a:rPr>
               <a:t>쇼핑몰 총괄</a:t>
             </a:r>
@@ -5955,6 +6215,8 @@
               <a:solidFill>
                 <a:srgbClr val="393939"/>
               </a:solidFill>
+              <a:latin typeface="+mj-ea"/>
+              <a:ea typeface="+mj-ea"/>
             </a:endParaRPr>
           </a:p>
           <a:p>
@@ -5964,14 +6226,28 @@
                 <a:solidFill>
                   <a:srgbClr val="393939"/>
                 </a:solidFill>
+                <a:latin typeface="+mj-ea"/>
+                <a:ea typeface="+mj-ea"/>
               </a:rPr>
-              <a:t>- DB </a:t>
+              <a:t>- </a:t>
+            </a:r>
+            <a:r>
+              <a:rPr lang="en-US" altLang="ko-KR" sz="1400" spc="-150" dirty="0" smtClean="0">
+                <a:solidFill>
+                  <a:srgbClr val="393939"/>
+                </a:solidFill>
+                <a:latin typeface="+mj-ea"/>
+                <a:ea typeface="+mj-ea"/>
+              </a:rPr>
+              <a:t> DB </a:t>
             </a:r>
             <a:r>
               <a:rPr lang="ko-KR" altLang="en-US" sz="1400" spc="-150" dirty="0" smtClean="0">
                 <a:solidFill>
                   <a:srgbClr val="393939"/>
                 </a:solidFill>
+                <a:latin typeface="+mj-ea"/>
+                <a:ea typeface="+mj-ea"/>
               </a:rPr>
               <a:t>통합</a:t>
             </a:r>
@@ -5979,6 +6255,8 @@
               <a:solidFill>
                 <a:srgbClr val="393939"/>
               </a:solidFill>
+              <a:latin typeface="+mj-ea"/>
+              <a:ea typeface="+mj-ea"/>
             </a:endParaRPr>
           </a:p>
         </p:txBody>
@@ -9016,6 +9294,54 @@
           </a:p>
         </p:txBody>
       </p:sp>
+      <p:sp>
+        <p:nvSpPr>
+          <p:cNvPr id="34" name="직사각형 33"/>
+          <p:cNvSpPr/>
+          <p:nvPr/>
+        </p:nvSpPr>
+        <p:spPr>
+          <a:xfrm>
+            <a:off x="10241280" y="6489402"/>
+            <a:ext cx="1950720" cy="302096"/>
+          </a:xfrm>
+          <a:prstGeom prst="rect">
+            <a:avLst/>
+          </a:prstGeom>
+          <a:solidFill>
+            <a:schemeClr val="bg1"/>
+          </a:solidFill>
+          <a:ln>
+            <a:solidFill>
+              <a:schemeClr val="bg1"/>
+            </a:solidFill>
+          </a:ln>
+        </p:spPr>
+        <p:style>
+          <a:lnRef idx="2">
+            <a:schemeClr val="accent1">
+              <a:shade val="50000"/>
+            </a:schemeClr>
+          </a:lnRef>
+          <a:fillRef idx="1">
+            <a:schemeClr val="accent1"/>
+          </a:fillRef>
+          <a:effectRef idx="0">
+            <a:schemeClr val="accent1"/>
+          </a:effectRef>
+          <a:fontRef idx="minor">
+            <a:schemeClr val="lt1"/>
+          </a:fontRef>
+        </p:style>
+        <p:txBody>
+          <a:bodyPr rtlCol="0" anchor="ctr"/>
+          <a:lstStyle/>
+          <a:p>
+            <a:pPr algn="ctr"/>
+            <a:endParaRPr lang="ko-KR" altLang="en-US"/>
+          </a:p>
+        </p:txBody>
+      </p:sp>
     </p:spTree>
     <p:extLst>
       <p:ext uri="{BB962C8B-B14F-4D97-AF65-F5344CB8AC3E}">
@@ -9027,7 +9353,7 @@
     <a:masterClrMapping/>
   </p:clrMapOvr>
   <mc:AlternateContent xmlns:mc="http://schemas.openxmlformats.org/markup-compatibility/2006">
-    <mc:Choice xmlns="" xmlns:p159="http://schemas.microsoft.com/office/powerpoint/2015/09/main" Requires="p159">
+    <mc:Choice xmlns:p159="http://schemas.microsoft.com/office/powerpoint/2015/09/main" xmlns="" Requires="p159">
       <p:transition xmlns:p14="http://schemas.microsoft.com/office/powerpoint/2010/main" spd="slow" p14:dur="2000">
         <p159:morph option="byObject"/>
       </p:transition>
@@ -10635,6 +10961,54 @@
           </a:p>
         </p:txBody>
       </p:sp>
+      <p:sp>
+        <p:nvSpPr>
+          <p:cNvPr id="44" name="직사각형 43"/>
+          <p:cNvSpPr/>
+          <p:nvPr/>
+        </p:nvSpPr>
+        <p:spPr>
+          <a:xfrm>
+            <a:off x="10241280" y="6489402"/>
+            <a:ext cx="1950720" cy="302096"/>
+          </a:xfrm>
+          <a:prstGeom prst="rect">
+            <a:avLst/>
+          </a:prstGeom>
+          <a:solidFill>
+            <a:schemeClr val="bg1"/>
+          </a:solidFill>
+          <a:ln>
+            <a:solidFill>
+              <a:schemeClr val="bg1"/>
+            </a:solidFill>
+          </a:ln>
+        </p:spPr>
+        <p:style>
+          <a:lnRef idx="2">
+            <a:schemeClr val="accent1">
+              <a:shade val="50000"/>
+            </a:schemeClr>
+          </a:lnRef>
+          <a:fillRef idx="1">
+            <a:schemeClr val="accent1"/>
+          </a:fillRef>
+          <a:effectRef idx="0">
+            <a:schemeClr val="accent1"/>
+          </a:effectRef>
+          <a:fontRef idx="minor">
+            <a:schemeClr val="lt1"/>
+          </a:fontRef>
+        </p:style>
+        <p:txBody>
+          <a:bodyPr rtlCol="0" anchor="ctr"/>
+          <a:lstStyle/>
+          <a:p>
+            <a:pPr algn="ctr"/>
+            <a:endParaRPr lang="ko-KR" altLang="en-US"/>
+          </a:p>
+        </p:txBody>
+      </p:sp>
     </p:spTree>
     <p:extLst>
       <p:ext uri="{BB962C8B-B14F-4D97-AF65-F5344CB8AC3E}">
@@ -10646,7 +11020,7 @@
     <a:masterClrMapping/>
   </p:clrMapOvr>
   <mc:AlternateContent xmlns:mc="http://schemas.openxmlformats.org/markup-compatibility/2006">
-    <mc:Choice xmlns="" xmlns:p159="http://schemas.microsoft.com/office/powerpoint/2015/09/main" Requires="p159">
+    <mc:Choice xmlns:p159="http://schemas.microsoft.com/office/powerpoint/2015/09/main" xmlns="" Requires="p159">
       <p:transition xmlns:p14="http://schemas.microsoft.com/office/powerpoint/2010/main" spd="slow" p14:dur="2000">
         <p159:morph option="byObject"/>
       </p:transition>
@@ -11007,6 +11381,54 @@
           </a:p>
         </p:txBody>
       </p:sp>
+      <p:sp>
+        <p:nvSpPr>
+          <p:cNvPr id="9" name="직사각형 8"/>
+          <p:cNvSpPr/>
+          <p:nvPr/>
+        </p:nvSpPr>
+        <p:spPr>
+          <a:xfrm>
+            <a:off x="10241280" y="6489402"/>
+            <a:ext cx="1950720" cy="302096"/>
+          </a:xfrm>
+          <a:prstGeom prst="rect">
+            <a:avLst/>
+          </a:prstGeom>
+          <a:solidFill>
+            <a:schemeClr val="bg1"/>
+          </a:solidFill>
+          <a:ln>
+            <a:solidFill>
+              <a:schemeClr val="bg1"/>
+            </a:solidFill>
+          </a:ln>
+        </p:spPr>
+        <p:style>
+          <a:lnRef idx="2">
+            <a:schemeClr val="accent1">
+              <a:shade val="50000"/>
+            </a:schemeClr>
+          </a:lnRef>
+          <a:fillRef idx="1">
+            <a:schemeClr val="accent1"/>
+          </a:fillRef>
+          <a:effectRef idx="0">
+            <a:schemeClr val="accent1"/>
+          </a:effectRef>
+          <a:fontRef idx="minor">
+            <a:schemeClr val="lt1"/>
+          </a:fontRef>
+        </p:style>
+        <p:txBody>
+          <a:bodyPr rtlCol="0" anchor="ctr"/>
+          <a:lstStyle/>
+          <a:p>
+            <a:pPr algn="ctr"/>
+            <a:endParaRPr lang="ko-KR" altLang="en-US"/>
+          </a:p>
+        </p:txBody>
+      </p:sp>
     </p:spTree>
     <p:extLst>
       <p:ext uri="{BB962C8B-B14F-4D97-AF65-F5344CB8AC3E}">
@@ -11018,7 +11440,7 @@
     <a:masterClrMapping/>
   </p:clrMapOvr>
   <mc:AlternateContent xmlns:mc="http://schemas.openxmlformats.org/markup-compatibility/2006">
-    <mc:Choice xmlns="" xmlns:p159="http://schemas.microsoft.com/office/powerpoint/2015/09/main" Requires="p159">
+    <mc:Choice xmlns:p159="http://schemas.microsoft.com/office/powerpoint/2015/09/main" xmlns="" Requires="p159">
       <p:transition xmlns:p14="http://schemas.microsoft.com/office/powerpoint/2010/main" spd="slow" p14:dur="2000">
         <p159:morph option="byObject"/>
       </p:transition>
@@ -11410,6 +11832,54 @@
           </a:prstGeom>
         </p:spPr>
       </p:pic>
+      <p:sp>
+        <p:nvSpPr>
+          <p:cNvPr id="10" name="직사각형 9"/>
+          <p:cNvSpPr/>
+          <p:nvPr/>
+        </p:nvSpPr>
+        <p:spPr>
+          <a:xfrm>
+            <a:off x="10241280" y="6489402"/>
+            <a:ext cx="1950720" cy="302096"/>
+          </a:xfrm>
+          <a:prstGeom prst="rect">
+            <a:avLst/>
+          </a:prstGeom>
+          <a:solidFill>
+            <a:schemeClr val="bg1"/>
+          </a:solidFill>
+          <a:ln>
+            <a:solidFill>
+              <a:schemeClr val="bg1"/>
+            </a:solidFill>
+          </a:ln>
+        </p:spPr>
+        <p:style>
+          <a:lnRef idx="2">
+            <a:schemeClr val="accent1">
+              <a:shade val="50000"/>
+            </a:schemeClr>
+          </a:lnRef>
+          <a:fillRef idx="1">
+            <a:schemeClr val="accent1"/>
+          </a:fillRef>
+          <a:effectRef idx="0">
+            <a:schemeClr val="accent1"/>
+          </a:effectRef>
+          <a:fontRef idx="minor">
+            <a:schemeClr val="lt1"/>
+          </a:fontRef>
+        </p:style>
+        <p:txBody>
+          <a:bodyPr rtlCol="0" anchor="ctr"/>
+          <a:lstStyle/>
+          <a:p>
+            <a:pPr algn="ctr"/>
+            <a:endParaRPr lang="ko-KR" altLang="en-US"/>
+          </a:p>
+        </p:txBody>
+      </p:sp>
     </p:spTree>
     <p:extLst>
       <p:ext uri="{BB962C8B-B14F-4D97-AF65-F5344CB8AC3E}">
@@ -11421,7 +11891,7 @@
     <a:masterClrMapping/>
   </p:clrMapOvr>
   <mc:AlternateContent xmlns:mc="http://schemas.openxmlformats.org/markup-compatibility/2006">
-    <mc:Choice xmlns="" xmlns:p159="http://schemas.microsoft.com/office/powerpoint/2015/09/main" Requires="p159">
+    <mc:Choice xmlns:p159="http://schemas.microsoft.com/office/powerpoint/2015/09/main" xmlns="" Requires="p159">
       <p:transition xmlns:p14="http://schemas.microsoft.com/office/powerpoint/2010/main" spd="slow" p14:dur="2000">
         <p159:morph option="byObject"/>
       </p:transition>
@@ -11782,6 +12252,54 @@
           </a:prstGeom>
         </p:spPr>
       </p:pic>
+      <p:sp>
+        <p:nvSpPr>
+          <p:cNvPr id="9" name="직사각형 8"/>
+          <p:cNvSpPr/>
+          <p:nvPr/>
+        </p:nvSpPr>
+        <p:spPr>
+          <a:xfrm>
+            <a:off x="10241280" y="6489402"/>
+            <a:ext cx="1950720" cy="302096"/>
+          </a:xfrm>
+          <a:prstGeom prst="rect">
+            <a:avLst/>
+          </a:prstGeom>
+          <a:solidFill>
+            <a:schemeClr val="bg1"/>
+          </a:solidFill>
+          <a:ln>
+            <a:solidFill>
+              <a:schemeClr val="bg1"/>
+            </a:solidFill>
+          </a:ln>
+        </p:spPr>
+        <p:style>
+          <a:lnRef idx="2">
+            <a:schemeClr val="accent1">
+              <a:shade val="50000"/>
+            </a:schemeClr>
+          </a:lnRef>
+          <a:fillRef idx="1">
+            <a:schemeClr val="accent1"/>
+          </a:fillRef>
+          <a:effectRef idx="0">
+            <a:schemeClr val="accent1"/>
+          </a:effectRef>
+          <a:fontRef idx="minor">
+            <a:schemeClr val="lt1"/>
+          </a:fontRef>
+        </p:style>
+        <p:txBody>
+          <a:bodyPr rtlCol="0" anchor="ctr"/>
+          <a:lstStyle/>
+          <a:p>
+            <a:pPr algn="ctr"/>
+            <a:endParaRPr lang="ko-KR" altLang="en-US"/>
+          </a:p>
+        </p:txBody>
+      </p:sp>
     </p:spTree>
     <p:extLst>
       <p:ext uri="{BB962C8B-B14F-4D97-AF65-F5344CB8AC3E}">
@@ -11793,7 +12311,7 @@
     <a:masterClrMapping/>
   </p:clrMapOvr>
   <mc:AlternateContent xmlns:mc="http://schemas.openxmlformats.org/markup-compatibility/2006">
-    <mc:Choice xmlns="" xmlns:p159="http://schemas.microsoft.com/office/powerpoint/2015/09/main" Requires="p159">
+    <mc:Choice xmlns:p159="http://schemas.microsoft.com/office/powerpoint/2015/09/main" xmlns="" Requires="p159">
       <p:transition xmlns:p14="http://schemas.microsoft.com/office/powerpoint/2010/main" spd="slow" p14:dur="2000">
         <p159:morph option="byObject"/>
       </p:transition>
@@ -12105,7 +12623,7 @@
     <a:masterClrMapping/>
   </p:clrMapOvr>
   <mc:AlternateContent xmlns:mc="http://schemas.openxmlformats.org/markup-compatibility/2006">
-    <mc:Choice xmlns="" xmlns:p159="http://schemas.microsoft.com/office/powerpoint/2015/09/main" Requires="p159">
+    <mc:Choice xmlns:p159="http://schemas.microsoft.com/office/powerpoint/2015/09/main" xmlns="" Requires="p159">
       <p:transition xmlns:p14="http://schemas.microsoft.com/office/powerpoint/2010/main" spd="slow" p14:dur="2000">
         <p159:morph option="byObject"/>
       </p:transition>
@@ -12802,6 +13320,54 @@
           </p:txBody>
         </p:sp>
       </p:grpSp>
+      <p:sp>
+        <p:nvSpPr>
+          <p:cNvPr id="7" name="직사각형 6"/>
+          <p:cNvSpPr/>
+          <p:nvPr/>
+        </p:nvSpPr>
+        <p:spPr>
+          <a:xfrm>
+            <a:off x="10241280" y="6489402"/>
+            <a:ext cx="1950720" cy="302096"/>
+          </a:xfrm>
+          <a:prstGeom prst="rect">
+            <a:avLst/>
+          </a:prstGeom>
+          <a:solidFill>
+            <a:schemeClr val="bg1"/>
+          </a:solidFill>
+          <a:ln>
+            <a:solidFill>
+              <a:schemeClr val="bg1"/>
+            </a:solidFill>
+          </a:ln>
+        </p:spPr>
+        <p:style>
+          <a:lnRef idx="2">
+            <a:schemeClr val="accent1">
+              <a:shade val="50000"/>
+            </a:schemeClr>
+          </a:lnRef>
+          <a:fillRef idx="1">
+            <a:schemeClr val="accent1"/>
+          </a:fillRef>
+          <a:effectRef idx="0">
+            <a:schemeClr val="accent1"/>
+          </a:effectRef>
+          <a:fontRef idx="minor">
+            <a:schemeClr val="lt1"/>
+          </a:fontRef>
+        </p:style>
+        <p:txBody>
+          <a:bodyPr rtlCol="0" anchor="ctr"/>
+          <a:lstStyle/>
+          <a:p>
+            <a:pPr algn="ctr"/>
+            <a:endParaRPr lang="ko-KR" altLang="en-US"/>
+          </a:p>
+        </p:txBody>
+      </p:sp>
     </p:spTree>
     <p:extLst>
       <p:ext uri="{BB962C8B-B14F-4D97-AF65-F5344CB8AC3E}">
@@ -12813,7 +13379,7 @@
     <a:masterClrMapping/>
   </p:clrMapOvr>
   <mc:AlternateContent xmlns:mc="http://schemas.openxmlformats.org/markup-compatibility/2006">
-    <mc:Choice xmlns="" xmlns:p159="http://schemas.microsoft.com/office/powerpoint/2015/09/main" Requires="p159">
+    <mc:Choice xmlns:p159="http://schemas.microsoft.com/office/powerpoint/2015/09/main" xmlns="" Requires="p159">
       <p:transition xmlns:p14="http://schemas.microsoft.com/office/powerpoint/2010/main" spd="slow" p14:dur="2000">
         <p159:morph option="byObject"/>
       </p:transition>
@@ -13445,6 +14011,54 @@
           </a:prstGeom>
         </p:spPr>
       </p:pic>
+      <p:sp>
+        <p:nvSpPr>
+          <p:cNvPr id="22" name="직사각형 21"/>
+          <p:cNvSpPr/>
+          <p:nvPr/>
+        </p:nvSpPr>
+        <p:spPr>
+          <a:xfrm>
+            <a:off x="10241280" y="6489402"/>
+            <a:ext cx="1950720" cy="302096"/>
+          </a:xfrm>
+          <a:prstGeom prst="rect">
+            <a:avLst/>
+          </a:prstGeom>
+          <a:solidFill>
+            <a:schemeClr val="bg1"/>
+          </a:solidFill>
+          <a:ln>
+            <a:solidFill>
+              <a:schemeClr val="bg1"/>
+            </a:solidFill>
+          </a:ln>
+        </p:spPr>
+        <p:style>
+          <a:lnRef idx="2">
+            <a:schemeClr val="accent1">
+              <a:shade val="50000"/>
+            </a:schemeClr>
+          </a:lnRef>
+          <a:fillRef idx="1">
+            <a:schemeClr val="accent1"/>
+          </a:fillRef>
+          <a:effectRef idx="0">
+            <a:schemeClr val="accent1"/>
+          </a:effectRef>
+          <a:fontRef idx="minor">
+            <a:schemeClr val="lt1"/>
+          </a:fontRef>
+        </p:style>
+        <p:txBody>
+          <a:bodyPr rtlCol="0" anchor="ctr"/>
+          <a:lstStyle/>
+          <a:p>
+            <a:pPr algn="ctr"/>
+            <a:endParaRPr lang="ko-KR" altLang="en-US"/>
+          </a:p>
+        </p:txBody>
+      </p:sp>
     </p:spTree>
     <p:extLst>
       <p:ext uri="{BB962C8B-B14F-4D97-AF65-F5344CB8AC3E}">
@@ -13456,7 +14070,7 @@
     <a:masterClrMapping/>
   </p:clrMapOvr>
   <mc:AlternateContent xmlns:mc="http://schemas.openxmlformats.org/markup-compatibility/2006">
-    <mc:Choice xmlns="" xmlns:p159="http://schemas.microsoft.com/office/powerpoint/2015/09/main" Requires="p159">
+    <mc:Choice xmlns:p159="http://schemas.microsoft.com/office/powerpoint/2015/09/main" xmlns="" Requires="p159">
       <p:transition xmlns:p14="http://schemas.microsoft.com/office/powerpoint/2010/main" spd="slow" p14:dur="2000">
         <p159:morph option="byObject"/>
       </p:transition>
@@ -14134,6 +14748,54 @@
           </a:p>
         </p:txBody>
       </p:sp>
+      <p:sp>
+        <p:nvSpPr>
+          <p:cNvPr id="22" name="직사각형 21"/>
+          <p:cNvSpPr/>
+          <p:nvPr/>
+        </p:nvSpPr>
+        <p:spPr>
+          <a:xfrm>
+            <a:off x="10241280" y="6489402"/>
+            <a:ext cx="1950720" cy="302096"/>
+          </a:xfrm>
+          <a:prstGeom prst="rect">
+            <a:avLst/>
+          </a:prstGeom>
+          <a:solidFill>
+            <a:schemeClr val="bg1"/>
+          </a:solidFill>
+          <a:ln>
+            <a:solidFill>
+              <a:schemeClr val="bg1"/>
+            </a:solidFill>
+          </a:ln>
+        </p:spPr>
+        <p:style>
+          <a:lnRef idx="2">
+            <a:schemeClr val="accent1">
+              <a:shade val="50000"/>
+            </a:schemeClr>
+          </a:lnRef>
+          <a:fillRef idx="1">
+            <a:schemeClr val="accent1"/>
+          </a:fillRef>
+          <a:effectRef idx="0">
+            <a:schemeClr val="accent1"/>
+          </a:effectRef>
+          <a:fontRef idx="minor">
+            <a:schemeClr val="lt1"/>
+          </a:fontRef>
+        </p:style>
+        <p:txBody>
+          <a:bodyPr rtlCol="0" anchor="ctr"/>
+          <a:lstStyle/>
+          <a:p>
+            <a:pPr algn="ctr"/>
+            <a:endParaRPr lang="ko-KR" altLang="en-US"/>
+          </a:p>
+        </p:txBody>
+      </p:sp>
     </p:spTree>
     <p:extLst>
       <p:ext uri="{BB962C8B-B14F-4D97-AF65-F5344CB8AC3E}">
@@ -14145,7 +14807,7 @@
     <a:masterClrMapping/>
   </p:clrMapOvr>
   <mc:AlternateContent xmlns:mc="http://schemas.openxmlformats.org/markup-compatibility/2006">
-    <mc:Choice xmlns="" xmlns:p159="http://schemas.microsoft.com/office/powerpoint/2015/09/main" Requires="p159">
+    <mc:Choice xmlns:p159="http://schemas.microsoft.com/office/powerpoint/2015/09/main" xmlns="" Requires="p159">
       <p:transition xmlns:p14="http://schemas.microsoft.com/office/powerpoint/2010/main" spd="slow" p14:dur="2000">
         <p159:morph option="byObject"/>
       </p:transition>
@@ -14823,6 +15485,54 @@
           </a:p>
         </p:txBody>
       </p:sp>
+      <p:sp>
+        <p:nvSpPr>
+          <p:cNvPr id="22" name="직사각형 21"/>
+          <p:cNvSpPr/>
+          <p:nvPr/>
+        </p:nvSpPr>
+        <p:spPr>
+          <a:xfrm>
+            <a:off x="10241280" y="6489402"/>
+            <a:ext cx="1950720" cy="302096"/>
+          </a:xfrm>
+          <a:prstGeom prst="rect">
+            <a:avLst/>
+          </a:prstGeom>
+          <a:solidFill>
+            <a:schemeClr val="bg1"/>
+          </a:solidFill>
+          <a:ln>
+            <a:solidFill>
+              <a:schemeClr val="bg1"/>
+            </a:solidFill>
+          </a:ln>
+        </p:spPr>
+        <p:style>
+          <a:lnRef idx="2">
+            <a:schemeClr val="accent1">
+              <a:shade val="50000"/>
+            </a:schemeClr>
+          </a:lnRef>
+          <a:fillRef idx="1">
+            <a:schemeClr val="accent1"/>
+          </a:fillRef>
+          <a:effectRef idx="0">
+            <a:schemeClr val="accent1"/>
+          </a:effectRef>
+          <a:fontRef idx="minor">
+            <a:schemeClr val="lt1"/>
+          </a:fontRef>
+        </p:style>
+        <p:txBody>
+          <a:bodyPr rtlCol="0" anchor="ctr"/>
+          <a:lstStyle/>
+          <a:p>
+            <a:pPr algn="ctr"/>
+            <a:endParaRPr lang="ko-KR" altLang="en-US"/>
+          </a:p>
+        </p:txBody>
+      </p:sp>
     </p:spTree>
     <p:extLst>
       <p:ext uri="{BB962C8B-B14F-4D97-AF65-F5344CB8AC3E}">
@@ -14834,7 +15544,7 @@
     <a:masterClrMapping/>
   </p:clrMapOvr>
   <mc:AlternateContent xmlns:mc="http://schemas.openxmlformats.org/markup-compatibility/2006">
-    <mc:Choice xmlns="" xmlns:p159="http://schemas.microsoft.com/office/powerpoint/2015/09/main" Requires="p159">
+    <mc:Choice xmlns:p159="http://schemas.microsoft.com/office/powerpoint/2015/09/main" xmlns="" Requires="p159">
       <p:transition xmlns:p14="http://schemas.microsoft.com/office/powerpoint/2010/main" spd="slow" p14:dur="2000">
         <p159:morph option="byObject"/>
       </p:transition>
@@ -15466,6 +16176,54 @@
           </a:prstGeom>
         </p:spPr>
       </p:pic>
+      <p:sp>
+        <p:nvSpPr>
+          <p:cNvPr id="22" name="직사각형 21"/>
+          <p:cNvSpPr/>
+          <p:nvPr/>
+        </p:nvSpPr>
+        <p:spPr>
+          <a:xfrm>
+            <a:off x="10241280" y="6489402"/>
+            <a:ext cx="1950720" cy="302096"/>
+          </a:xfrm>
+          <a:prstGeom prst="rect">
+            <a:avLst/>
+          </a:prstGeom>
+          <a:solidFill>
+            <a:schemeClr val="bg1"/>
+          </a:solidFill>
+          <a:ln>
+            <a:solidFill>
+              <a:schemeClr val="bg1"/>
+            </a:solidFill>
+          </a:ln>
+        </p:spPr>
+        <p:style>
+          <a:lnRef idx="2">
+            <a:schemeClr val="accent1">
+              <a:shade val="50000"/>
+            </a:schemeClr>
+          </a:lnRef>
+          <a:fillRef idx="1">
+            <a:schemeClr val="accent1"/>
+          </a:fillRef>
+          <a:effectRef idx="0">
+            <a:schemeClr val="accent1"/>
+          </a:effectRef>
+          <a:fontRef idx="minor">
+            <a:schemeClr val="lt1"/>
+          </a:fontRef>
+        </p:style>
+        <p:txBody>
+          <a:bodyPr rtlCol="0" anchor="ctr"/>
+          <a:lstStyle/>
+          <a:p>
+            <a:pPr algn="ctr"/>
+            <a:endParaRPr lang="ko-KR" altLang="en-US"/>
+          </a:p>
+        </p:txBody>
+      </p:sp>
     </p:spTree>
     <p:extLst>
       <p:ext uri="{BB962C8B-B14F-4D97-AF65-F5344CB8AC3E}">
@@ -15477,7 +16235,7 @@
     <a:masterClrMapping/>
   </p:clrMapOvr>
   <mc:AlternateContent xmlns:mc="http://schemas.openxmlformats.org/markup-compatibility/2006">
-    <mc:Choice xmlns="" xmlns:p159="http://schemas.microsoft.com/office/powerpoint/2015/09/main" Requires="p159">
+    <mc:Choice xmlns:p159="http://schemas.microsoft.com/office/powerpoint/2015/09/main" xmlns="" Requires="p159">
       <p:transition xmlns:p14="http://schemas.microsoft.com/office/powerpoint/2010/main" spd="slow" p14:dur="2000">
         <p159:morph option="byObject"/>
       </p:transition>
@@ -16155,6 +16913,54 @@
           </a:p>
         </p:txBody>
       </p:sp>
+      <p:sp>
+        <p:nvSpPr>
+          <p:cNvPr id="22" name="직사각형 21"/>
+          <p:cNvSpPr/>
+          <p:nvPr/>
+        </p:nvSpPr>
+        <p:spPr>
+          <a:xfrm>
+            <a:off x="10241280" y="6489402"/>
+            <a:ext cx="1950720" cy="302096"/>
+          </a:xfrm>
+          <a:prstGeom prst="rect">
+            <a:avLst/>
+          </a:prstGeom>
+          <a:solidFill>
+            <a:schemeClr val="bg1"/>
+          </a:solidFill>
+          <a:ln>
+            <a:solidFill>
+              <a:schemeClr val="bg1"/>
+            </a:solidFill>
+          </a:ln>
+        </p:spPr>
+        <p:style>
+          <a:lnRef idx="2">
+            <a:schemeClr val="accent1">
+              <a:shade val="50000"/>
+            </a:schemeClr>
+          </a:lnRef>
+          <a:fillRef idx="1">
+            <a:schemeClr val="accent1"/>
+          </a:fillRef>
+          <a:effectRef idx="0">
+            <a:schemeClr val="accent1"/>
+          </a:effectRef>
+          <a:fontRef idx="minor">
+            <a:schemeClr val="lt1"/>
+          </a:fontRef>
+        </p:style>
+        <p:txBody>
+          <a:bodyPr rtlCol="0" anchor="ctr"/>
+          <a:lstStyle/>
+          <a:p>
+            <a:pPr algn="ctr"/>
+            <a:endParaRPr lang="ko-KR" altLang="en-US"/>
+          </a:p>
+        </p:txBody>
+      </p:sp>
     </p:spTree>
     <p:extLst>
       <p:ext uri="{BB962C8B-B14F-4D97-AF65-F5344CB8AC3E}">
@@ -16166,7 +16972,7 @@
     <a:masterClrMapping/>
   </p:clrMapOvr>
   <mc:AlternateContent xmlns:mc="http://schemas.openxmlformats.org/markup-compatibility/2006">
-    <mc:Choice xmlns="" xmlns:p159="http://schemas.microsoft.com/office/powerpoint/2015/09/main" Requires="p159">
+    <mc:Choice xmlns:p159="http://schemas.microsoft.com/office/powerpoint/2015/09/main" xmlns="" Requires="p159">
       <p:transition xmlns:p14="http://schemas.microsoft.com/office/powerpoint/2010/main" spd="slow" p14:dur="2000">
         <p159:morph option="byObject"/>
       </p:transition>
@@ -16844,6 +17650,54 @@
           </a:p>
         </p:txBody>
       </p:sp>
+      <p:sp>
+        <p:nvSpPr>
+          <p:cNvPr id="22" name="직사각형 21"/>
+          <p:cNvSpPr/>
+          <p:nvPr/>
+        </p:nvSpPr>
+        <p:spPr>
+          <a:xfrm>
+            <a:off x="10241280" y="6489402"/>
+            <a:ext cx="1950720" cy="302096"/>
+          </a:xfrm>
+          <a:prstGeom prst="rect">
+            <a:avLst/>
+          </a:prstGeom>
+          <a:solidFill>
+            <a:schemeClr val="bg1"/>
+          </a:solidFill>
+          <a:ln>
+            <a:solidFill>
+              <a:schemeClr val="bg1"/>
+            </a:solidFill>
+          </a:ln>
+        </p:spPr>
+        <p:style>
+          <a:lnRef idx="2">
+            <a:schemeClr val="accent1">
+              <a:shade val="50000"/>
+            </a:schemeClr>
+          </a:lnRef>
+          <a:fillRef idx="1">
+            <a:schemeClr val="accent1"/>
+          </a:fillRef>
+          <a:effectRef idx="0">
+            <a:schemeClr val="accent1"/>
+          </a:effectRef>
+          <a:fontRef idx="minor">
+            <a:schemeClr val="lt1"/>
+          </a:fontRef>
+        </p:style>
+        <p:txBody>
+          <a:bodyPr rtlCol="0" anchor="ctr"/>
+          <a:lstStyle/>
+          <a:p>
+            <a:pPr algn="ctr"/>
+            <a:endParaRPr lang="ko-KR" altLang="en-US"/>
+          </a:p>
+        </p:txBody>
+      </p:sp>
     </p:spTree>
     <p:extLst>
       <p:ext uri="{BB962C8B-B14F-4D97-AF65-F5344CB8AC3E}">
@@ -16855,7 +17709,7 @@
     <a:masterClrMapping/>
   </p:clrMapOvr>
   <mc:AlternateContent xmlns:mc="http://schemas.openxmlformats.org/markup-compatibility/2006">
-    <mc:Choice xmlns="" xmlns:p159="http://schemas.microsoft.com/office/powerpoint/2015/09/main" Requires="p159">
+    <mc:Choice xmlns:p159="http://schemas.microsoft.com/office/powerpoint/2015/09/main" xmlns="" Requires="p159">
       <p:transition xmlns:p14="http://schemas.microsoft.com/office/powerpoint/2010/main" spd="slow" p14:dur="2000">
         <p159:morph option="byObject"/>
       </p:transition>
@@ -17487,6 +18341,54 @@
           </a:prstGeom>
         </p:spPr>
       </p:pic>
+      <p:sp>
+        <p:nvSpPr>
+          <p:cNvPr id="22" name="직사각형 21"/>
+          <p:cNvSpPr/>
+          <p:nvPr/>
+        </p:nvSpPr>
+        <p:spPr>
+          <a:xfrm>
+            <a:off x="10241280" y="6489402"/>
+            <a:ext cx="1950720" cy="302096"/>
+          </a:xfrm>
+          <a:prstGeom prst="rect">
+            <a:avLst/>
+          </a:prstGeom>
+          <a:solidFill>
+            <a:schemeClr val="bg1"/>
+          </a:solidFill>
+          <a:ln>
+            <a:solidFill>
+              <a:schemeClr val="bg1"/>
+            </a:solidFill>
+          </a:ln>
+        </p:spPr>
+        <p:style>
+          <a:lnRef idx="2">
+            <a:schemeClr val="accent1">
+              <a:shade val="50000"/>
+            </a:schemeClr>
+          </a:lnRef>
+          <a:fillRef idx="1">
+            <a:schemeClr val="accent1"/>
+          </a:fillRef>
+          <a:effectRef idx="0">
+            <a:schemeClr val="accent1"/>
+          </a:effectRef>
+          <a:fontRef idx="minor">
+            <a:schemeClr val="lt1"/>
+          </a:fontRef>
+        </p:style>
+        <p:txBody>
+          <a:bodyPr rtlCol="0" anchor="ctr"/>
+          <a:lstStyle/>
+          <a:p>
+            <a:pPr algn="ctr"/>
+            <a:endParaRPr lang="ko-KR" altLang="en-US"/>
+          </a:p>
+        </p:txBody>
+      </p:sp>
     </p:spTree>
     <p:extLst>
       <p:ext uri="{BB962C8B-B14F-4D97-AF65-F5344CB8AC3E}">
@@ -17498,7 +18400,7 @@
     <a:masterClrMapping/>
   </p:clrMapOvr>
   <mc:AlternateContent xmlns:mc="http://schemas.openxmlformats.org/markup-compatibility/2006">
-    <mc:Choice xmlns="" xmlns:p159="http://schemas.microsoft.com/office/powerpoint/2015/09/main" Requires="p159">
+    <mc:Choice xmlns:p159="http://schemas.microsoft.com/office/powerpoint/2015/09/main" xmlns="" Requires="p159">
       <p:transition xmlns:p14="http://schemas.microsoft.com/office/powerpoint/2010/main" spd="slow" p14:dur="2000">
         <p159:morph option="byObject"/>
       </p:transition>
@@ -17738,7 +18640,7 @@
     <a:masterClrMapping/>
   </p:clrMapOvr>
   <mc:AlternateContent xmlns:mc="http://schemas.openxmlformats.org/markup-compatibility/2006">
-    <mc:Choice xmlns="" xmlns:p159="http://schemas.microsoft.com/office/powerpoint/2015/09/main" Requires="p159">
+    <mc:Choice xmlns:p159="http://schemas.microsoft.com/office/powerpoint/2015/09/main" xmlns="" Requires="p159">
       <p:transition xmlns:p14="http://schemas.microsoft.com/office/powerpoint/2010/main" spd="slow" p14:dur="2000">
         <p159:morph option="byObject"/>
       </p:transition>
@@ -18038,7 +18940,7 @@
     <a:masterClrMapping/>
   </p:clrMapOvr>
   <mc:AlternateContent xmlns:mc="http://schemas.openxmlformats.org/markup-compatibility/2006">
-    <mc:Choice xmlns="" xmlns:p159="http://schemas.microsoft.com/office/powerpoint/2015/09/main" Requires="p159">
+    <mc:Choice xmlns:p159="http://schemas.microsoft.com/office/powerpoint/2015/09/main" xmlns="" Requires="p159">
       <p:transition xmlns:p14="http://schemas.microsoft.com/office/powerpoint/2010/main" spd="slow" p14:dur="2000">
         <p159:morph option="byObject"/>
       </p:transition>
@@ -18342,7 +19244,7 @@
     <a:masterClrMapping/>
   </p:clrMapOvr>
   <mc:AlternateContent xmlns:mc="http://schemas.openxmlformats.org/markup-compatibility/2006">
-    <mc:Choice xmlns="" xmlns:p159="http://schemas.microsoft.com/office/powerpoint/2015/09/main" Requires="p159">
+    <mc:Choice xmlns:p159="http://schemas.microsoft.com/office/powerpoint/2015/09/main" xmlns="" Requires="p159">
       <p:transition xmlns:p14="http://schemas.microsoft.com/office/powerpoint/2010/main" spd="slow" p14:dur="2000">
         <p159:morph option="byObject"/>
       </p:transition>
@@ -18785,6 +19687,54 @@
           </a:prstGeom>
         </p:spPr>
       </p:pic>
+      <p:sp>
+        <p:nvSpPr>
+          <p:cNvPr id="12" name="직사각형 11"/>
+          <p:cNvSpPr/>
+          <p:nvPr/>
+        </p:nvSpPr>
+        <p:spPr>
+          <a:xfrm>
+            <a:off x="10241280" y="6489402"/>
+            <a:ext cx="1950720" cy="302096"/>
+          </a:xfrm>
+          <a:prstGeom prst="rect">
+            <a:avLst/>
+          </a:prstGeom>
+          <a:solidFill>
+            <a:schemeClr val="bg1"/>
+          </a:solidFill>
+          <a:ln>
+            <a:solidFill>
+              <a:schemeClr val="bg1"/>
+            </a:solidFill>
+          </a:ln>
+        </p:spPr>
+        <p:style>
+          <a:lnRef idx="2">
+            <a:schemeClr val="accent1">
+              <a:shade val="50000"/>
+            </a:schemeClr>
+          </a:lnRef>
+          <a:fillRef idx="1">
+            <a:schemeClr val="accent1"/>
+          </a:fillRef>
+          <a:effectRef idx="0">
+            <a:schemeClr val="accent1"/>
+          </a:effectRef>
+          <a:fontRef idx="minor">
+            <a:schemeClr val="lt1"/>
+          </a:fontRef>
+        </p:style>
+        <p:txBody>
+          <a:bodyPr rtlCol="0" anchor="ctr"/>
+          <a:lstStyle/>
+          <a:p>
+            <a:pPr algn="ctr"/>
+            <a:endParaRPr lang="ko-KR" altLang="en-US"/>
+          </a:p>
+        </p:txBody>
+      </p:sp>
     </p:spTree>
     <p:extLst>
       <p:ext uri="{BB962C8B-B14F-4D97-AF65-F5344CB8AC3E}">
@@ -18796,7 +19746,7 @@
     <a:masterClrMapping/>
   </p:clrMapOvr>
   <mc:AlternateContent xmlns:mc="http://schemas.openxmlformats.org/markup-compatibility/2006">
-    <mc:Choice xmlns="" xmlns:p159="http://schemas.microsoft.com/office/powerpoint/2015/09/main" Requires="p159">
+    <mc:Choice xmlns:p159="http://schemas.microsoft.com/office/powerpoint/2015/09/main" xmlns="" Requires="p159">
       <p:transition xmlns:p14="http://schemas.microsoft.com/office/powerpoint/2010/main" spd="slow" p14:dur="2000">
         <p159:morph option="byObject"/>
       </p:transition>
@@ -19215,6 +20165,54 @@
           </a:prstGeom>
         </p:spPr>
       </p:pic>
+      <p:sp>
+        <p:nvSpPr>
+          <p:cNvPr id="12" name="직사각형 11"/>
+          <p:cNvSpPr/>
+          <p:nvPr/>
+        </p:nvSpPr>
+        <p:spPr>
+          <a:xfrm>
+            <a:off x="10241280" y="6489402"/>
+            <a:ext cx="1950720" cy="302096"/>
+          </a:xfrm>
+          <a:prstGeom prst="rect">
+            <a:avLst/>
+          </a:prstGeom>
+          <a:solidFill>
+            <a:schemeClr val="bg1"/>
+          </a:solidFill>
+          <a:ln>
+            <a:solidFill>
+              <a:schemeClr val="bg1"/>
+            </a:solidFill>
+          </a:ln>
+        </p:spPr>
+        <p:style>
+          <a:lnRef idx="2">
+            <a:schemeClr val="accent1">
+              <a:shade val="50000"/>
+            </a:schemeClr>
+          </a:lnRef>
+          <a:fillRef idx="1">
+            <a:schemeClr val="accent1"/>
+          </a:fillRef>
+          <a:effectRef idx="0">
+            <a:schemeClr val="accent1"/>
+          </a:effectRef>
+          <a:fontRef idx="minor">
+            <a:schemeClr val="lt1"/>
+          </a:fontRef>
+        </p:style>
+        <p:txBody>
+          <a:bodyPr rtlCol="0" anchor="ctr"/>
+          <a:lstStyle/>
+          <a:p>
+            <a:pPr algn="ctr"/>
+            <a:endParaRPr lang="ko-KR" altLang="en-US"/>
+          </a:p>
+        </p:txBody>
+      </p:sp>
     </p:spTree>
     <p:extLst>
       <p:ext uri="{BB962C8B-B14F-4D97-AF65-F5344CB8AC3E}">
@@ -19226,7 +20224,7 @@
     <a:masterClrMapping/>
   </p:clrMapOvr>
   <mc:AlternateContent xmlns:mc="http://schemas.openxmlformats.org/markup-compatibility/2006">
-    <mc:Choice xmlns="" xmlns:p159="http://schemas.microsoft.com/office/powerpoint/2015/09/main" Requires="p159">
+    <mc:Choice xmlns:p159="http://schemas.microsoft.com/office/powerpoint/2015/09/main" xmlns="" Requires="p159">
       <p:transition xmlns:p14="http://schemas.microsoft.com/office/powerpoint/2010/main" spd="slow" p14:dur="2000">
         <p159:morph option="byObject"/>
       </p:transition>
@@ -19538,7 +20536,7 @@
     <a:masterClrMapping/>
   </p:clrMapOvr>
   <mc:AlternateContent xmlns:mc="http://schemas.openxmlformats.org/markup-compatibility/2006">
-    <mc:Choice xmlns="" xmlns:p159="http://schemas.microsoft.com/office/powerpoint/2015/09/main" Requires="p159">
+    <mc:Choice xmlns:p159="http://schemas.microsoft.com/office/powerpoint/2015/09/main" xmlns="" Requires="p159">
       <p:transition xmlns:p14="http://schemas.microsoft.com/office/powerpoint/2010/main" spd="slow" p14:dur="2000">
         <p159:morph option="byObject"/>
       </p:transition>
@@ -19897,6 +20895,54 @@
           </a:prstGeom>
         </p:spPr>
       </p:pic>
+      <p:sp>
+        <p:nvSpPr>
+          <p:cNvPr id="9" name="직사각형 8"/>
+          <p:cNvSpPr/>
+          <p:nvPr/>
+        </p:nvSpPr>
+        <p:spPr>
+          <a:xfrm>
+            <a:off x="10241280" y="6489402"/>
+            <a:ext cx="1950720" cy="302096"/>
+          </a:xfrm>
+          <a:prstGeom prst="rect">
+            <a:avLst/>
+          </a:prstGeom>
+          <a:solidFill>
+            <a:schemeClr val="bg1"/>
+          </a:solidFill>
+          <a:ln>
+            <a:solidFill>
+              <a:schemeClr val="bg1"/>
+            </a:solidFill>
+          </a:ln>
+        </p:spPr>
+        <p:style>
+          <a:lnRef idx="2">
+            <a:schemeClr val="accent1">
+              <a:shade val="50000"/>
+            </a:schemeClr>
+          </a:lnRef>
+          <a:fillRef idx="1">
+            <a:schemeClr val="accent1"/>
+          </a:fillRef>
+          <a:effectRef idx="0">
+            <a:schemeClr val="accent1"/>
+          </a:effectRef>
+          <a:fontRef idx="minor">
+            <a:schemeClr val="lt1"/>
+          </a:fontRef>
+        </p:style>
+        <p:txBody>
+          <a:bodyPr rtlCol="0" anchor="ctr"/>
+          <a:lstStyle/>
+          <a:p>
+            <a:pPr algn="ctr"/>
+            <a:endParaRPr lang="ko-KR" altLang="en-US"/>
+          </a:p>
+        </p:txBody>
+      </p:sp>
     </p:spTree>
     <p:extLst>
       <p:ext uri="{BB962C8B-B14F-4D97-AF65-F5344CB8AC3E}">
@@ -19908,7 +20954,7 @@
     <a:masterClrMapping/>
   </p:clrMapOvr>
   <mc:AlternateContent xmlns:mc="http://schemas.openxmlformats.org/markup-compatibility/2006">
-    <mc:Choice xmlns="" xmlns:p159="http://schemas.microsoft.com/office/powerpoint/2015/09/main" Requires="p159">
+    <mc:Choice xmlns:p159="http://schemas.microsoft.com/office/powerpoint/2015/09/main" xmlns="" Requires="p159">
       <p:transition xmlns:p14="http://schemas.microsoft.com/office/powerpoint/2010/main" spd="slow" p14:dur="2000">
         <p159:morph option="byObject"/>
       </p:transition>
@@ -20227,6 +21273,54 @@
           </a:prstGeom>
         </p:spPr>
       </p:pic>
+      <p:sp>
+        <p:nvSpPr>
+          <p:cNvPr id="8" name="직사각형 7"/>
+          <p:cNvSpPr/>
+          <p:nvPr/>
+        </p:nvSpPr>
+        <p:spPr>
+          <a:xfrm>
+            <a:off x="10241280" y="6489402"/>
+            <a:ext cx="1950720" cy="302096"/>
+          </a:xfrm>
+          <a:prstGeom prst="rect">
+            <a:avLst/>
+          </a:prstGeom>
+          <a:solidFill>
+            <a:schemeClr val="bg1"/>
+          </a:solidFill>
+          <a:ln>
+            <a:solidFill>
+              <a:schemeClr val="bg1"/>
+            </a:solidFill>
+          </a:ln>
+        </p:spPr>
+        <p:style>
+          <a:lnRef idx="2">
+            <a:schemeClr val="accent1">
+              <a:shade val="50000"/>
+            </a:schemeClr>
+          </a:lnRef>
+          <a:fillRef idx="1">
+            <a:schemeClr val="accent1"/>
+          </a:fillRef>
+          <a:effectRef idx="0">
+            <a:schemeClr val="accent1"/>
+          </a:effectRef>
+          <a:fontRef idx="minor">
+            <a:schemeClr val="lt1"/>
+          </a:fontRef>
+        </p:style>
+        <p:txBody>
+          <a:bodyPr rtlCol="0" anchor="ctr"/>
+          <a:lstStyle/>
+          <a:p>
+            <a:pPr algn="ctr"/>
+            <a:endParaRPr lang="ko-KR" altLang="en-US"/>
+          </a:p>
+        </p:txBody>
+      </p:sp>
     </p:spTree>
     <p:extLst>
       <p:ext uri="{BB962C8B-B14F-4D97-AF65-F5344CB8AC3E}">
@@ -20238,7 +21332,7 @@
     <a:masterClrMapping/>
   </p:clrMapOvr>
   <mc:AlternateContent xmlns:mc="http://schemas.openxmlformats.org/markup-compatibility/2006">
-    <mc:Choice xmlns="" xmlns:p159="http://schemas.microsoft.com/office/powerpoint/2015/09/main" Requires="p159">
+    <mc:Choice xmlns:p159="http://schemas.microsoft.com/office/powerpoint/2015/09/main" xmlns="" Requires="p159">
       <p:transition xmlns:p14="http://schemas.microsoft.com/office/powerpoint/2010/main" spd="slow" p14:dur="2000">
         <p159:morph option="byObject"/>
       </p:transition>
@@ -20597,6 +21691,54 @@
           </a:prstGeom>
         </p:spPr>
       </p:pic>
+      <p:sp>
+        <p:nvSpPr>
+          <p:cNvPr id="9" name="직사각형 8"/>
+          <p:cNvSpPr/>
+          <p:nvPr/>
+        </p:nvSpPr>
+        <p:spPr>
+          <a:xfrm>
+            <a:off x="10241280" y="6489402"/>
+            <a:ext cx="1950720" cy="302096"/>
+          </a:xfrm>
+          <a:prstGeom prst="rect">
+            <a:avLst/>
+          </a:prstGeom>
+          <a:solidFill>
+            <a:schemeClr val="bg1"/>
+          </a:solidFill>
+          <a:ln>
+            <a:solidFill>
+              <a:schemeClr val="bg1"/>
+            </a:solidFill>
+          </a:ln>
+        </p:spPr>
+        <p:style>
+          <a:lnRef idx="2">
+            <a:schemeClr val="accent1">
+              <a:shade val="50000"/>
+            </a:schemeClr>
+          </a:lnRef>
+          <a:fillRef idx="1">
+            <a:schemeClr val="accent1"/>
+          </a:fillRef>
+          <a:effectRef idx="0">
+            <a:schemeClr val="accent1"/>
+          </a:effectRef>
+          <a:fontRef idx="minor">
+            <a:schemeClr val="lt1"/>
+          </a:fontRef>
+        </p:style>
+        <p:txBody>
+          <a:bodyPr rtlCol="0" anchor="ctr"/>
+          <a:lstStyle/>
+          <a:p>
+            <a:pPr algn="ctr"/>
+            <a:endParaRPr lang="ko-KR" altLang="en-US"/>
+          </a:p>
+        </p:txBody>
+      </p:sp>
     </p:spTree>
     <p:extLst>
       <p:ext uri="{BB962C8B-B14F-4D97-AF65-F5344CB8AC3E}">
@@ -20608,7 +21750,7 @@
     <a:masterClrMapping/>
   </p:clrMapOvr>
   <mc:AlternateContent xmlns:mc="http://schemas.openxmlformats.org/markup-compatibility/2006">
-    <mc:Choice xmlns="" xmlns:p159="http://schemas.microsoft.com/office/powerpoint/2015/09/main" Requires="p159">
+    <mc:Choice xmlns:p159="http://schemas.microsoft.com/office/powerpoint/2015/09/main" xmlns="" Requires="p159">
       <p:transition xmlns:p14="http://schemas.microsoft.com/office/powerpoint/2010/main" spd="slow" p14:dur="2000">
         <p159:morph option="byObject"/>
       </p:transition>

--- a/2조 최종 PPT.pptx
+++ b/2조 최종 PPT.pptx
@@ -38,12 +38,12 @@
   <p:notesSz cx="6858000" cy="9144000"/>
   <p:embeddedFontLst>
     <p:embeddedFont>
-      <p:font typeface="나눔스퀘어 Light" panose="020B0600000101010101" pitchFamily="50" charset="-127"/>
-      <p:regular r:id="rId30"/>
+      <p:font typeface="나눔스퀘어 ExtraBold" panose="020B0600000101010101" pitchFamily="50" charset="-127"/>
+      <p:bold r:id="rId30"/>
     </p:embeddedFont>
     <p:embeddedFont>
-      <p:font typeface="나눔스퀘어 ExtraBold" panose="020B0600000101010101" pitchFamily="50" charset="-127"/>
-      <p:bold r:id="rId31"/>
+      <p:font typeface="나눔스퀘어 Light" panose="020B0600000101010101" pitchFamily="50" charset="-127"/>
+      <p:regular r:id="rId31"/>
     </p:embeddedFont>
   </p:embeddedFontLst>
   <p:defaultTextStyle>
@@ -3975,7 +3975,7 @@
     <a:masterClrMapping/>
   </p:clrMapOvr>
   <mc:AlternateContent xmlns:mc="http://schemas.openxmlformats.org/markup-compatibility/2006">
-    <mc:Choice xmlns:p159="http://schemas.microsoft.com/office/powerpoint/2015/09/main" xmlns="" Requires="p159">
+    <mc:Choice xmlns="" xmlns:p159="http://schemas.microsoft.com/office/powerpoint/2015/09/main" Requires="p159">
       <p:transition xmlns:p14="http://schemas.microsoft.com/office/powerpoint/2010/main" spd="slow" p14:dur="2000">
         <p159:morph option="byObject"/>
       </p:transition>
@@ -4323,7 +4323,7 @@
     <a:masterClrMapping/>
   </p:clrMapOvr>
   <mc:AlternateContent xmlns:mc="http://schemas.openxmlformats.org/markup-compatibility/2006">
-    <mc:Choice xmlns:p159="http://schemas.microsoft.com/office/powerpoint/2015/09/main" xmlns="" Requires="p159">
+    <mc:Choice xmlns="" xmlns:p159="http://schemas.microsoft.com/office/powerpoint/2015/09/main" Requires="p159">
       <p:transition xmlns:p14="http://schemas.microsoft.com/office/powerpoint/2010/main" spd="slow" p14:dur="2000">
         <p159:morph option="byObject"/>
       </p:transition>
@@ -4671,7 +4671,7 @@
     <a:masterClrMapping/>
   </p:clrMapOvr>
   <mc:AlternateContent xmlns:mc="http://schemas.openxmlformats.org/markup-compatibility/2006">
-    <mc:Choice xmlns:p159="http://schemas.microsoft.com/office/powerpoint/2015/09/main" xmlns="" Requires="p159">
+    <mc:Choice xmlns="" xmlns:p159="http://schemas.microsoft.com/office/powerpoint/2015/09/main" Requires="p159">
       <p:transition xmlns:p14="http://schemas.microsoft.com/office/powerpoint/2010/main" spd="slow" p14:dur="2000">
         <p159:morph option="byObject"/>
       </p:transition>
@@ -5019,7 +5019,7 @@
     <a:masterClrMapping/>
   </p:clrMapOvr>
   <mc:AlternateContent xmlns:mc="http://schemas.openxmlformats.org/markup-compatibility/2006">
-    <mc:Choice xmlns:p159="http://schemas.microsoft.com/office/powerpoint/2015/09/main" xmlns="" Requires="p159">
+    <mc:Choice xmlns="" xmlns:p159="http://schemas.microsoft.com/office/powerpoint/2015/09/main" Requires="p159">
       <p:transition xmlns:p14="http://schemas.microsoft.com/office/powerpoint/2010/main" spd="slow" p14:dur="2000">
         <p159:morph option="byObject"/>
       </p:transition>
@@ -5331,7 +5331,7 @@
     <a:masterClrMapping/>
   </p:clrMapOvr>
   <mc:AlternateContent xmlns:mc="http://schemas.openxmlformats.org/markup-compatibility/2006">
-    <mc:Choice xmlns:p159="http://schemas.microsoft.com/office/powerpoint/2015/09/main" xmlns="" Requires="p159">
+    <mc:Choice xmlns="" xmlns:p159="http://schemas.microsoft.com/office/powerpoint/2015/09/main" Requires="p159">
       <p:transition xmlns:p14="http://schemas.microsoft.com/office/powerpoint/2010/main" spd="slow" p14:dur="2000">
         <p159:morph option="byObject"/>
       </p:transition>
@@ -5568,17 +5568,7 @@
                   <a:latin typeface="+mj-ea"/>
                   <a:ea typeface="+mj-ea"/>
                 </a:rPr>
-                <a:t>PG</a:t>
-              </a:r>
-              <a:r>
-                <a:rPr lang="en-US" altLang="ko-KR" sz="1400" spc="-150" dirty="0" smtClean="0">
-                  <a:solidFill>
-                    <a:srgbClr val="393939"/>
-                  </a:solidFill>
-                  <a:latin typeface="+mj-ea"/>
-                  <a:ea typeface="+mj-ea"/>
-                </a:rPr>
-                <a:t>, </a:t>
+                <a:t>PG, </a:t>
               </a:r>
               <a:r>
                 <a:rPr lang="ko-KR" altLang="en-US" sz="1400" spc="-150" dirty="0" smtClean="0">
@@ -5608,17 +5598,7 @@
                   <a:latin typeface="+mj-ea"/>
                   <a:ea typeface="+mj-ea"/>
                 </a:rPr>
-                <a:t>- </a:t>
-              </a:r>
-              <a:r>
-                <a:rPr lang="en-US" altLang="ko-KR" sz="1400" spc="-150" dirty="0" smtClean="0">
-                  <a:solidFill>
-                    <a:srgbClr val="393939"/>
-                  </a:solidFill>
-                  <a:latin typeface="+mj-ea"/>
-                  <a:ea typeface="+mj-ea"/>
-                </a:rPr>
-                <a:t> SERVER </a:t>
+                <a:t>-  SERVER </a:t>
               </a:r>
               <a:r>
                 <a:rPr lang="ko-KR" altLang="en-US" sz="1400" spc="-150" dirty="0" smtClean="0">
@@ -5727,17 +5707,7 @@
                 <a:latin typeface="+mj-ea"/>
                 <a:ea typeface="+mj-ea"/>
               </a:rPr>
-              <a:t>프로젝트 </a:t>
-            </a:r>
-            <a:r>
-              <a:rPr lang="ko-KR" altLang="en-US" sz="1400" spc="-150" dirty="0" smtClean="0">
-                <a:solidFill>
-                  <a:srgbClr val="393939"/>
-                </a:solidFill>
-                <a:latin typeface="+mj-ea"/>
-                <a:ea typeface="+mj-ea"/>
-              </a:rPr>
-              <a:t>총괄</a:t>
+              <a:t>프로젝트 총괄</a:t>
             </a:r>
             <a:endParaRPr lang="en-US" altLang="ko-KR" sz="1400" spc="-150" dirty="0" smtClean="0">
               <a:solidFill>
@@ -5875,17 +5845,7 @@
                 <a:latin typeface="+mj-ea"/>
                 <a:ea typeface="+mj-ea"/>
               </a:rPr>
-              <a:t>- </a:t>
-            </a:r>
-            <a:r>
-              <a:rPr lang="en-US" altLang="ko-KR" sz="1400" spc="-150" dirty="0" smtClean="0">
-                <a:solidFill>
-                  <a:srgbClr val="393939"/>
-                </a:solidFill>
-                <a:latin typeface="+mj-ea"/>
-                <a:ea typeface="+mj-ea"/>
-              </a:rPr>
-              <a:t> </a:t>
+              <a:t>-  </a:t>
             </a:r>
             <a:r>
               <a:rPr lang="ko-KR" altLang="en-US" sz="1400" spc="-150" dirty="0" smtClean="0">
@@ -5915,17 +5875,7 @@
                 <a:latin typeface="+mj-ea"/>
                 <a:ea typeface="+mj-ea"/>
               </a:rPr>
-              <a:t>- </a:t>
-            </a:r>
-            <a:r>
-              <a:rPr lang="en-US" altLang="ko-KR" sz="1400" spc="-150" dirty="0" smtClean="0">
-                <a:solidFill>
-                  <a:srgbClr val="393939"/>
-                </a:solidFill>
-                <a:latin typeface="+mj-ea"/>
-                <a:ea typeface="+mj-ea"/>
-              </a:rPr>
-              <a:t> </a:t>
+              <a:t>-  </a:t>
             </a:r>
             <a:r>
               <a:rPr lang="ko-KR" altLang="en-US" sz="1400" spc="-150" dirty="0" smtClean="0">
@@ -6061,25 +6011,8 @@
                 <a:latin typeface="+mj-ea"/>
                 <a:ea typeface="+mj-ea"/>
               </a:rPr>
-              <a:t>- </a:t>
+              <a:t>-  REVIEW</a:t>
             </a:r>
-            <a:r>
-              <a:rPr lang="en-US" altLang="ko-KR" sz="1400" spc="-150" dirty="0" smtClean="0">
-                <a:solidFill>
-                  <a:srgbClr val="393939"/>
-                </a:solidFill>
-                <a:latin typeface="+mj-ea"/>
-                <a:ea typeface="+mj-ea"/>
-              </a:rPr>
-              <a:t> REVIEW</a:t>
-            </a:r>
-            <a:endParaRPr lang="en-US" altLang="ko-KR" sz="1400" spc="-150" dirty="0" smtClean="0">
-              <a:solidFill>
-                <a:srgbClr val="393939"/>
-              </a:solidFill>
-              <a:latin typeface="+mj-ea"/>
-              <a:ea typeface="+mj-ea"/>
-            </a:endParaRPr>
           </a:p>
           <a:p>
             <a:pPr algn="ctr"/>
@@ -6091,17 +6024,7 @@
                 <a:latin typeface="+mj-ea"/>
                 <a:ea typeface="+mj-ea"/>
               </a:rPr>
-              <a:t>- </a:t>
-            </a:r>
-            <a:r>
-              <a:rPr lang="en-US" altLang="ko-KR" sz="1400" spc="-150" dirty="0" smtClean="0">
-                <a:solidFill>
-                  <a:srgbClr val="393939"/>
-                </a:solidFill>
-                <a:latin typeface="+mj-ea"/>
-                <a:ea typeface="+mj-ea"/>
-              </a:rPr>
-              <a:t> </a:t>
+              <a:t>-  </a:t>
             </a:r>
             <a:r>
               <a:rPr lang="ko-KR" altLang="en-US" sz="1400" spc="-150" dirty="0" smtClean="0">
@@ -6229,17 +6152,7 @@
                 <a:latin typeface="+mj-ea"/>
                 <a:ea typeface="+mj-ea"/>
               </a:rPr>
-              <a:t>- </a:t>
-            </a:r>
-            <a:r>
-              <a:rPr lang="en-US" altLang="ko-KR" sz="1400" spc="-150" dirty="0" smtClean="0">
-                <a:solidFill>
-                  <a:srgbClr val="393939"/>
-                </a:solidFill>
-                <a:latin typeface="+mj-ea"/>
-                <a:ea typeface="+mj-ea"/>
-              </a:rPr>
-              <a:t> DB </a:t>
+              <a:t>-  DB </a:t>
             </a:r>
             <a:r>
               <a:rPr lang="ko-KR" altLang="en-US" sz="1400" spc="-150" dirty="0" smtClean="0">
@@ -9353,7 +9266,7 @@
     <a:masterClrMapping/>
   </p:clrMapOvr>
   <mc:AlternateContent xmlns:mc="http://schemas.openxmlformats.org/markup-compatibility/2006">
-    <mc:Choice xmlns:p159="http://schemas.microsoft.com/office/powerpoint/2015/09/main" xmlns="" Requires="p159">
+    <mc:Choice xmlns="" xmlns:p159="http://schemas.microsoft.com/office/powerpoint/2015/09/main" Requires="p159">
       <p:transition xmlns:p14="http://schemas.microsoft.com/office/powerpoint/2010/main" spd="slow" p14:dur="2000">
         <p159:morph option="byObject"/>
       </p:transition>
@@ -11020,7 +10933,7 @@
     <a:masterClrMapping/>
   </p:clrMapOvr>
   <mc:AlternateContent xmlns:mc="http://schemas.openxmlformats.org/markup-compatibility/2006">
-    <mc:Choice xmlns:p159="http://schemas.microsoft.com/office/powerpoint/2015/09/main" xmlns="" Requires="p159">
+    <mc:Choice xmlns="" xmlns:p159="http://schemas.microsoft.com/office/powerpoint/2015/09/main" Requires="p159">
       <p:transition xmlns:p14="http://schemas.microsoft.com/office/powerpoint/2010/main" spd="slow" p14:dur="2000">
         <p159:morph option="byObject"/>
       </p:transition>
@@ -11440,7 +11353,7 @@
     <a:masterClrMapping/>
   </p:clrMapOvr>
   <mc:AlternateContent xmlns:mc="http://schemas.openxmlformats.org/markup-compatibility/2006">
-    <mc:Choice xmlns:p159="http://schemas.microsoft.com/office/powerpoint/2015/09/main" xmlns="" Requires="p159">
+    <mc:Choice xmlns="" xmlns:p159="http://schemas.microsoft.com/office/powerpoint/2015/09/main" Requires="p159">
       <p:transition xmlns:p14="http://schemas.microsoft.com/office/powerpoint/2010/main" spd="slow" p14:dur="2000">
         <p159:morph option="byObject"/>
       </p:transition>
@@ -11891,7 +11804,7 @@
     <a:masterClrMapping/>
   </p:clrMapOvr>
   <mc:AlternateContent xmlns:mc="http://schemas.openxmlformats.org/markup-compatibility/2006">
-    <mc:Choice xmlns:p159="http://schemas.microsoft.com/office/powerpoint/2015/09/main" xmlns="" Requires="p159">
+    <mc:Choice xmlns="" xmlns:p159="http://schemas.microsoft.com/office/powerpoint/2015/09/main" Requires="p159">
       <p:transition xmlns:p14="http://schemas.microsoft.com/office/powerpoint/2010/main" spd="slow" p14:dur="2000">
         <p159:morph option="byObject"/>
       </p:transition>
@@ -12311,7 +12224,7 @@
     <a:masterClrMapping/>
   </p:clrMapOvr>
   <mc:AlternateContent xmlns:mc="http://schemas.openxmlformats.org/markup-compatibility/2006">
-    <mc:Choice xmlns:p159="http://schemas.microsoft.com/office/powerpoint/2015/09/main" xmlns="" Requires="p159">
+    <mc:Choice xmlns="" xmlns:p159="http://schemas.microsoft.com/office/powerpoint/2015/09/main" Requires="p159">
       <p:transition xmlns:p14="http://schemas.microsoft.com/office/powerpoint/2010/main" spd="slow" p14:dur="2000">
         <p159:morph option="byObject"/>
       </p:transition>
@@ -12623,7 +12536,7 @@
     <a:masterClrMapping/>
   </p:clrMapOvr>
   <mc:AlternateContent xmlns:mc="http://schemas.openxmlformats.org/markup-compatibility/2006">
-    <mc:Choice xmlns:p159="http://schemas.microsoft.com/office/powerpoint/2015/09/main" xmlns="" Requires="p159">
+    <mc:Choice xmlns="" xmlns:p159="http://schemas.microsoft.com/office/powerpoint/2015/09/main" Requires="p159">
       <p:transition xmlns:p14="http://schemas.microsoft.com/office/powerpoint/2010/main" spd="slow" p14:dur="2000">
         <p159:morph option="byObject"/>
       </p:transition>
@@ -13379,7 +13292,7 @@
     <a:masterClrMapping/>
   </p:clrMapOvr>
   <mc:AlternateContent xmlns:mc="http://schemas.openxmlformats.org/markup-compatibility/2006">
-    <mc:Choice xmlns:p159="http://schemas.microsoft.com/office/powerpoint/2015/09/main" xmlns="" Requires="p159">
+    <mc:Choice xmlns="" xmlns:p159="http://schemas.microsoft.com/office/powerpoint/2015/09/main" Requires="p159">
       <p:transition xmlns:p14="http://schemas.microsoft.com/office/powerpoint/2010/main" spd="slow" p14:dur="2000">
         <p159:morph option="byObject"/>
       </p:transition>
@@ -14070,15 +13983,11 @@
     <a:masterClrMapping/>
   </p:clrMapOvr>
   <mc:AlternateContent xmlns:mc="http://schemas.openxmlformats.org/markup-compatibility/2006">
-    <mc:Choice xmlns:p159="http://schemas.microsoft.com/office/powerpoint/2015/09/main" xmlns="" Requires="p159">
-      <p:transition xmlns:p14="http://schemas.microsoft.com/office/powerpoint/2010/main" spd="slow" p14:dur="2000">
-        <p159:morph option="byObject"/>
-      </p:transition>
+    <mc:Choice xmlns:p14="http://schemas.microsoft.com/office/powerpoint/2010/main" Requires="p14">
+      <p:transition p14:dur="0"/>
     </mc:Choice>
     <mc:Fallback>
-      <p:transition spd="slow">
-        <p:fade/>
-      </p:transition>
+      <p:transition/>
     </mc:Fallback>
   </mc:AlternateContent>
   <p:timing>
@@ -14807,15 +14716,11 @@
     <a:masterClrMapping/>
   </p:clrMapOvr>
   <mc:AlternateContent xmlns:mc="http://schemas.openxmlformats.org/markup-compatibility/2006">
-    <mc:Choice xmlns:p159="http://schemas.microsoft.com/office/powerpoint/2015/09/main" xmlns="" Requires="p159">
-      <p:transition xmlns:p14="http://schemas.microsoft.com/office/powerpoint/2010/main" spd="slow" p14:dur="2000">
-        <p159:morph option="byObject"/>
-      </p:transition>
+    <mc:Choice xmlns:p14="http://schemas.microsoft.com/office/powerpoint/2010/main" Requires="p14">
+      <p:transition p14:dur="0"/>
     </mc:Choice>
     <mc:Fallback>
-      <p:transition spd="slow">
-        <p:fade/>
-      </p:transition>
+      <p:transition/>
     </mc:Fallback>
   </mc:AlternateContent>
   <p:timing>
@@ -15544,15 +15449,11 @@
     <a:masterClrMapping/>
   </p:clrMapOvr>
   <mc:AlternateContent xmlns:mc="http://schemas.openxmlformats.org/markup-compatibility/2006">
-    <mc:Choice xmlns:p159="http://schemas.microsoft.com/office/powerpoint/2015/09/main" xmlns="" Requires="p159">
-      <p:transition xmlns:p14="http://schemas.microsoft.com/office/powerpoint/2010/main" spd="slow" p14:dur="2000">
-        <p159:morph option="byObject"/>
-      </p:transition>
+    <mc:Choice xmlns:p14="http://schemas.microsoft.com/office/powerpoint/2010/main" Requires="p14">
+      <p:transition p14:dur="0"/>
     </mc:Choice>
     <mc:Fallback>
-      <p:transition spd="slow">
-        <p:fade/>
-      </p:transition>
+      <p:transition/>
     </mc:Fallback>
   </mc:AlternateContent>
   <p:timing>
@@ -16235,15 +16136,11 @@
     <a:masterClrMapping/>
   </p:clrMapOvr>
   <mc:AlternateContent xmlns:mc="http://schemas.openxmlformats.org/markup-compatibility/2006">
-    <mc:Choice xmlns:p159="http://schemas.microsoft.com/office/powerpoint/2015/09/main" xmlns="" Requires="p159">
-      <p:transition xmlns:p14="http://schemas.microsoft.com/office/powerpoint/2010/main" spd="slow" p14:dur="2000">
-        <p159:morph option="byObject"/>
-      </p:transition>
+    <mc:Choice xmlns:p14="http://schemas.microsoft.com/office/powerpoint/2010/main" Requires="p14">
+      <p:transition p14:dur="0"/>
     </mc:Choice>
     <mc:Fallback>
-      <p:transition spd="slow">
-        <p:fade/>
-      </p:transition>
+      <p:transition/>
     </mc:Fallback>
   </mc:AlternateContent>
   <p:timing>
@@ -16972,15 +16869,11 @@
     <a:masterClrMapping/>
   </p:clrMapOvr>
   <mc:AlternateContent xmlns:mc="http://schemas.openxmlformats.org/markup-compatibility/2006">
-    <mc:Choice xmlns:p159="http://schemas.microsoft.com/office/powerpoint/2015/09/main" xmlns="" Requires="p159">
-      <p:transition xmlns:p14="http://schemas.microsoft.com/office/powerpoint/2010/main" spd="slow" p14:dur="2000">
-        <p159:morph option="byObject"/>
-      </p:transition>
+    <mc:Choice xmlns:p14="http://schemas.microsoft.com/office/powerpoint/2010/main" Requires="p14">
+      <p:transition p14:dur="0"/>
     </mc:Choice>
     <mc:Fallback>
-      <p:transition spd="slow">
-        <p:fade/>
-      </p:transition>
+      <p:transition/>
     </mc:Fallback>
   </mc:AlternateContent>
   <p:timing>
@@ -17709,15 +17602,11 @@
     <a:masterClrMapping/>
   </p:clrMapOvr>
   <mc:AlternateContent xmlns:mc="http://schemas.openxmlformats.org/markup-compatibility/2006">
-    <mc:Choice xmlns:p159="http://schemas.microsoft.com/office/powerpoint/2015/09/main" xmlns="" Requires="p159">
-      <p:transition xmlns:p14="http://schemas.microsoft.com/office/powerpoint/2010/main" spd="slow" p14:dur="2000">
-        <p159:morph option="byObject"/>
-      </p:transition>
+    <mc:Choice xmlns:p14="http://schemas.microsoft.com/office/powerpoint/2010/main" Requires="p14">
+      <p:transition p14:dur="0"/>
     </mc:Choice>
     <mc:Fallback>
-      <p:transition spd="slow">
-        <p:fade/>
-      </p:transition>
+      <p:transition/>
     </mc:Fallback>
   </mc:AlternateContent>
   <p:timing>
@@ -18400,15 +18289,11 @@
     <a:masterClrMapping/>
   </p:clrMapOvr>
   <mc:AlternateContent xmlns:mc="http://schemas.openxmlformats.org/markup-compatibility/2006">
-    <mc:Choice xmlns:p159="http://schemas.microsoft.com/office/powerpoint/2015/09/main" xmlns="" Requires="p159">
-      <p:transition xmlns:p14="http://schemas.microsoft.com/office/powerpoint/2010/main" spd="slow" p14:dur="2000">
-        <p159:morph option="byObject"/>
-      </p:transition>
+    <mc:Choice xmlns:p14="http://schemas.microsoft.com/office/powerpoint/2010/main" Requires="p14">
+      <p:transition p14:dur="0"/>
     </mc:Choice>
     <mc:Fallback>
-      <p:transition spd="slow">
-        <p:fade/>
-      </p:transition>
+      <p:transition/>
     </mc:Fallback>
   </mc:AlternateContent>
   <p:timing>
@@ -18640,7 +18525,7 @@
     <a:masterClrMapping/>
   </p:clrMapOvr>
   <mc:AlternateContent xmlns:mc="http://schemas.openxmlformats.org/markup-compatibility/2006">
-    <mc:Choice xmlns:p159="http://schemas.microsoft.com/office/powerpoint/2015/09/main" xmlns="" Requires="p159">
+    <mc:Choice xmlns="" xmlns:p159="http://schemas.microsoft.com/office/powerpoint/2015/09/main" Requires="p159">
       <p:transition xmlns:p14="http://schemas.microsoft.com/office/powerpoint/2010/main" spd="slow" p14:dur="2000">
         <p159:morph option="byObject"/>
       </p:transition>
@@ -18940,7 +18825,7 @@
     <a:masterClrMapping/>
   </p:clrMapOvr>
   <mc:AlternateContent xmlns:mc="http://schemas.openxmlformats.org/markup-compatibility/2006">
-    <mc:Choice xmlns:p159="http://schemas.microsoft.com/office/powerpoint/2015/09/main" xmlns="" Requires="p159">
+    <mc:Choice xmlns="" xmlns:p159="http://schemas.microsoft.com/office/powerpoint/2015/09/main" Requires="p159">
       <p:transition xmlns:p14="http://schemas.microsoft.com/office/powerpoint/2010/main" spd="slow" p14:dur="2000">
         <p159:morph option="byObject"/>
       </p:transition>
@@ -19244,7 +19129,7 @@
     <a:masterClrMapping/>
   </p:clrMapOvr>
   <mc:AlternateContent xmlns:mc="http://schemas.openxmlformats.org/markup-compatibility/2006">
-    <mc:Choice xmlns:p159="http://schemas.microsoft.com/office/powerpoint/2015/09/main" xmlns="" Requires="p159">
+    <mc:Choice xmlns="" xmlns:p159="http://schemas.microsoft.com/office/powerpoint/2015/09/main" Requires="p159">
       <p:transition xmlns:p14="http://schemas.microsoft.com/office/powerpoint/2010/main" spd="slow" p14:dur="2000">
         <p159:morph option="byObject"/>
       </p:transition>
@@ -19746,7 +19631,7 @@
     <a:masterClrMapping/>
   </p:clrMapOvr>
   <mc:AlternateContent xmlns:mc="http://schemas.openxmlformats.org/markup-compatibility/2006">
-    <mc:Choice xmlns:p159="http://schemas.microsoft.com/office/powerpoint/2015/09/main" xmlns="" Requires="p159">
+    <mc:Choice xmlns="" xmlns:p159="http://schemas.microsoft.com/office/powerpoint/2015/09/main" Requires="p159">
       <p:transition xmlns:p14="http://schemas.microsoft.com/office/powerpoint/2010/main" spd="slow" p14:dur="2000">
         <p159:morph option="byObject"/>
       </p:transition>
@@ -20224,7 +20109,7 @@
     <a:masterClrMapping/>
   </p:clrMapOvr>
   <mc:AlternateContent xmlns:mc="http://schemas.openxmlformats.org/markup-compatibility/2006">
-    <mc:Choice xmlns:p159="http://schemas.microsoft.com/office/powerpoint/2015/09/main" xmlns="" Requires="p159">
+    <mc:Choice xmlns="" xmlns:p159="http://schemas.microsoft.com/office/powerpoint/2015/09/main" Requires="p159">
       <p:transition xmlns:p14="http://schemas.microsoft.com/office/powerpoint/2010/main" spd="slow" p14:dur="2000">
         <p159:morph option="byObject"/>
       </p:transition>
@@ -20536,7 +20421,7 @@
     <a:masterClrMapping/>
   </p:clrMapOvr>
   <mc:AlternateContent xmlns:mc="http://schemas.openxmlformats.org/markup-compatibility/2006">
-    <mc:Choice xmlns:p159="http://schemas.microsoft.com/office/powerpoint/2015/09/main" xmlns="" Requires="p159">
+    <mc:Choice xmlns="" xmlns:p159="http://schemas.microsoft.com/office/powerpoint/2015/09/main" Requires="p159">
       <p:transition xmlns:p14="http://schemas.microsoft.com/office/powerpoint/2010/main" spd="slow" p14:dur="2000">
         <p159:morph option="byObject"/>
       </p:transition>
@@ -20954,7 +20839,7 @@
     <a:masterClrMapping/>
   </p:clrMapOvr>
   <mc:AlternateContent xmlns:mc="http://schemas.openxmlformats.org/markup-compatibility/2006">
-    <mc:Choice xmlns:p159="http://schemas.microsoft.com/office/powerpoint/2015/09/main" xmlns="" Requires="p159">
+    <mc:Choice xmlns="" xmlns:p159="http://schemas.microsoft.com/office/powerpoint/2015/09/main" Requires="p159">
       <p:transition xmlns:p14="http://schemas.microsoft.com/office/powerpoint/2010/main" spd="slow" p14:dur="2000">
         <p159:morph option="byObject"/>
       </p:transition>
@@ -21332,7 +21217,7 @@
     <a:masterClrMapping/>
   </p:clrMapOvr>
   <mc:AlternateContent xmlns:mc="http://schemas.openxmlformats.org/markup-compatibility/2006">
-    <mc:Choice xmlns:p159="http://schemas.microsoft.com/office/powerpoint/2015/09/main" xmlns="" Requires="p159">
+    <mc:Choice xmlns="" xmlns:p159="http://schemas.microsoft.com/office/powerpoint/2015/09/main" Requires="p159">
       <p:transition xmlns:p14="http://schemas.microsoft.com/office/powerpoint/2010/main" spd="slow" p14:dur="2000">
         <p159:morph option="byObject"/>
       </p:transition>
@@ -21750,7 +21635,7 @@
     <a:masterClrMapping/>
   </p:clrMapOvr>
   <mc:AlternateContent xmlns:mc="http://schemas.openxmlformats.org/markup-compatibility/2006">
-    <mc:Choice xmlns:p159="http://schemas.microsoft.com/office/powerpoint/2015/09/main" xmlns="" Requires="p159">
+    <mc:Choice xmlns="" xmlns:p159="http://schemas.microsoft.com/office/powerpoint/2015/09/main" Requires="p159">
       <p:transition xmlns:p14="http://schemas.microsoft.com/office/powerpoint/2010/main" spd="slow" p14:dur="2000">
         <p159:morph option="byObject"/>
       </p:transition>

--- a/2조 최종 PPT.pptx
+++ b/2조 최종 PPT.pptx
@@ -31,19 +31,20 @@
     <p:sldId id="311" r:id="rId25"/>
     <p:sldId id="312" r:id="rId26"/>
     <p:sldId id="315" r:id="rId27"/>
-    <p:sldId id="284" r:id="rId28"/>
-    <p:sldId id="305" r:id="rId29"/>
+    <p:sldId id="316" r:id="rId28"/>
+    <p:sldId id="284" r:id="rId29"/>
+    <p:sldId id="305" r:id="rId30"/>
   </p:sldIdLst>
   <p:sldSz cx="12192000" cy="6858000"/>
   <p:notesSz cx="6858000" cy="9144000"/>
   <p:embeddedFontLst>
     <p:embeddedFont>
       <p:font typeface="나눔스퀘어 ExtraBold" panose="020B0600000101010101" pitchFamily="50" charset="-127"/>
-      <p:bold r:id="rId30"/>
+      <p:bold r:id="rId31"/>
     </p:embeddedFont>
     <p:embeddedFont>
       <p:font typeface="나눔스퀘어 Light" panose="020B0600000101010101" pitchFamily="50" charset="-127"/>
-      <p:regular r:id="rId31"/>
+      <p:regular r:id="rId32"/>
     </p:embeddedFont>
   </p:embeddedFontLst>
   <p:defaultTextStyle>
@@ -3975,9 +3976,9 @@
     <a:masterClrMapping/>
   </p:clrMapOvr>
   <mc:AlternateContent xmlns:mc="http://schemas.openxmlformats.org/markup-compatibility/2006">
-    <mc:Choice xmlns="" xmlns:p159="http://schemas.microsoft.com/office/powerpoint/2015/09/main" Requires="p159">
-      <p:transition xmlns:p14="http://schemas.microsoft.com/office/powerpoint/2010/main" spd="slow" p14:dur="2000">
-        <p159:morph option="byObject"/>
+    <mc:Choice xmlns:p14="http://schemas.microsoft.com/office/powerpoint/2010/main" Requires="p14">
+      <p:transition spd="slow" p14:dur="800">
+        <p:fade/>
       </p:transition>
     </mc:Choice>
     <mc:Fallback>
@@ -4323,9 +4324,9 @@
     <a:masterClrMapping/>
   </p:clrMapOvr>
   <mc:AlternateContent xmlns:mc="http://schemas.openxmlformats.org/markup-compatibility/2006">
-    <mc:Choice xmlns="" xmlns:p159="http://schemas.microsoft.com/office/powerpoint/2015/09/main" Requires="p159">
-      <p:transition xmlns:p14="http://schemas.microsoft.com/office/powerpoint/2010/main" spd="slow" p14:dur="2000">
-        <p159:morph option="byObject"/>
+    <mc:Choice xmlns:p14="http://schemas.microsoft.com/office/powerpoint/2010/main" Requires="p14">
+      <p:transition spd="slow" p14:dur="800">
+        <p:fade/>
       </p:transition>
     </mc:Choice>
     <mc:Fallback>
@@ -4671,9 +4672,9 @@
     <a:masterClrMapping/>
   </p:clrMapOvr>
   <mc:AlternateContent xmlns:mc="http://schemas.openxmlformats.org/markup-compatibility/2006">
-    <mc:Choice xmlns="" xmlns:p159="http://schemas.microsoft.com/office/powerpoint/2015/09/main" Requires="p159">
-      <p:transition xmlns:p14="http://schemas.microsoft.com/office/powerpoint/2010/main" spd="slow" p14:dur="2000">
-        <p159:morph option="byObject"/>
+    <mc:Choice xmlns:p14="http://schemas.microsoft.com/office/powerpoint/2010/main" Requires="p14">
+      <p:transition spd="slow" p14:dur="800">
+        <p:fade/>
       </p:transition>
     </mc:Choice>
     <mc:Fallback>
@@ -5019,9 +5020,9 @@
     <a:masterClrMapping/>
   </p:clrMapOvr>
   <mc:AlternateContent xmlns:mc="http://schemas.openxmlformats.org/markup-compatibility/2006">
-    <mc:Choice xmlns="" xmlns:p159="http://schemas.microsoft.com/office/powerpoint/2015/09/main" Requires="p159">
-      <p:transition xmlns:p14="http://schemas.microsoft.com/office/powerpoint/2010/main" spd="slow" p14:dur="2000">
-        <p159:morph option="byObject"/>
+    <mc:Choice xmlns:p14="http://schemas.microsoft.com/office/powerpoint/2010/main" Requires="p14">
+      <p:transition spd="slow" p14:dur="800">
+        <p:fade/>
       </p:transition>
     </mc:Choice>
     <mc:Fallback>
@@ -5331,9 +5332,9 @@
     <a:masterClrMapping/>
   </p:clrMapOvr>
   <mc:AlternateContent xmlns:mc="http://schemas.openxmlformats.org/markup-compatibility/2006">
-    <mc:Choice xmlns="" xmlns:p159="http://schemas.microsoft.com/office/powerpoint/2015/09/main" Requires="p159">
-      <p:transition xmlns:p14="http://schemas.microsoft.com/office/powerpoint/2010/main" spd="slow" p14:dur="2000">
-        <p159:morph option="byObject"/>
+    <mc:Choice xmlns:p14="http://schemas.microsoft.com/office/powerpoint/2010/main" Requires="p14">
+      <p:transition spd="slow" p14:dur="800">
+        <p:fade/>
       </p:transition>
     </mc:Choice>
     <mc:Fallback>
@@ -9266,9 +9267,9 @@
     <a:masterClrMapping/>
   </p:clrMapOvr>
   <mc:AlternateContent xmlns:mc="http://schemas.openxmlformats.org/markup-compatibility/2006">
-    <mc:Choice xmlns="" xmlns:p159="http://schemas.microsoft.com/office/powerpoint/2015/09/main" Requires="p159">
-      <p:transition xmlns:p14="http://schemas.microsoft.com/office/powerpoint/2010/main" spd="slow" p14:dur="2000">
-        <p159:morph option="byObject"/>
+    <mc:Choice xmlns:p14="http://schemas.microsoft.com/office/powerpoint/2010/main" Requires="p14">
+      <p:transition spd="slow" p14:dur="800">
+        <p:fade/>
       </p:transition>
     </mc:Choice>
     <mc:Fallback>
@@ -10933,9 +10934,9 @@
     <a:masterClrMapping/>
   </p:clrMapOvr>
   <mc:AlternateContent xmlns:mc="http://schemas.openxmlformats.org/markup-compatibility/2006">
-    <mc:Choice xmlns="" xmlns:p159="http://schemas.microsoft.com/office/powerpoint/2015/09/main" Requires="p159">
-      <p:transition xmlns:p14="http://schemas.microsoft.com/office/powerpoint/2010/main" spd="slow" p14:dur="2000">
-        <p159:morph option="byObject"/>
+    <mc:Choice xmlns:p14="http://schemas.microsoft.com/office/powerpoint/2010/main" Requires="p14">
+      <p:transition spd="slow" p14:dur="800">
+        <p:fade/>
       </p:transition>
     </mc:Choice>
     <mc:Fallback>
@@ -11353,9 +11354,9 @@
     <a:masterClrMapping/>
   </p:clrMapOvr>
   <mc:AlternateContent xmlns:mc="http://schemas.openxmlformats.org/markup-compatibility/2006">
-    <mc:Choice xmlns="" xmlns:p159="http://schemas.microsoft.com/office/powerpoint/2015/09/main" Requires="p159">
-      <p:transition xmlns:p14="http://schemas.microsoft.com/office/powerpoint/2010/main" spd="slow" p14:dur="2000">
-        <p159:morph option="byObject"/>
+    <mc:Choice xmlns:p14="http://schemas.microsoft.com/office/powerpoint/2010/main" Requires="p14">
+      <p:transition spd="slow" p14:dur="800">
+        <p:fade/>
       </p:transition>
     </mc:Choice>
     <mc:Fallback>
@@ -11804,9 +11805,9 @@
     <a:masterClrMapping/>
   </p:clrMapOvr>
   <mc:AlternateContent xmlns:mc="http://schemas.openxmlformats.org/markup-compatibility/2006">
-    <mc:Choice xmlns="" xmlns:p159="http://schemas.microsoft.com/office/powerpoint/2015/09/main" Requires="p159">
-      <p:transition xmlns:p14="http://schemas.microsoft.com/office/powerpoint/2010/main" spd="slow" p14:dur="2000">
-        <p159:morph option="byObject"/>
+    <mc:Choice xmlns:p14="http://schemas.microsoft.com/office/powerpoint/2010/main" Requires="p14">
+      <p:transition spd="slow" p14:dur="800">
+        <p:fade/>
       </p:transition>
     </mc:Choice>
     <mc:Fallback>
@@ -12224,9 +12225,9 @@
     <a:masterClrMapping/>
   </p:clrMapOvr>
   <mc:AlternateContent xmlns:mc="http://schemas.openxmlformats.org/markup-compatibility/2006">
-    <mc:Choice xmlns="" xmlns:p159="http://schemas.microsoft.com/office/powerpoint/2015/09/main" Requires="p159">
-      <p:transition xmlns:p14="http://schemas.microsoft.com/office/powerpoint/2010/main" spd="slow" p14:dur="2000">
-        <p159:morph option="byObject"/>
+    <mc:Choice xmlns:p14="http://schemas.microsoft.com/office/powerpoint/2010/main" Requires="p14">
+      <p:transition spd="slow" p14:dur="800">
+        <p:fade/>
       </p:transition>
     </mc:Choice>
     <mc:Fallback>
@@ -12536,13 +12537,13 @@
     <a:masterClrMapping/>
   </p:clrMapOvr>
   <mc:AlternateContent xmlns:mc="http://schemas.openxmlformats.org/markup-compatibility/2006">
-    <mc:Choice xmlns="" xmlns:p159="http://schemas.microsoft.com/office/powerpoint/2015/09/main" Requires="p159">
-      <p:transition xmlns:p14="http://schemas.microsoft.com/office/powerpoint/2010/main" spd="slow" p14:dur="2000">
-        <p159:morph option="byObject"/>
+    <mc:Choice xmlns:p14="http://schemas.microsoft.com/office/powerpoint/2010/main" Requires="p14">
+      <p:transition spd="med" p14:dur="700">
+        <p:fade/>
       </p:transition>
     </mc:Choice>
     <mc:Fallback>
-      <p:transition spd="slow">
+      <p:transition spd="med">
         <p:fade/>
       </p:transition>
     </mc:Fallback>
@@ -13135,9 +13136,9 @@
         <p:grpSpPr>
           <a:xfrm>
             <a:off x="6927287" y="4883011"/>
-            <a:ext cx="1615685" cy="707886"/>
+            <a:ext cx="2750611" cy="707886"/>
             <a:chOff x="294640" y="3596640"/>
-            <a:chExt cx="1615685" cy="707886"/>
+            <a:chExt cx="2750611" cy="707886"/>
           </a:xfrm>
         </p:grpSpPr>
         <p:sp>
@@ -13203,6 +13204,167 @@
           <p:spPr>
             <a:xfrm>
               <a:off x="943394" y="3688973"/>
+              <a:ext cx="2101857" cy="523220"/>
+            </a:xfrm>
+            <a:prstGeom prst="rect">
+              <a:avLst/>
+            </a:prstGeom>
+            <a:noFill/>
+          </p:spPr>
+          <p:txBody>
+            <a:bodyPr wrap="none" rtlCol="0">
+              <a:spAutoFit/>
+            </a:bodyPr>
+            <a:lstStyle/>
+            <a:p>
+              <a:r>
+                <a:rPr lang="ko-KR" altLang="en-US" sz="2800" spc="-150" dirty="0" smtClean="0">
+                  <a:solidFill>
+                    <a:srgbClr val="393939"/>
+                  </a:solidFill>
+                </a:rPr>
+                <a:t>프로젝트 시연</a:t>
+              </a:r>
+              <a:endParaRPr lang="ko-KR" altLang="en-US" sz="2800" spc="-150" dirty="0">
+                <a:solidFill>
+                  <a:srgbClr val="393939"/>
+                </a:solidFill>
+              </a:endParaRPr>
+            </a:p>
+          </p:txBody>
+        </p:sp>
+      </p:grpSp>
+      <p:sp>
+        <p:nvSpPr>
+          <p:cNvPr id="7" name="직사각형 6"/>
+          <p:cNvSpPr/>
+          <p:nvPr/>
+        </p:nvSpPr>
+        <p:spPr>
+          <a:xfrm>
+            <a:off x="10241280" y="6489402"/>
+            <a:ext cx="1950720" cy="302096"/>
+          </a:xfrm>
+          <a:prstGeom prst="rect">
+            <a:avLst/>
+          </a:prstGeom>
+          <a:solidFill>
+            <a:schemeClr val="bg1"/>
+          </a:solidFill>
+          <a:ln>
+            <a:solidFill>
+              <a:schemeClr val="bg1"/>
+            </a:solidFill>
+          </a:ln>
+        </p:spPr>
+        <p:style>
+          <a:lnRef idx="2">
+            <a:schemeClr val="accent1">
+              <a:shade val="50000"/>
+            </a:schemeClr>
+          </a:lnRef>
+          <a:fillRef idx="1">
+            <a:schemeClr val="accent1"/>
+          </a:fillRef>
+          <a:effectRef idx="0">
+            <a:schemeClr val="accent1"/>
+          </a:effectRef>
+          <a:fontRef idx="minor">
+            <a:schemeClr val="lt1"/>
+          </a:fontRef>
+        </p:style>
+        <p:txBody>
+          <a:bodyPr rtlCol="0" anchor="ctr"/>
+          <a:lstStyle/>
+          <a:p>
+            <a:pPr algn="ctr"/>
+            <a:endParaRPr lang="ko-KR" altLang="en-US"/>
+          </a:p>
+        </p:txBody>
+      </p:sp>
+      <p:grpSp>
+        <p:nvGrpSpPr>
+          <p:cNvPr id="25" name="그룹 24">
+            <a:extLst>
+              <a:ext uri="{FF2B5EF4-FFF2-40B4-BE49-F238E27FC236}">
+                <a16:creationId xmlns:a16="http://schemas.microsoft.com/office/drawing/2014/main" id="{4CF3CB36-97CB-4B01-AB5E-847ED38F7969}"/>
+              </a:ext>
+            </a:extLst>
+          </p:cNvPr>
+          <p:cNvGrpSpPr/>
+          <p:nvPr/>
+        </p:nvGrpSpPr>
+        <p:grpSpPr>
+          <a:xfrm>
+            <a:off x="6927287" y="5781516"/>
+            <a:ext cx="1615685" cy="707886"/>
+            <a:chOff x="294640" y="3596640"/>
+            <a:chExt cx="1615685" cy="707886"/>
+          </a:xfrm>
+        </p:grpSpPr>
+        <p:sp>
+          <p:nvSpPr>
+            <p:cNvPr id="26" name="TextBox 25">
+              <a:extLst>
+                <a:ext uri="{FF2B5EF4-FFF2-40B4-BE49-F238E27FC236}">
+                  <a16:creationId xmlns:a16="http://schemas.microsoft.com/office/drawing/2014/main" id="{2D33E10E-6802-4565-A9E8-5457EEEB6662}"/>
+                </a:ext>
+              </a:extLst>
+            </p:cNvPr>
+            <p:cNvSpPr txBox="1"/>
+            <p:nvPr/>
+          </p:nvSpPr>
+          <p:spPr>
+            <a:xfrm>
+              <a:off x="294640" y="3596640"/>
+              <a:ext cx="502061" cy="707886"/>
+            </a:xfrm>
+            <a:prstGeom prst="rect">
+              <a:avLst/>
+            </a:prstGeom>
+            <a:noFill/>
+          </p:spPr>
+          <p:txBody>
+            <a:bodyPr wrap="none" rtlCol="0">
+              <a:spAutoFit/>
+            </a:bodyPr>
+            <a:lstStyle/>
+            <a:p>
+              <a:r>
+                <a:rPr lang="en-US" altLang="ko-KR" sz="4000" b="1" dirty="0">
+                  <a:solidFill>
+                    <a:schemeClr val="accent1"/>
+                  </a:solidFill>
+                  <a:latin typeface="+mj-ea"/>
+                  <a:ea typeface="+mj-ea"/>
+                </a:rPr>
+                <a:t>5</a:t>
+              </a:r>
+              <a:endParaRPr lang="ko-KR" altLang="en-US" sz="4000" b="1" dirty="0">
+                <a:solidFill>
+                  <a:schemeClr val="accent1"/>
+                </a:solidFill>
+                <a:latin typeface="+mj-ea"/>
+                <a:ea typeface="+mj-ea"/>
+              </a:endParaRPr>
+            </a:p>
+          </p:txBody>
+        </p:sp>
+        <p:sp>
+          <p:nvSpPr>
+            <p:cNvPr id="27" name="TextBox 26">
+              <a:extLst>
+                <a:ext uri="{FF2B5EF4-FFF2-40B4-BE49-F238E27FC236}">
+                  <a16:creationId xmlns:a16="http://schemas.microsoft.com/office/drawing/2014/main" id="{DFC73533-A9D9-4EEB-A800-80F0AD62009F}"/>
+                </a:ext>
+              </a:extLst>
+            </p:cNvPr>
+            <p:cNvSpPr txBox="1"/>
+            <p:nvPr/>
+          </p:nvSpPr>
+          <p:spPr>
+            <a:xfrm>
+              <a:off x="943394" y="3688973"/>
               <a:ext cx="966931" cy="523220"/>
             </a:xfrm>
             <a:prstGeom prst="rect">
@@ -13233,54 +13395,6 @@
           </p:txBody>
         </p:sp>
       </p:grpSp>
-      <p:sp>
-        <p:nvSpPr>
-          <p:cNvPr id="7" name="직사각형 6"/>
-          <p:cNvSpPr/>
-          <p:nvPr/>
-        </p:nvSpPr>
-        <p:spPr>
-          <a:xfrm>
-            <a:off x="10241280" y="6489402"/>
-            <a:ext cx="1950720" cy="302096"/>
-          </a:xfrm>
-          <a:prstGeom prst="rect">
-            <a:avLst/>
-          </a:prstGeom>
-          <a:solidFill>
-            <a:schemeClr val="bg1"/>
-          </a:solidFill>
-          <a:ln>
-            <a:solidFill>
-              <a:schemeClr val="bg1"/>
-            </a:solidFill>
-          </a:ln>
-        </p:spPr>
-        <p:style>
-          <a:lnRef idx="2">
-            <a:schemeClr val="accent1">
-              <a:shade val="50000"/>
-            </a:schemeClr>
-          </a:lnRef>
-          <a:fillRef idx="1">
-            <a:schemeClr val="accent1"/>
-          </a:fillRef>
-          <a:effectRef idx="0">
-            <a:schemeClr val="accent1"/>
-          </a:effectRef>
-          <a:fontRef idx="minor">
-            <a:schemeClr val="lt1"/>
-          </a:fontRef>
-        </p:style>
-        <p:txBody>
-          <a:bodyPr rtlCol="0" anchor="ctr"/>
-          <a:lstStyle/>
-          <a:p>
-            <a:pPr algn="ctr"/>
-            <a:endParaRPr lang="ko-KR" altLang="en-US"/>
-          </a:p>
-        </p:txBody>
-      </p:sp>
     </p:spTree>
     <p:extLst>
       <p:ext uri="{BB962C8B-B14F-4D97-AF65-F5344CB8AC3E}">
@@ -13292,9 +13406,9 @@
     <a:masterClrMapping/>
   </p:clrMapOvr>
   <mc:AlternateContent xmlns:mc="http://schemas.openxmlformats.org/markup-compatibility/2006">
-    <mc:Choice xmlns="" xmlns:p159="http://schemas.microsoft.com/office/powerpoint/2015/09/main" Requires="p159">
-      <p:transition xmlns:p14="http://schemas.microsoft.com/office/powerpoint/2010/main" spd="slow" p14:dur="2000">
-        <p159:morph option="byObject"/>
+    <mc:Choice xmlns:p14="http://schemas.microsoft.com/office/powerpoint/2010/main" Requires="p14">
+      <p:transition spd="slow" p14:dur="800">
+        <p:fade/>
       </p:transition>
     </mc:Choice>
     <mc:Fallback>
@@ -13982,14 +14096,9 @@
   <p:clrMapOvr>
     <a:masterClrMapping/>
   </p:clrMapOvr>
-  <mc:AlternateContent xmlns:mc="http://schemas.openxmlformats.org/markup-compatibility/2006">
-    <mc:Choice xmlns:p14="http://schemas.microsoft.com/office/powerpoint/2010/main" Requires="p14">
-      <p:transition p14:dur="0"/>
-    </mc:Choice>
-    <mc:Fallback>
-      <p:transition/>
-    </mc:Fallback>
-  </mc:AlternateContent>
+  <p:transition>
+    <p:fade/>
+  </p:transition>
   <p:timing>
     <p:tnLst>
       <p:par>
@@ -14715,14 +14824,9 @@
   <p:clrMapOvr>
     <a:masterClrMapping/>
   </p:clrMapOvr>
-  <mc:AlternateContent xmlns:mc="http://schemas.openxmlformats.org/markup-compatibility/2006">
-    <mc:Choice xmlns:p14="http://schemas.microsoft.com/office/powerpoint/2010/main" Requires="p14">
-      <p:transition p14:dur="0"/>
-    </mc:Choice>
-    <mc:Fallback>
-      <p:transition/>
-    </mc:Fallback>
-  </mc:AlternateContent>
+  <p:transition>
+    <p:fade/>
+  </p:transition>
   <p:timing>
     <p:tnLst>
       <p:par>
@@ -15448,14 +15552,9 @@
   <p:clrMapOvr>
     <a:masterClrMapping/>
   </p:clrMapOvr>
-  <mc:AlternateContent xmlns:mc="http://schemas.openxmlformats.org/markup-compatibility/2006">
-    <mc:Choice xmlns:p14="http://schemas.microsoft.com/office/powerpoint/2010/main" Requires="p14">
-      <p:transition p14:dur="0"/>
-    </mc:Choice>
-    <mc:Fallback>
-      <p:transition/>
-    </mc:Fallback>
-  </mc:AlternateContent>
+  <p:transition>
+    <p:fade/>
+  </p:transition>
   <p:timing>
     <p:tnLst>
       <p:par>
@@ -16135,14 +16234,9 @@
   <p:clrMapOvr>
     <a:masterClrMapping/>
   </p:clrMapOvr>
-  <mc:AlternateContent xmlns:mc="http://schemas.openxmlformats.org/markup-compatibility/2006">
-    <mc:Choice xmlns:p14="http://schemas.microsoft.com/office/powerpoint/2010/main" Requires="p14">
-      <p:transition p14:dur="0"/>
-    </mc:Choice>
-    <mc:Fallback>
-      <p:transition/>
-    </mc:Fallback>
-  </mc:AlternateContent>
+  <p:transition>
+    <p:fade/>
+  </p:transition>
   <p:timing>
     <p:tnLst>
       <p:par>
@@ -16868,14 +16962,9 @@
   <p:clrMapOvr>
     <a:masterClrMapping/>
   </p:clrMapOvr>
-  <mc:AlternateContent xmlns:mc="http://schemas.openxmlformats.org/markup-compatibility/2006">
-    <mc:Choice xmlns:p14="http://schemas.microsoft.com/office/powerpoint/2010/main" Requires="p14">
-      <p:transition p14:dur="0"/>
-    </mc:Choice>
-    <mc:Fallback>
-      <p:transition/>
-    </mc:Fallback>
-  </mc:AlternateContent>
+  <p:transition>
+    <p:fade/>
+  </p:transition>
   <p:timing>
     <p:tnLst>
       <p:par>
@@ -17601,14 +17690,9 @@
   <p:clrMapOvr>
     <a:masterClrMapping/>
   </p:clrMapOvr>
-  <mc:AlternateContent xmlns:mc="http://schemas.openxmlformats.org/markup-compatibility/2006">
-    <mc:Choice xmlns:p14="http://schemas.microsoft.com/office/powerpoint/2010/main" Requires="p14">
-      <p:transition p14:dur="0"/>
-    </mc:Choice>
-    <mc:Fallback>
-      <p:transition/>
-    </mc:Fallback>
-  </mc:AlternateContent>
+  <p:transition>
+    <p:fade/>
+  </p:transition>
   <p:timing>
     <p:tnLst>
       <p:par>
@@ -18288,14 +18372,9 @@
   <p:clrMapOvr>
     <a:masterClrMapping/>
   </p:clrMapOvr>
-  <mc:AlternateContent xmlns:mc="http://schemas.openxmlformats.org/markup-compatibility/2006">
-    <mc:Choice xmlns:p14="http://schemas.microsoft.com/office/powerpoint/2010/main" Requires="p14">
-      <p:transition p14:dur="0"/>
-    </mc:Choice>
-    <mc:Fallback>
-      <p:transition/>
-    </mc:Fallback>
-  </mc:AlternateContent>
+  <p:transition>
+    <p:fade/>
+  </p:transition>
   <p:timing>
     <p:tnLst>
       <p:par>
@@ -18325,6 +18404,318 @@
       </p:grpSpPr>
       <p:pic>
         <p:nvPicPr>
+          <p:cNvPr id="4" name="그림 3">
+            <a:extLst>
+              <a:ext uri="{FF2B5EF4-FFF2-40B4-BE49-F238E27FC236}">
+                <a16:creationId xmlns:a16="http://schemas.microsoft.com/office/drawing/2014/main" id="{2F2024DE-C3DD-451D-B9C9-C4B0B54D4386}"/>
+              </a:ext>
+            </a:extLst>
+          </p:cNvPr>
+          <p:cNvPicPr>
+            <a:picLocks noChangeAspect="1"/>
+          </p:cNvPicPr>
+          <p:nvPr/>
+        </p:nvPicPr>
+        <p:blipFill rotWithShape="1">
+          <a:blip r:embed="rId2" cstate="screen">
+            <a:extLst>
+              <a:ext uri="{28A0092B-C50C-407E-A947-70E740481C1C}">
+                <a14:useLocalDpi xmlns:a14="http://schemas.microsoft.com/office/drawing/2010/main" val="0"/>
+              </a:ext>
+            </a:extLst>
+          </a:blip>
+          <a:srcRect/>
+          <a:stretch/>
+        </p:blipFill>
+        <p:spPr>
+          <a:xfrm>
+            <a:off x="0" y="0"/>
+            <a:ext cx="12192000" cy="6858000"/>
+          </a:xfrm>
+          <a:prstGeom prst="rect">
+            <a:avLst/>
+          </a:prstGeom>
+        </p:spPr>
+      </p:pic>
+      <p:sp>
+        <p:nvSpPr>
+          <p:cNvPr id="7" name="직사각형 6">
+            <a:extLst>
+              <a:ext uri="{FF2B5EF4-FFF2-40B4-BE49-F238E27FC236}">
+                <a16:creationId xmlns:a16="http://schemas.microsoft.com/office/drawing/2014/main" id="{BFB742AF-8DE1-4801-BAAB-FF7C033D40F3}"/>
+              </a:ext>
+            </a:extLst>
+          </p:cNvPr>
+          <p:cNvSpPr/>
+          <p:nvPr/>
+        </p:nvSpPr>
+        <p:spPr>
+          <a:xfrm>
+            <a:off x="0" y="0"/>
+            <a:ext cx="6096000" cy="6858000"/>
+          </a:xfrm>
+          <a:prstGeom prst="rect">
+            <a:avLst/>
+          </a:prstGeom>
+        </p:spPr>
+        <p:style>
+          <a:lnRef idx="2">
+            <a:schemeClr val="accent1">
+              <a:shade val="50000"/>
+            </a:schemeClr>
+          </a:lnRef>
+          <a:fillRef idx="1">
+            <a:schemeClr val="accent1"/>
+          </a:fillRef>
+          <a:effectRef idx="0">
+            <a:schemeClr val="accent1"/>
+          </a:effectRef>
+          <a:fontRef idx="minor">
+            <a:schemeClr val="lt1"/>
+          </a:fontRef>
+        </p:style>
+        <p:txBody>
+          <a:bodyPr rtlCol="0" anchor="ctr"/>
+          <a:lstStyle/>
+          <a:p>
+            <a:pPr algn="ctr"/>
+            <a:endParaRPr lang="ko-KR" altLang="en-US"/>
+          </a:p>
+        </p:txBody>
+      </p:sp>
+      <p:sp>
+        <p:nvSpPr>
+          <p:cNvPr id="9" name="TextBox 8">
+            <a:extLst>
+              <a:ext uri="{FF2B5EF4-FFF2-40B4-BE49-F238E27FC236}">
+                <a16:creationId xmlns:a16="http://schemas.microsoft.com/office/drawing/2014/main" id="{E9B29B74-5530-431A-9A1D-6C360E5E40A6}"/>
+              </a:ext>
+            </a:extLst>
+          </p:cNvPr>
+          <p:cNvSpPr txBox="1"/>
+          <p:nvPr/>
+        </p:nvSpPr>
+        <p:spPr>
+          <a:xfrm>
+            <a:off x="1647264" y="3105834"/>
+            <a:ext cx="2550698" cy="646331"/>
+          </a:xfrm>
+          <a:prstGeom prst="rect">
+            <a:avLst/>
+          </a:prstGeom>
+          <a:noFill/>
+        </p:spPr>
+        <p:txBody>
+          <a:bodyPr wrap="none" rtlCol="0">
+            <a:spAutoFit/>
+          </a:bodyPr>
+          <a:lstStyle/>
+          <a:p>
+            <a:r>
+              <a:rPr lang="ko-KR" altLang="en-US" sz="3600" spc="-300" dirty="0" smtClean="0">
+                <a:solidFill>
+                  <a:schemeClr val="bg1"/>
+                </a:solidFill>
+              </a:rPr>
+              <a:t>프로젝트 시연</a:t>
+            </a:r>
+            <a:endParaRPr lang="ko-KR" altLang="en-US" sz="3600" spc="-300" dirty="0">
+              <a:solidFill>
+                <a:schemeClr val="bg1"/>
+              </a:solidFill>
+            </a:endParaRPr>
+          </a:p>
+        </p:txBody>
+      </p:sp>
+      <p:sp>
+        <p:nvSpPr>
+          <p:cNvPr id="11" name="TextBox 10">
+            <a:extLst>
+              <a:ext uri="{FF2B5EF4-FFF2-40B4-BE49-F238E27FC236}">
+                <a16:creationId xmlns:a16="http://schemas.microsoft.com/office/drawing/2014/main" id="{DD6DC040-1911-4DE1-B7BA-8D50B20BC5F8}"/>
+              </a:ext>
+            </a:extLst>
+          </p:cNvPr>
+          <p:cNvSpPr txBox="1"/>
+          <p:nvPr/>
+        </p:nvSpPr>
+        <p:spPr>
+          <a:xfrm>
+            <a:off x="904240" y="3121223"/>
+            <a:ext cx="662874" cy="307777"/>
+          </a:xfrm>
+          <a:prstGeom prst="rect">
+            <a:avLst/>
+          </a:prstGeom>
+          <a:noFill/>
+        </p:spPr>
+        <p:txBody>
+          <a:bodyPr wrap="none" rtlCol="0">
+            <a:spAutoFit/>
+          </a:bodyPr>
+          <a:lstStyle/>
+          <a:p>
+            <a:r>
+              <a:rPr lang="en-US" altLang="ko-KR" sz="1400" dirty="0">
+                <a:solidFill>
+                  <a:schemeClr val="bg1"/>
+                </a:solidFill>
+              </a:rPr>
+              <a:t>Part </a:t>
+            </a:r>
+            <a:r>
+              <a:rPr lang="en-US" altLang="ko-KR" sz="1400" dirty="0">
+                <a:solidFill>
+                  <a:schemeClr val="bg1"/>
+                </a:solidFill>
+              </a:rPr>
+              <a:t>5</a:t>
+            </a:r>
+            <a:endParaRPr lang="ko-KR" altLang="en-US" sz="1400" dirty="0">
+              <a:solidFill>
+                <a:schemeClr val="bg1"/>
+              </a:solidFill>
+            </a:endParaRPr>
+          </a:p>
+        </p:txBody>
+      </p:sp>
+      <p:cxnSp>
+        <p:nvCxnSpPr>
+          <p:cNvPr id="12" name="직선 연결선 11">
+            <a:extLst>
+              <a:ext uri="{FF2B5EF4-FFF2-40B4-BE49-F238E27FC236}">
+                <a16:creationId xmlns:a16="http://schemas.microsoft.com/office/drawing/2014/main" id="{E9C7568C-DA98-40CE-9115-1F19853EEDF6}"/>
+              </a:ext>
+            </a:extLst>
+          </p:cNvPr>
+          <p:cNvCxnSpPr>
+            <a:cxnSpLocks/>
+          </p:cNvCxnSpPr>
+          <p:nvPr/>
+        </p:nvCxnSpPr>
+        <p:spPr>
+          <a:xfrm>
+            <a:off x="904240" y="2823130"/>
+            <a:ext cx="4467890" cy="0"/>
+          </a:xfrm>
+          <a:prstGeom prst="line">
+            <a:avLst/>
+          </a:prstGeom>
+          <a:ln>
+            <a:solidFill>
+              <a:schemeClr val="bg1"/>
+            </a:solidFill>
+          </a:ln>
+        </p:spPr>
+        <p:style>
+          <a:lnRef idx="1">
+            <a:schemeClr val="accent1"/>
+          </a:lnRef>
+          <a:fillRef idx="0">
+            <a:schemeClr val="accent1"/>
+          </a:fillRef>
+          <a:effectRef idx="0">
+            <a:schemeClr val="accent1"/>
+          </a:effectRef>
+          <a:fontRef idx="minor">
+            <a:schemeClr val="tx1"/>
+          </a:fontRef>
+        </p:style>
+      </p:cxnSp>
+      <p:cxnSp>
+        <p:nvCxnSpPr>
+          <p:cNvPr id="13" name="직선 연결선 12">
+            <a:extLst>
+              <a:ext uri="{FF2B5EF4-FFF2-40B4-BE49-F238E27FC236}">
+                <a16:creationId xmlns:a16="http://schemas.microsoft.com/office/drawing/2014/main" id="{92A7BF85-EFF0-4169-9F33-5B30AFBB9A2A}"/>
+              </a:ext>
+            </a:extLst>
+          </p:cNvPr>
+          <p:cNvCxnSpPr>
+            <a:cxnSpLocks/>
+          </p:cNvCxnSpPr>
+          <p:nvPr/>
+        </p:nvCxnSpPr>
+        <p:spPr>
+          <a:xfrm>
+            <a:off x="904240" y="4011850"/>
+            <a:ext cx="4467890" cy="0"/>
+          </a:xfrm>
+          <a:prstGeom prst="line">
+            <a:avLst/>
+          </a:prstGeom>
+          <a:ln>
+            <a:solidFill>
+              <a:schemeClr val="bg1"/>
+            </a:solidFill>
+          </a:ln>
+        </p:spPr>
+        <p:style>
+          <a:lnRef idx="1">
+            <a:schemeClr val="accent1"/>
+          </a:lnRef>
+          <a:fillRef idx="0">
+            <a:schemeClr val="accent1"/>
+          </a:fillRef>
+          <a:effectRef idx="0">
+            <a:schemeClr val="accent1"/>
+          </a:effectRef>
+          <a:fontRef idx="minor">
+            <a:schemeClr val="tx1"/>
+          </a:fontRef>
+        </p:style>
+      </p:cxnSp>
+    </p:spTree>
+    <p:extLst>
+      <p:ext uri="{BB962C8B-B14F-4D97-AF65-F5344CB8AC3E}">
+        <p14:creationId xmlns:p14="http://schemas.microsoft.com/office/powerpoint/2010/main" val="3252569229"/>
+      </p:ext>
+    </p:extLst>
+  </p:cSld>
+  <p:clrMapOvr>
+    <a:masterClrMapping/>
+  </p:clrMapOvr>
+  <mc:AlternateContent xmlns:mc="http://schemas.openxmlformats.org/markup-compatibility/2006">
+    <mc:Choice xmlns:p14="http://schemas.microsoft.com/office/powerpoint/2010/main" Requires="p14">
+      <p:transition spd="slow" p14:dur="800">
+        <p:fade/>
+      </p:transition>
+    </mc:Choice>
+    <mc:Fallback>
+      <p:transition spd="slow">
+        <p:fade/>
+      </p:transition>
+    </mc:Fallback>
+  </mc:AlternateContent>
+  <p:timing>
+    <p:tnLst>
+      <p:par>
+        <p:cTn id="1" dur="indefinite" restart="never" nodeType="tmRoot"/>
+      </p:par>
+    </p:tnLst>
+  </p:timing>
+</p:sld>
+</file>
+
+<file path=ppt/slides/slide28.xml><?xml version="1.0" encoding="utf-8"?>
+<p:sld xmlns:a="http://schemas.openxmlformats.org/drawingml/2006/main" xmlns:r="http://schemas.openxmlformats.org/officeDocument/2006/relationships" xmlns:p="http://schemas.openxmlformats.org/presentationml/2006/main">
+  <p:cSld>
+    <p:spTree>
+      <p:nvGrpSpPr>
+        <p:cNvPr id="1" name=""/>
+        <p:cNvGrpSpPr/>
+        <p:nvPr/>
+      </p:nvGrpSpPr>
+      <p:grpSpPr>
+        <a:xfrm>
+          <a:off x="0" y="0"/>
+          <a:ext cx="0" cy="0"/>
+          <a:chOff x="0" y="0"/>
+          <a:chExt cx="0" cy="0"/>
+        </a:xfrm>
+      </p:grpSpPr>
+      <p:pic>
+        <p:nvPicPr>
           <p:cNvPr id="3" name="그림 2">
             <a:extLst>
               <a:ext uri="{FF2B5EF4-FFF2-40B4-BE49-F238E27FC236}">
@@ -18525,9 +18916,9 @@
     <a:masterClrMapping/>
   </p:clrMapOvr>
   <mc:AlternateContent xmlns:mc="http://schemas.openxmlformats.org/markup-compatibility/2006">
-    <mc:Choice xmlns="" xmlns:p159="http://schemas.microsoft.com/office/powerpoint/2015/09/main" Requires="p159">
-      <p:transition xmlns:p14="http://schemas.microsoft.com/office/powerpoint/2010/main" spd="slow" p14:dur="2000">
-        <p159:morph option="byObject"/>
+    <mc:Choice xmlns:p14="http://schemas.microsoft.com/office/powerpoint/2010/main" Requires="p14">
+      <p:transition spd="slow" p14:dur="800">
+        <p:fade/>
       </p:transition>
     </mc:Choice>
     <mc:Fallback>
@@ -18546,7 +18937,7 @@
 </p:sld>
 </file>
 
-<file path=ppt/slides/slide28.xml><?xml version="1.0" encoding="utf-8"?>
+<file path=ppt/slides/slide29.xml><?xml version="1.0" encoding="utf-8"?>
 <p:sld xmlns:a="http://schemas.openxmlformats.org/drawingml/2006/main" xmlns:r="http://schemas.openxmlformats.org/officeDocument/2006/relationships" xmlns:p="http://schemas.openxmlformats.org/presentationml/2006/main">
   <p:cSld>
     <p:spTree>
@@ -18825,9 +19216,9 @@
     <a:masterClrMapping/>
   </p:clrMapOvr>
   <mc:AlternateContent xmlns:mc="http://schemas.openxmlformats.org/markup-compatibility/2006">
-    <mc:Choice xmlns="" xmlns:p159="http://schemas.microsoft.com/office/powerpoint/2015/09/main" Requires="p159">
-      <p:transition xmlns:p14="http://schemas.microsoft.com/office/powerpoint/2010/main" spd="slow" p14:dur="2000">
-        <p159:morph option="byObject"/>
+    <mc:Choice xmlns:p14="http://schemas.microsoft.com/office/powerpoint/2010/main" Requires="p14">
+      <p:transition spd="slow" p14:dur="800">
+        <p:fade/>
       </p:transition>
     </mc:Choice>
     <mc:Fallback>
@@ -19129,9 +19520,9 @@
     <a:masterClrMapping/>
   </p:clrMapOvr>
   <mc:AlternateContent xmlns:mc="http://schemas.openxmlformats.org/markup-compatibility/2006">
-    <mc:Choice xmlns="" xmlns:p159="http://schemas.microsoft.com/office/powerpoint/2015/09/main" Requires="p159">
-      <p:transition xmlns:p14="http://schemas.microsoft.com/office/powerpoint/2010/main" spd="slow" p14:dur="2000">
-        <p159:morph option="byObject"/>
+    <mc:Choice xmlns:p14="http://schemas.microsoft.com/office/powerpoint/2010/main" Requires="p14">
+      <p:transition spd="slow" p14:dur="800">
+        <p:fade/>
       </p:transition>
     </mc:Choice>
     <mc:Fallback>
@@ -19631,9 +20022,9 @@
     <a:masterClrMapping/>
   </p:clrMapOvr>
   <mc:AlternateContent xmlns:mc="http://schemas.openxmlformats.org/markup-compatibility/2006">
-    <mc:Choice xmlns="" xmlns:p159="http://schemas.microsoft.com/office/powerpoint/2015/09/main" Requires="p159">
-      <p:transition xmlns:p14="http://schemas.microsoft.com/office/powerpoint/2010/main" spd="slow" p14:dur="2000">
-        <p159:morph option="byObject"/>
+    <mc:Choice xmlns:p14="http://schemas.microsoft.com/office/powerpoint/2010/main" Requires="p14">
+      <p:transition spd="slow" p14:dur="800">
+        <p:fade/>
       </p:transition>
     </mc:Choice>
     <mc:Fallback>
@@ -20109,9 +20500,9 @@
     <a:masterClrMapping/>
   </p:clrMapOvr>
   <mc:AlternateContent xmlns:mc="http://schemas.openxmlformats.org/markup-compatibility/2006">
-    <mc:Choice xmlns="" xmlns:p159="http://schemas.microsoft.com/office/powerpoint/2015/09/main" Requires="p159">
-      <p:transition xmlns:p14="http://schemas.microsoft.com/office/powerpoint/2010/main" spd="slow" p14:dur="2000">
-        <p159:morph option="byObject"/>
+    <mc:Choice xmlns:p14="http://schemas.microsoft.com/office/powerpoint/2010/main" Requires="p14">
+      <p:transition spd="slow" p14:dur="800">
+        <p:fade/>
       </p:transition>
     </mc:Choice>
     <mc:Fallback>
@@ -20421,9 +20812,9 @@
     <a:masterClrMapping/>
   </p:clrMapOvr>
   <mc:AlternateContent xmlns:mc="http://schemas.openxmlformats.org/markup-compatibility/2006">
-    <mc:Choice xmlns="" xmlns:p159="http://schemas.microsoft.com/office/powerpoint/2015/09/main" Requires="p159">
-      <p:transition xmlns:p14="http://schemas.microsoft.com/office/powerpoint/2010/main" spd="slow" p14:dur="2000">
-        <p159:morph option="byObject"/>
+    <mc:Choice xmlns:p14="http://schemas.microsoft.com/office/powerpoint/2010/main" Requires="p14">
+      <p:transition spd="slow" p14:dur="800">
+        <p:fade/>
       </p:transition>
     </mc:Choice>
     <mc:Fallback>
@@ -20839,9 +21230,9 @@
     <a:masterClrMapping/>
   </p:clrMapOvr>
   <mc:AlternateContent xmlns:mc="http://schemas.openxmlformats.org/markup-compatibility/2006">
-    <mc:Choice xmlns="" xmlns:p159="http://schemas.microsoft.com/office/powerpoint/2015/09/main" Requires="p159">
-      <p:transition xmlns:p14="http://schemas.microsoft.com/office/powerpoint/2010/main" spd="slow" p14:dur="2000">
-        <p159:morph option="byObject"/>
+    <mc:Choice xmlns:p14="http://schemas.microsoft.com/office/powerpoint/2010/main" Requires="p14">
+      <p:transition spd="slow" p14:dur="800">
+        <p:fade/>
       </p:transition>
     </mc:Choice>
     <mc:Fallback>
@@ -21217,9 +21608,9 @@
     <a:masterClrMapping/>
   </p:clrMapOvr>
   <mc:AlternateContent xmlns:mc="http://schemas.openxmlformats.org/markup-compatibility/2006">
-    <mc:Choice xmlns="" xmlns:p159="http://schemas.microsoft.com/office/powerpoint/2015/09/main" Requires="p159">
-      <p:transition xmlns:p14="http://schemas.microsoft.com/office/powerpoint/2010/main" spd="slow" p14:dur="2000">
-        <p159:morph option="byObject"/>
+    <mc:Choice xmlns:p14="http://schemas.microsoft.com/office/powerpoint/2010/main" Requires="p14">
+      <p:transition spd="slow" p14:dur="800">
+        <p:fade/>
       </p:transition>
     </mc:Choice>
     <mc:Fallback>
@@ -21635,9 +22026,9 @@
     <a:masterClrMapping/>
   </p:clrMapOvr>
   <mc:AlternateContent xmlns:mc="http://schemas.openxmlformats.org/markup-compatibility/2006">
-    <mc:Choice xmlns="" xmlns:p159="http://schemas.microsoft.com/office/powerpoint/2015/09/main" Requires="p159">
-      <p:transition xmlns:p14="http://schemas.microsoft.com/office/powerpoint/2010/main" spd="slow" p14:dur="2000">
-        <p159:morph option="byObject"/>
+    <mc:Choice xmlns:p14="http://schemas.microsoft.com/office/powerpoint/2010/main" Requires="p14">
+      <p:transition spd="slow" p14:dur="800">
+        <p:fade/>
       </p:transition>
     </mc:Choice>
     <mc:Fallback>

--- a/2조 최종 PPT.pptx
+++ b/2조 최종 PPT.pptx
@@ -1,6 +1,6 @@
 
 <file path=ppt/presentation.xml><?xml version="1.0" encoding="utf-8"?>
-<p:presentation xmlns:a="http://schemas.openxmlformats.org/drawingml/2006/main" xmlns:r="http://schemas.openxmlformats.org/officeDocument/2006/relationships" xmlns:p="http://schemas.openxmlformats.org/presentationml/2006/main" embedTrueTypeFonts="1" saveSubsetFonts="1">
+<p:presentation xmlns:a="http://schemas.openxmlformats.org/drawingml/2006/main" xmlns:r="http://schemas.openxmlformats.org/officeDocument/2006/relationships" xmlns:p="http://schemas.openxmlformats.org/presentationml/2006/main" embedTrueTypeFonts="1">
   <p:sldMasterIdLst>
     <p:sldMasterId id="2147483648" r:id="rId1"/>
   </p:sldMasterIdLst>

--- a/2조 최종 PPT.pptx
+++ b/2조 최종 PPT.pptx
@@ -10,41 +10,42 @@
     <p:sldId id="258" r:id="rId4"/>
     <p:sldId id="262" r:id="rId5"/>
     <p:sldId id="291" r:id="rId6"/>
-    <p:sldId id="290" r:id="rId7"/>
-    <p:sldId id="292" r:id="rId8"/>
-    <p:sldId id="293" r:id="rId9"/>
-    <p:sldId id="298" r:id="rId10"/>
-    <p:sldId id="294" r:id="rId11"/>
-    <p:sldId id="295" r:id="rId12"/>
-    <p:sldId id="296" r:id="rId13"/>
-    <p:sldId id="297" r:id="rId14"/>
-    <p:sldId id="300" r:id="rId15"/>
-    <p:sldId id="264" r:id="rId16"/>
-    <p:sldId id="299" r:id="rId17"/>
-    <p:sldId id="304" r:id="rId18"/>
-    <p:sldId id="303" r:id="rId19"/>
-    <p:sldId id="306" r:id="rId20"/>
-    <p:sldId id="313" r:id="rId21"/>
-    <p:sldId id="307" r:id="rId22"/>
-    <p:sldId id="310" r:id="rId23"/>
-    <p:sldId id="314" r:id="rId24"/>
-    <p:sldId id="311" r:id="rId25"/>
-    <p:sldId id="312" r:id="rId26"/>
-    <p:sldId id="315" r:id="rId27"/>
-    <p:sldId id="316" r:id="rId28"/>
-    <p:sldId id="284" r:id="rId29"/>
-    <p:sldId id="305" r:id="rId30"/>
+    <p:sldId id="317" r:id="rId7"/>
+    <p:sldId id="290" r:id="rId8"/>
+    <p:sldId id="292" r:id="rId9"/>
+    <p:sldId id="293" r:id="rId10"/>
+    <p:sldId id="298" r:id="rId11"/>
+    <p:sldId id="294" r:id="rId12"/>
+    <p:sldId id="295" r:id="rId13"/>
+    <p:sldId id="296" r:id="rId14"/>
+    <p:sldId id="297" r:id="rId15"/>
+    <p:sldId id="300" r:id="rId16"/>
+    <p:sldId id="264" r:id="rId17"/>
+    <p:sldId id="299" r:id="rId18"/>
+    <p:sldId id="304" r:id="rId19"/>
+    <p:sldId id="303" r:id="rId20"/>
+    <p:sldId id="306" r:id="rId21"/>
+    <p:sldId id="313" r:id="rId22"/>
+    <p:sldId id="307" r:id="rId23"/>
+    <p:sldId id="310" r:id="rId24"/>
+    <p:sldId id="314" r:id="rId25"/>
+    <p:sldId id="311" r:id="rId26"/>
+    <p:sldId id="312" r:id="rId27"/>
+    <p:sldId id="315" r:id="rId28"/>
+    <p:sldId id="316" r:id="rId29"/>
+    <p:sldId id="284" r:id="rId30"/>
+    <p:sldId id="305" r:id="rId31"/>
   </p:sldIdLst>
   <p:sldSz cx="12192000" cy="6858000"/>
   <p:notesSz cx="6858000" cy="9144000"/>
   <p:embeddedFontLst>
     <p:embeddedFont>
       <p:font typeface="나눔스퀘어 ExtraBold" panose="020B0600000101010101" pitchFamily="50" charset="-127"/>
-      <p:bold r:id="rId31"/>
+      <p:bold r:id="rId32"/>
     </p:embeddedFont>
     <p:embeddedFont>
       <p:font typeface="나눔스퀘어 Light" panose="020B0600000101010101" pitchFamily="50" charset="-127"/>
-      <p:regular r:id="rId32"/>
+      <p:regular r:id="rId33"/>
     </p:embeddedFont>
   </p:embeddedFontLst>
   <p:defaultTextStyle>
@@ -146,11 +147,6 @@
     <p:ext uri="{EFAFB233-063F-42B5-8137-9DF3F51BA10A}">
       <p15:sldGuideLst xmlns:p15="http://schemas.microsoft.com/office/powerpoint/2012/main">
         <p15:guide id="1" orient="horz" pos="2160" userDrawn="1">
-          <p15:clr>
-            <a:srgbClr val="A4A3A4"/>
-          </p15:clr>
-        </p15:guide>
-        <p15:guide id="2" pos="3840" userDrawn="1">
           <p15:clr>
             <a:srgbClr val="A4A3A4"/>
           </p15:clr>
@@ -4156,39 +4152,9 @@
           </a:p>
         </p:txBody>
       </p:sp>
-      <p:pic>
-        <p:nvPicPr>
-          <p:cNvPr id="14" name="그림 13"/>
-          <p:cNvPicPr>
-            <a:picLocks noChangeAspect="1"/>
-          </p:cNvPicPr>
-          <p:nvPr/>
-        </p:nvPicPr>
-        <p:blipFill>
-          <a:blip r:embed="rId2" cstate="screen">
-            <a:extLst>
-              <a:ext uri="{28A0092B-C50C-407E-A947-70E740481C1C}">
-                <a14:useLocalDpi xmlns:a14="http://schemas.microsoft.com/office/drawing/2010/main" val="0"/>
-              </a:ext>
-            </a:extLst>
-          </a:blip>
-          <a:stretch>
-            <a:fillRect/>
-          </a:stretch>
-        </p:blipFill>
-        <p:spPr>
-          <a:xfrm>
-            <a:off x="7095632" y="2988228"/>
-            <a:ext cx="4298507" cy="1068374"/>
-          </a:xfrm>
-          <a:prstGeom prst="rect">
-            <a:avLst/>
-          </a:prstGeom>
-        </p:spPr>
-      </p:pic>
-      <p:sp>
-        <p:nvSpPr>
-          <p:cNvPr id="9" name="TextBox 8">
+      <p:sp>
+        <p:nvSpPr>
+          <p:cNvPr id="26" name="TextBox 25">
             <a:extLst>
               <a:ext uri="{FF2B5EF4-FFF2-40B4-BE49-F238E27FC236}">
                 <a16:creationId xmlns:a16="http://schemas.microsoft.com/office/drawing/2014/main" id="{0D94904B-FC61-4D90-BA0A-83761D16208E}"/>
@@ -4200,8 +4166,8 @@
         </p:nvSpPr>
         <p:spPr>
           <a:xfrm>
-            <a:off x="4884773" y="5967869"/>
-            <a:ext cx="2422458" cy="400110"/>
+            <a:off x="5096367" y="5145179"/>
+            <a:ext cx="1999265" cy="400110"/>
           </a:xfrm>
           <a:prstGeom prst="rect">
             <a:avLst/>
@@ -4223,7 +4189,47 @@
                 <a:latin typeface="+mj-ea"/>
                 <a:ea typeface="+mj-ea"/>
               </a:rPr>
-              <a:t>직관적이고 편리한 결제</a:t>
+              <a:t>쇼핑몰 </a:t>
+            </a:r>
+            <a:r>
+              <a:rPr lang="en-US" altLang="ko-KR" sz="2000" spc="-150" dirty="0" smtClean="0">
+                <a:solidFill>
+                  <a:srgbClr val="393939"/>
+                </a:solidFill>
+                <a:latin typeface="+mj-ea"/>
+                <a:ea typeface="+mj-ea"/>
+              </a:rPr>
+              <a:t>+</a:t>
+            </a:r>
+            <a:r>
+              <a:rPr lang="ko-KR" altLang="en-US" sz="2000" spc="-150" dirty="0" smtClean="0">
+                <a:solidFill>
+                  <a:srgbClr val="393939"/>
+                </a:solidFill>
+                <a:latin typeface="+mj-ea"/>
+                <a:ea typeface="+mj-ea"/>
+              </a:rPr>
+              <a:t> </a:t>
+            </a:r>
+            <a:r>
+              <a:rPr lang="en-US" altLang="ko-KR" sz="2000" spc="-150" dirty="0" smtClean="0">
+                <a:solidFill>
+                  <a:srgbClr val="393939"/>
+                </a:solidFill>
+                <a:latin typeface="+mj-ea"/>
+                <a:ea typeface="+mj-ea"/>
+              </a:rPr>
+              <a:t>PG</a:t>
+            </a:r>
+            <a:r>
+              <a:rPr lang="ko-KR" altLang="en-US" sz="2000" spc="-150" dirty="0" smtClean="0">
+                <a:solidFill>
+                  <a:srgbClr val="393939"/>
+                </a:solidFill>
+                <a:latin typeface="+mj-ea"/>
+                <a:ea typeface="+mj-ea"/>
+              </a:rPr>
+              <a:t>서비스</a:t>
             </a:r>
             <a:endParaRPr lang="ko-KR" altLang="en-US" sz="2000" spc="-150" dirty="0">
               <a:solidFill>
@@ -4237,14 +4243,14 @@
       </p:sp>
       <p:pic>
         <p:nvPicPr>
-          <p:cNvPr id="5" name="그림 4"/>
+          <p:cNvPr id="13" name="그림 12"/>
           <p:cNvPicPr>
             <a:picLocks noChangeAspect="1"/>
           </p:cNvPicPr>
           <p:nvPr/>
         </p:nvPicPr>
         <p:blipFill>
-          <a:blip r:embed="rId3" cstate="screen">
+          <a:blip r:embed="rId2">
             <a:extLst>
               <a:ext uri="{28A0092B-C50C-407E-A947-70E740481C1C}">
                 <a14:useLocalDpi xmlns:a14="http://schemas.microsoft.com/office/drawing/2010/main" val="0"/>
@@ -4257,17 +4263,77 @@
         </p:blipFill>
         <p:spPr>
           <a:xfrm>
-            <a:off x="1298515" y="1754651"/>
-            <a:ext cx="3586258" cy="3348698"/>
+            <a:off x="958382" y="3085627"/>
+            <a:ext cx="4137985" cy="873575"/>
           </a:xfrm>
           <a:prstGeom prst="rect">
             <a:avLst/>
           </a:prstGeom>
         </p:spPr>
       </p:pic>
-      <p:sp>
-        <p:nvSpPr>
-          <p:cNvPr id="8" name="직사각형 7"/>
+      <p:pic>
+        <p:nvPicPr>
+          <p:cNvPr id="14" name="그림 13"/>
+          <p:cNvPicPr>
+            <a:picLocks noChangeAspect="1"/>
+          </p:cNvPicPr>
+          <p:nvPr/>
+        </p:nvPicPr>
+        <p:blipFill>
+          <a:blip r:embed="rId3" cstate="screen">
+            <a:extLst>
+              <a:ext uri="{28A0092B-C50C-407E-A947-70E740481C1C}">
+                <a14:useLocalDpi xmlns:a14="http://schemas.microsoft.com/office/drawing/2010/main" val="0"/>
+              </a:ext>
+            </a:extLst>
+          </a:blip>
+          <a:stretch>
+            <a:fillRect/>
+          </a:stretch>
+        </p:blipFill>
+        <p:spPr>
+          <a:xfrm>
+            <a:off x="7095632" y="2988228"/>
+            <a:ext cx="4298507" cy="1068374"/>
+          </a:xfrm>
+          <a:prstGeom prst="rect">
+            <a:avLst/>
+          </a:prstGeom>
+        </p:spPr>
+      </p:pic>
+      <p:pic>
+        <p:nvPicPr>
+          <p:cNvPr id="15" name="그림 14"/>
+          <p:cNvPicPr>
+            <a:picLocks noChangeAspect="1"/>
+          </p:cNvPicPr>
+          <p:nvPr/>
+        </p:nvPicPr>
+        <p:blipFill>
+          <a:blip r:embed="rId4" cstate="screen">
+            <a:extLst>
+              <a:ext uri="{28A0092B-C50C-407E-A947-70E740481C1C}">
+                <a14:useLocalDpi xmlns:a14="http://schemas.microsoft.com/office/drawing/2010/main" val="0"/>
+              </a:ext>
+            </a:extLst>
+          </a:blip>
+          <a:stretch>
+            <a:fillRect/>
+          </a:stretch>
+        </p:blipFill>
+        <p:spPr>
+          <a:xfrm>
+            <a:off x="5860862" y="3193862"/>
+            <a:ext cx="470276" cy="470276"/>
+          </a:xfrm>
+          <a:prstGeom prst="rect">
+            <a:avLst/>
+          </a:prstGeom>
+        </p:spPr>
+      </p:pic>
+      <p:sp>
+        <p:nvSpPr>
+          <p:cNvPr id="9" name="직사각형 8"/>
           <p:cNvSpPr/>
           <p:nvPr/>
         </p:nvSpPr>
@@ -4316,7 +4382,7 @@
     </p:spTree>
     <p:extLst>
       <p:ext uri="{BB962C8B-B14F-4D97-AF65-F5344CB8AC3E}">
-        <p14:creationId xmlns:p14="http://schemas.microsoft.com/office/powerpoint/2010/main" val="2465488658"/>
+        <p14:creationId xmlns:p14="http://schemas.microsoft.com/office/powerpoint/2010/main" val="635118545"/>
       </p:ext>
     </p:extLst>
   </p:cSld>
@@ -4585,7 +4651,7 @@
       </p:sp>
       <p:pic>
         <p:nvPicPr>
-          <p:cNvPr id="6" name="그림 5"/>
+          <p:cNvPr id="5" name="그림 4"/>
           <p:cNvPicPr>
             <a:picLocks noChangeAspect="1"/>
           </p:cNvPicPr>
@@ -4605,8 +4671,8 @@
         </p:blipFill>
         <p:spPr>
           <a:xfrm>
-            <a:off x="1452604" y="1178876"/>
-            <a:ext cx="3314182" cy="4788993"/>
+            <a:off x="1298515" y="1754651"/>
+            <a:ext cx="3586258" cy="3348698"/>
           </a:xfrm>
           <a:prstGeom prst="rect">
             <a:avLst/>
@@ -4664,7 +4730,7 @@
     </p:spTree>
     <p:extLst>
       <p:ext uri="{BB962C8B-B14F-4D97-AF65-F5344CB8AC3E}">
-        <p14:creationId xmlns:p14="http://schemas.microsoft.com/office/powerpoint/2010/main" val="1414960521"/>
+        <p14:creationId xmlns:p14="http://schemas.microsoft.com/office/powerpoint/2010/main" val="2465488658"/>
       </p:ext>
     </p:extLst>
   </p:cSld>
@@ -4953,6 +5019,354 @@
         </p:blipFill>
         <p:spPr>
           <a:xfrm>
+            <a:off x="1452604" y="1178876"/>
+            <a:ext cx="3314182" cy="4788993"/>
+          </a:xfrm>
+          <a:prstGeom prst="rect">
+            <a:avLst/>
+          </a:prstGeom>
+        </p:spPr>
+      </p:pic>
+      <p:sp>
+        <p:nvSpPr>
+          <p:cNvPr id="8" name="직사각형 7"/>
+          <p:cNvSpPr/>
+          <p:nvPr/>
+        </p:nvSpPr>
+        <p:spPr>
+          <a:xfrm>
+            <a:off x="10241280" y="6489402"/>
+            <a:ext cx="1950720" cy="302096"/>
+          </a:xfrm>
+          <a:prstGeom prst="rect">
+            <a:avLst/>
+          </a:prstGeom>
+          <a:solidFill>
+            <a:schemeClr val="bg1"/>
+          </a:solidFill>
+          <a:ln>
+            <a:solidFill>
+              <a:schemeClr val="bg1"/>
+            </a:solidFill>
+          </a:ln>
+        </p:spPr>
+        <p:style>
+          <a:lnRef idx="2">
+            <a:schemeClr val="accent1">
+              <a:shade val="50000"/>
+            </a:schemeClr>
+          </a:lnRef>
+          <a:fillRef idx="1">
+            <a:schemeClr val="accent1"/>
+          </a:fillRef>
+          <a:effectRef idx="0">
+            <a:schemeClr val="accent1"/>
+          </a:effectRef>
+          <a:fontRef idx="minor">
+            <a:schemeClr val="lt1"/>
+          </a:fontRef>
+        </p:style>
+        <p:txBody>
+          <a:bodyPr rtlCol="0" anchor="ctr"/>
+          <a:lstStyle/>
+          <a:p>
+            <a:pPr algn="ctr"/>
+            <a:endParaRPr lang="ko-KR" altLang="en-US"/>
+          </a:p>
+        </p:txBody>
+      </p:sp>
+    </p:spTree>
+    <p:extLst>
+      <p:ext uri="{BB962C8B-B14F-4D97-AF65-F5344CB8AC3E}">
+        <p14:creationId xmlns:p14="http://schemas.microsoft.com/office/powerpoint/2010/main" val="1414960521"/>
+      </p:ext>
+    </p:extLst>
+  </p:cSld>
+  <p:clrMapOvr>
+    <a:masterClrMapping/>
+  </p:clrMapOvr>
+  <mc:AlternateContent xmlns:mc="http://schemas.openxmlformats.org/markup-compatibility/2006">
+    <mc:Choice xmlns:p14="http://schemas.microsoft.com/office/powerpoint/2010/main" Requires="p14">
+      <p:transition spd="slow" p14:dur="800">
+        <p:fade/>
+      </p:transition>
+    </mc:Choice>
+    <mc:Fallback>
+      <p:transition spd="slow">
+        <p:fade/>
+      </p:transition>
+    </mc:Fallback>
+  </mc:AlternateContent>
+  <p:timing>
+    <p:tnLst>
+      <p:par>
+        <p:cTn id="1" dur="indefinite" restart="never" nodeType="tmRoot"/>
+      </p:par>
+    </p:tnLst>
+  </p:timing>
+</p:sld>
+</file>
+
+<file path=ppt/slides/slide13.xml><?xml version="1.0" encoding="utf-8"?>
+<p:sld xmlns:a="http://schemas.openxmlformats.org/drawingml/2006/main" xmlns:r="http://schemas.openxmlformats.org/officeDocument/2006/relationships" xmlns:p="http://schemas.openxmlformats.org/presentationml/2006/main">
+  <p:cSld>
+    <p:spTree>
+      <p:nvGrpSpPr>
+        <p:cNvPr id="1" name=""/>
+        <p:cNvGrpSpPr/>
+        <p:nvPr/>
+      </p:nvGrpSpPr>
+      <p:grpSpPr>
+        <a:xfrm>
+          <a:off x="0" y="0"/>
+          <a:ext cx="0" cy="0"/>
+          <a:chOff x="0" y="0"/>
+          <a:chExt cx="0" cy="0"/>
+        </a:xfrm>
+      </p:grpSpPr>
+      <p:sp>
+        <p:nvSpPr>
+          <p:cNvPr id="2" name="직사각형 1">
+            <a:extLst>
+              <a:ext uri="{FF2B5EF4-FFF2-40B4-BE49-F238E27FC236}">
+                <a16:creationId xmlns:a16="http://schemas.microsoft.com/office/drawing/2014/main" id="{0546E572-061A-4F66-860A-EA1641AD3DE2}"/>
+              </a:ext>
+            </a:extLst>
+          </p:cNvPr>
+          <p:cNvSpPr/>
+          <p:nvPr/>
+        </p:nvSpPr>
+        <p:spPr>
+          <a:xfrm>
+            <a:off x="0" y="0"/>
+            <a:ext cx="12192000" cy="1076960"/>
+          </a:xfrm>
+          <a:prstGeom prst="rect">
+            <a:avLst/>
+          </a:prstGeom>
+        </p:spPr>
+        <p:style>
+          <a:lnRef idx="2">
+            <a:schemeClr val="accent1">
+              <a:shade val="50000"/>
+            </a:schemeClr>
+          </a:lnRef>
+          <a:fillRef idx="1">
+            <a:schemeClr val="accent1"/>
+          </a:fillRef>
+          <a:effectRef idx="0">
+            <a:schemeClr val="accent1"/>
+          </a:effectRef>
+          <a:fontRef idx="minor">
+            <a:schemeClr val="lt1"/>
+          </a:fontRef>
+        </p:style>
+        <p:txBody>
+          <a:bodyPr rtlCol="0" anchor="ctr"/>
+          <a:lstStyle/>
+          <a:p>
+            <a:pPr algn="ctr"/>
+            <a:endParaRPr lang="ko-KR" altLang="en-US"/>
+          </a:p>
+        </p:txBody>
+      </p:sp>
+      <p:sp>
+        <p:nvSpPr>
+          <p:cNvPr id="3" name="TextBox 2">
+            <a:extLst>
+              <a:ext uri="{FF2B5EF4-FFF2-40B4-BE49-F238E27FC236}">
+                <a16:creationId xmlns:a16="http://schemas.microsoft.com/office/drawing/2014/main" id="{8951765C-E4E1-440B-B3F6-AD127EB533CF}"/>
+              </a:ext>
+            </a:extLst>
+          </p:cNvPr>
+          <p:cNvSpPr txBox="1"/>
+          <p:nvPr/>
+        </p:nvSpPr>
+        <p:spPr>
+          <a:xfrm>
+            <a:off x="875104" y="101916"/>
+            <a:ext cx="2550698" cy="646331"/>
+          </a:xfrm>
+          <a:prstGeom prst="rect">
+            <a:avLst/>
+          </a:prstGeom>
+          <a:noFill/>
+        </p:spPr>
+        <p:txBody>
+          <a:bodyPr wrap="none" rtlCol="0">
+            <a:spAutoFit/>
+          </a:bodyPr>
+          <a:lstStyle/>
+          <a:p>
+            <a:r>
+              <a:rPr lang="ko-KR" altLang="en-US" sz="3600" spc="-300" dirty="0" smtClean="0">
+                <a:solidFill>
+                  <a:schemeClr val="bg1"/>
+                </a:solidFill>
+              </a:rPr>
+              <a:t>프로젝트 소개</a:t>
+            </a:r>
+            <a:endParaRPr lang="ko-KR" altLang="en-US" sz="3600" spc="-300" dirty="0">
+              <a:solidFill>
+                <a:schemeClr val="bg1"/>
+              </a:solidFill>
+            </a:endParaRPr>
+          </a:p>
+        </p:txBody>
+      </p:sp>
+      <p:sp>
+        <p:nvSpPr>
+          <p:cNvPr id="4" name="TextBox 3">
+            <a:extLst>
+              <a:ext uri="{FF2B5EF4-FFF2-40B4-BE49-F238E27FC236}">
+                <a16:creationId xmlns:a16="http://schemas.microsoft.com/office/drawing/2014/main" id="{8E877FB6-6DE1-44E4-8EF8-7160153CD120}"/>
+              </a:ext>
+            </a:extLst>
+          </p:cNvPr>
+          <p:cNvSpPr txBox="1"/>
+          <p:nvPr/>
+        </p:nvSpPr>
+        <p:spPr>
+          <a:xfrm>
+            <a:off x="132080" y="117305"/>
+            <a:ext cx="743024" cy="307777"/>
+          </a:xfrm>
+          <a:prstGeom prst="rect">
+            <a:avLst/>
+          </a:prstGeom>
+          <a:noFill/>
+        </p:spPr>
+        <p:txBody>
+          <a:bodyPr wrap="none" rtlCol="0">
+            <a:spAutoFit/>
+          </a:bodyPr>
+          <a:lstStyle/>
+          <a:p>
+            <a:r>
+              <a:rPr lang="en-US" altLang="ko-KR" sz="1400" dirty="0">
+                <a:solidFill>
+                  <a:schemeClr val="bg1"/>
+                </a:solidFill>
+              </a:rPr>
+              <a:t>Part </a:t>
+            </a:r>
+            <a:r>
+              <a:rPr lang="en-US" altLang="ko-KR" sz="1400" dirty="0" smtClean="0">
+                <a:solidFill>
+                  <a:schemeClr val="bg1"/>
+                </a:solidFill>
+              </a:rPr>
+              <a:t>2, </a:t>
+            </a:r>
+            <a:endParaRPr lang="ko-KR" altLang="en-US" sz="1400" dirty="0">
+              <a:solidFill>
+                <a:schemeClr val="bg1"/>
+              </a:solidFill>
+            </a:endParaRPr>
+          </a:p>
+        </p:txBody>
+      </p:sp>
+      <p:pic>
+        <p:nvPicPr>
+          <p:cNvPr id="14" name="그림 13"/>
+          <p:cNvPicPr>
+            <a:picLocks noChangeAspect="1"/>
+          </p:cNvPicPr>
+          <p:nvPr/>
+        </p:nvPicPr>
+        <p:blipFill>
+          <a:blip r:embed="rId2" cstate="screen">
+            <a:extLst>
+              <a:ext uri="{28A0092B-C50C-407E-A947-70E740481C1C}">
+                <a14:useLocalDpi xmlns:a14="http://schemas.microsoft.com/office/drawing/2010/main" val="0"/>
+              </a:ext>
+            </a:extLst>
+          </a:blip>
+          <a:stretch>
+            <a:fillRect/>
+          </a:stretch>
+        </p:blipFill>
+        <p:spPr>
+          <a:xfrm>
+            <a:off x="7095632" y="2988228"/>
+            <a:ext cx="4298507" cy="1068374"/>
+          </a:xfrm>
+          <a:prstGeom prst="rect">
+            <a:avLst/>
+          </a:prstGeom>
+        </p:spPr>
+      </p:pic>
+      <p:sp>
+        <p:nvSpPr>
+          <p:cNvPr id="9" name="TextBox 8">
+            <a:extLst>
+              <a:ext uri="{FF2B5EF4-FFF2-40B4-BE49-F238E27FC236}">
+                <a16:creationId xmlns:a16="http://schemas.microsoft.com/office/drawing/2014/main" id="{0D94904B-FC61-4D90-BA0A-83761D16208E}"/>
+              </a:ext>
+            </a:extLst>
+          </p:cNvPr>
+          <p:cNvSpPr txBox="1"/>
+          <p:nvPr/>
+        </p:nvSpPr>
+        <p:spPr>
+          <a:xfrm>
+            <a:off x="4884773" y="5967869"/>
+            <a:ext cx="2422458" cy="400110"/>
+          </a:xfrm>
+          <a:prstGeom prst="rect">
+            <a:avLst/>
+          </a:prstGeom>
+          <a:noFill/>
+        </p:spPr>
+        <p:txBody>
+          <a:bodyPr wrap="none" rtlCol="0">
+            <a:spAutoFit/>
+          </a:bodyPr>
+          <a:lstStyle/>
+          <a:p>
+            <a:pPr algn="ctr"/>
+            <a:r>
+              <a:rPr lang="ko-KR" altLang="en-US" sz="2000" spc="-150" dirty="0" smtClean="0">
+                <a:solidFill>
+                  <a:srgbClr val="393939"/>
+                </a:solidFill>
+                <a:latin typeface="+mj-ea"/>
+                <a:ea typeface="+mj-ea"/>
+              </a:rPr>
+              <a:t>직관적이고 편리한 결제</a:t>
+            </a:r>
+            <a:endParaRPr lang="ko-KR" altLang="en-US" sz="2000" spc="-150" dirty="0">
+              <a:solidFill>
+                <a:srgbClr val="393939"/>
+              </a:solidFill>
+              <a:latin typeface="+mj-ea"/>
+              <a:ea typeface="+mj-ea"/>
+            </a:endParaRPr>
+          </a:p>
+        </p:txBody>
+      </p:sp>
+      <p:pic>
+        <p:nvPicPr>
+          <p:cNvPr id="6" name="그림 5"/>
+          <p:cNvPicPr>
+            <a:picLocks noChangeAspect="1"/>
+          </p:cNvPicPr>
+          <p:nvPr/>
+        </p:nvPicPr>
+        <p:blipFill>
+          <a:blip r:embed="rId3" cstate="screen">
+            <a:extLst>
+              <a:ext uri="{28A0092B-C50C-407E-A947-70E740481C1C}">
+                <a14:useLocalDpi xmlns:a14="http://schemas.microsoft.com/office/drawing/2010/main" val="0"/>
+              </a:ext>
+            </a:extLst>
+          </a:blip>
+          <a:stretch>
+            <a:fillRect/>
+          </a:stretch>
+        </p:blipFill>
+        <p:spPr>
+          <a:xfrm>
             <a:off x="1323509" y="1907814"/>
             <a:ext cx="3682711" cy="3731342"/>
           </a:xfrm>
@@ -5041,7 +5455,7 @@
 </p:sld>
 </file>
 
-<file path=ppt/slides/slide13.xml><?xml version="1.0" encoding="utf-8"?>
+<file path=ppt/slides/slide14.xml><?xml version="1.0" encoding="utf-8"?>
 <p:sld xmlns:a="http://schemas.openxmlformats.org/drawingml/2006/main" xmlns:r="http://schemas.openxmlformats.org/officeDocument/2006/relationships" xmlns:p="http://schemas.openxmlformats.org/presentationml/2006/main">
   <p:cSld>
     <p:spTree>
@@ -5353,7 +5767,7 @@
 </p:sld>
 </file>
 
-<file path=ppt/slides/slide14.xml><?xml version="1.0" encoding="utf-8"?>
+<file path=ppt/slides/slide15.xml><?xml version="1.0" encoding="utf-8"?>
 <p:sld xmlns:a="http://schemas.openxmlformats.org/drawingml/2006/main" xmlns:r="http://schemas.openxmlformats.org/officeDocument/2006/relationships" xmlns:p="http://schemas.openxmlformats.org/presentationml/2006/main">
   <p:cSld>
     <p:spTree>
@@ -9288,7 +9702,7 @@
 </p:sld>
 </file>
 
-<file path=ppt/slides/slide15.xml><?xml version="1.0" encoding="utf-8"?>
+<file path=ppt/slides/slide16.xml><?xml version="1.0" encoding="utf-8"?>
 <p:sld xmlns:a="http://schemas.openxmlformats.org/drawingml/2006/main" xmlns:r="http://schemas.openxmlformats.org/officeDocument/2006/relationships" xmlns:p="http://schemas.openxmlformats.org/presentationml/2006/main">
   <p:cSld>
     <p:spTree>
@@ -10955,7 +11369,7 @@
 </p:sld>
 </file>
 
-<file path=ppt/slides/slide16.xml><?xml version="1.0" encoding="utf-8"?>
+<file path=ppt/slides/slide17.xml><?xml version="1.0" encoding="utf-8"?>
 <p:sld xmlns:a="http://schemas.openxmlformats.org/drawingml/2006/main" xmlns:r="http://schemas.openxmlformats.org/officeDocument/2006/relationships" xmlns:p="http://schemas.openxmlformats.org/presentationml/2006/main">
   <p:cSld>
     <p:spTree>
@@ -11375,7 +11789,7 @@
 </p:sld>
 </file>
 
-<file path=ppt/slides/slide17.xml><?xml version="1.0" encoding="utf-8"?>
+<file path=ppt/slides/slide18.xml><?xml version="1.0" encoding="utf-8"?>
 <p:sld xmlns:a="http://schemas.openxmlformats.org/drawingml/2006/main" xmlns:r="http://schemas.openxmlformats.org/officeDocument/2006/relationships" xmlns:p="http://schemas.openxmlformats.org/presentationml/2006/main">
   <p:cSld>
     <p:spTree>
@@ -11826,7 +12240,7 @@
 </p:sld>
 </file>
 
-<file path=ppt/slides/slide18.xml><?xml version="1.0" encoding="utf-8"?>
+<file path=ppt/slides/slide19.xml><?xml version="1.0" encoding="utf-8"?>
 <p:sld xmlns:a="http://schemas.openxmlformats.org/drawingml/2006/main" xmlns:r="http://schemas.openxmlformats.org/officeDocument/2006/relationships" xmlns:p="http://schemas.openxmlformats.org/presentationml/2006/main">
   <p:cSld>
     <p:spTree>
@@ -12232,318 +12646,6 @@
     </mc:Choice>
     <mc:Fallback>
       <p:transition spd="slow">
-        <p:fade/>
-      </p:transition>
-    </mc:Fallback>
-  </mc:AlternateContent>
-  <p:timing>
-    <p:tnLst>
-      <p:par>
-        <p:cTn id="1" dur="indefinite" restart="never" nodeType="tmRoot"/>
-      </p:par>
-    </p:tnLst>
-  </p:timing>
-</p:sld>
-</file>
-
-<file path=ppt/slides/slide19.xml><?xml version="1.0" encoding="utf-8"?>
-<p:sld xmlns:a="http://schemas.openxmlformats.org/drawingml/2006/main" xmlns:r="http://schemas.openxmlformats.org/officeDocument/2006/relationships" xmlns:p="http://schemas.openxmlformats.org/presentationml/2006/main">
-  <p:cSld>
-    <p:spTree>
-      <p:nvGrpSpPr>
-        <p:cNvPr id="1" name=""/>
-        <p:cNvGrpSpPr/>
-        <p:nvPr/>
-      </p:nvGrpSpPr>
-      <p:grpSpPr>
-        <a:xfrm>
-          <a:off x="0" y="0"/>
-          <a:ext cx="0" cy="0"/>
-          <a:chOff x="0" y="0"/>
-          <a:chExt cx="0" cy="0"/>
-        </a:xfrm>
-      </p:grpSpPr>
-      <p:pic>
-        <p:nvPicPr>
-          <p:cNvPr id="3" name="그림 2">
-            <a:extLst>
-              <a:ext uri="{FF2B5EF4-FFF2-40B4-BE49-F238E27FC236}">
-                <a16:creationId xmlns:a16="http://schemas.microsoft.com/office/drawing/2014/main" id="{331F6F75-B221-4061-B962-758F7C3BEBFF}"/>
-              </a:ext>
-            </a:extLst>
-          </p:cNvPr>
-          <p:cNvPicPr>
-            <a:picLocks noChangeAspect="1"/>
-          </p:cNvPicPr>
-          <p:nvPr/>
-        </p:nvPicPr>
-        <p:blipFill rotWithShape="1">
-          <a:blip r:embed="rId2" cstate="screen">
-            <a:extLst>
-              <a:ext uri="{28A0092B-C50C-407E-A947-70E740481C1C}">
-                <a14:useLocalDpi xmlns:a14="http://schemas.microsoft.com/office/drawing/2010/main" val="0"/>
-              </a:ext>
-            </a:extLst>
-          </a:blip>
-          <a:srcRect/>
-          <a:stretch/>
-        </p:blipFill>
-        <p:spPr>
-          <a:xfrm>
-            <a:off x="3474720" y="0"/>
-            <a:ext cx="8717280" cy="6858000"/>
-          </a:xfrm>
-          <a:prstGeom prst="rect">
-            <a:avLst/>
-          </a:prstGeom>
-        </p:spPr>
-      </p:pic>
-      <p:sp>
-        <p:nvSpPr>
-          <p:cNvPr id="7" name="직사각형 6">
-            <a:extLst>
-              <a:ext uri="{FF2B5EF4-FFF2-40B4-BE49-F238E27FC236}">
-                <a16:creationId xmlns:a16="http://schemas.microsoft.com/office/drawing/2014/main" id="{BFB742AF-8DE1-4801-BAAB-FF7C033D40F3}"/>
-              </a:ext>
-            </a:extLst>
-          </p:cNvPr>
-          <p:cNvSpPr/>
-          <p:nvPr/>
-        </p:nvSpPr>
-        <p:spPr>
-          <a:xfrm>
-            <a:off x="0" y="0"/>
-            <a:ext cx="6096000" cy="6858000"/>
-          </a:xfrm>
-          <a:prstGeom prst="rect">
-            <a:avLst/>
-          </a:prstGeom>
-        </p:spPr>
-        <p:style>
-          <a:lnRef idx="2">
-            <a:schemeClr val="accent1">
-              <a:shade val="50000"/>
-            </a:schemeClr>
-          </a:lnRef>
-          <a:fillRef idx="1">
-            <a:schemeClr val="accent1"/>
-          </a:fillRef>
-          <a:effectRef idx="0">
-            <a:schemeClr val="accent1"/>
-          </a:effectRef>
-          <a:fontRef idx="minor">
-            <a:schemeClr val="lt1"/>
-          </a:fontRef>
-        </p:style>
-        <p:txBody>
-          <a:bodyPr rtlCol="0" anchor="ctr"/>
-          <a:lstStyle/>
-          <a:p>
-            <a:pPr algn="ctr"/>
-            <a:endParaRPr lang="ko-KR" altLang="en-US"/>
-          </a:p>
-        </p:txBody>
-      </p:sp>
-      <p:sp>
-        <p:nvSpPr>
-          <p:cNvPr id="9" name="TextBox 8">
-            <a:extLst>
-              <a:ext uri="{FF2B5EF4-FFF2-40B4-BE49-F238E27FC236}">
-                <a16:creationId xmlns:a16="http://schemas.microsoft.com/office/drawing/2014/main" id="{E9B29B74-5530-431A-9A1D-6C360E5E40A6}"/>
-              </a:ext>
-            </a:extLst>
-          </p:cNvPr>
-          <p:cNvSpPr txBox="1"/>
-          <p:nvPr/>
-        </p:nvSpPr>
-        <p:spPr>
-          <a:xfrm>
-            <a:off x="1647264" y="3105834"/>
-            <a:ext cx="2169184" cy="646331"/>
-          </a:xfrm>
-          <a:prstGeom prst="rect">
-            <a:avLst/>
-          </a:prstGeom>
-          <a:noFill/>
-        </p:spPr>
-        <p:txBody>
-          <a:bodyPr wrap="none" rtlCol="0">
-            <a:spAutoFit/>
-          </a:bodyPr>
-          <a:lstStyle/>
-          <a:p>
-            <a:r>
-              <a:rPr lang="ko-KR" altLang="en-US" sz="3600" spc="-300" dirty="0" smtClean="0">
-                <a:solidFill>
-                  <a:schemeClr val="bg1"/>
-                </a:solidFill>
-              </a:rPr>
-              <a:t>데이터 흐름</a:t>
-            </a:r>
-            <a:endParaRPr lang="ko-KR" altLang="en-US" sz="3600" spc="-300" dirty="0">
-              <a:solidFill>
-                <a:schemeClr val="bg1"/>
-              </a:solidFill>
-            </a:endParaRPr>
-          </a:p>
-        </p:txBody>
-      </p:sp>
-      <p:sp>
-        <p:nvSpPr>
-          <p:cNvPr id="11" name="TextBox 10">
-            <a:extLst>
-              <a:ext uri="{FF2B5EF4-FFF2-40B4-BE49-F238E27FC236}">
-                <a16:creationId xmlns:a16="http://schemas.microsoft.com/office/drawing/2014/main" id="{DD6DC040-1911-4DE1-B7BA-8D50B20BC5F8}"/>
-              </a:ext>
-            </a:extLst>
-          </p:cNvPr>
-          <p:cNvSpPr txBox="1"/>
-          <p:nvPr/>
-        </p:nvSpPr>
-        <p:spPr>
-          <a:xfrm>
-            <a:off x="904240" y="3121223"/>
-            <a:ext cx="743024" cy="307777"/>
-          </a:xfrm>
-          <a:prstGeom prst="rect">
-            <a:avLst/>
-          </a:prstGeom>
-          <a:noFill/>
-        </p:spPr>
-        <p:txBody>
-          <a:bodyPr wrap="none" rtlCol="0">
-            <a:spAutoFit/>
-          </a:bodyPr>
-          <a:lstStyle/>
-          <a:p>
-            <a:r>
-              <a:rPr lang="en-US" altLang="ko-KR" sz="1400" dirty="0">
-                <a:solidFill>
-                  <a:schemeClr val="bg1"/>
-                </a:solidFill>
-              </a:rPr>
-              <a:t>Part </a:t>
-            </a:r>
-            <a:r>
-              <a:rPr lang="en-US" altLang="ko-KR" sz="1400" dirty="0" smtClean="0">
-                <a:solidFill>
-                  <a:schemeClr val="bg1"/>
-                </a:solidFill>
-              </a:rPr>
-              <a:t>4, </a:t>
-            </a:r>
-            <a:endParaRPr lang="ko-KR" altLang="en-US" sz="1400" dirty="0">
-              <a:solidFill>
-                <a:schemeClr val="bg1"/>
-              </a:solidFill>
-            </a:endParaRPr>
-          </a:p>
-        </p:txBody>
-      </p:sp>
-      <p:cxnSp>
-        <p:nvCxnSpPr>
-          <p:cNvPr id="12" name="직선 연결선 11">
-            <a:extLst>
-              <a:ext uri="{FF2B5EF4-FFF2-40B4-BE49-F238E27FC236}">
-                <a16:creationId xmlns:a16="http://schemas.microsoft.com/office/drawing/2014/main" id="{E9C7568C-DA98-40CE-9115-1F19853EEDF6}"/>
-              </a:ext>
-            </a:extLst>
-          </p:cNvPr>
-          <p:cNvCxnSpPr>
-            <a:cxnSpLocks/>
-          </p:cNvCxnSpPr>
-          <p:nvPr/>
-        </p:nvCxnSpPr>
-        <p:spPr>
-          <a:xfrm>
-            <a:off x="904240" y="2823130"/>
-            <a:ext cx="4467890" cy="0"/>
-          </a:xfrm>
-          <a:prstGeom prst="line">
-            <a:avLst/>
-          </a:prstGeom>
-          <a:ln>
-            <a:solidFill>
-              <a:schemeClr val="bg1"/>
-            </a:solidFill>
-          </a:ln>
-        </p:spPr>
-        <p:style>
-          <a:lnRef idx="1">
-            <a:schemeClr val="accent1"/>
-          </a:lnRef>
-          <a:fillRef idx="0">
-            <a:schemeClr val="accent1"/>
-          </a:fillRef>
-          <a:effectRef idx="0">
-            <a:schemeClr val="accent1"/>
-          </a:effectRef>
-          <a:fontRef idx="minor">
-            <a:schemeClr val="tx1"/>
-          </a:fontRef>
-        </p:style>
-      </p:cxnSp>
-      <p:cxnSp>
-        <p:nvCxnSpPr>
-          <p:cNvPr id="13" name="직선 연결선 12">
-            <a:extLst>
-              <a:ext uri="{FF2B5EF4-FFF2-40B4-BE49-F238E27FC236}">
-                <a16:creationId xmlns:a16="http://schemas.microsoft.com/office/drawing/2014/main" id="{92A7BF85-EFF0-4169-9F33-5B30AFBB9A2A}"/>
-              </a:ext>
-            </a:extLst>
-          </p:cNvPr>
-          <p:cNvCxnSpPr>
-            <a:cxnSpLocks/>
-          </p:cNvCxnSpPr>
-          <p:nvPr/>
-        </p:nvCxnSpPr>
-        <p:spPr>
-          <a:xfrm>
-            <a:off x="904240" y="4011850"/>
-            <a:ext cx="4467890" cy="0"/>
-          </a:xfrm>
-          <a:prstGeom prst="line">
-            <a:avLst/>
-          </a:prstGeom>
-          <a:ln>
-            <a:solidFill>
-              <a:schemeClr val="bg1"/>
-            </a:solidFill>
-          </a:ln>
-        </p:spPr>
-        <p:style>
-          <a:lnRef idx="1">
-            <a:schemeClr val="accent1"/>
-          </a:lnRef>
-          <a:fillRef idx="0">
-            <a:schemeClr val="accent1"/>
-          </a:fillRef>
-          <a:effectRef idx="0">
-            <a:schemeClr val="accent1"/>
-          </a:effectRef>
-          <a:fontRef idx="minor">
-            <a:schemeClr val="tx1"/>
-          </a:fontRef>
-        </p:style>
-      </p:cxnSp>
-    </p:spTree>
-    <p:extLst>
-      <p:ext uri="{BB962C8B-B14F-4D97-AF65-F5344CB8AC3E}">
-        <p14:creationId xmlns:p14="http://schemas.microsoft.com/office/powerpoint/2010/main" val="701873013"/>
-      </p:ext>
-    </p:extLst>
-  </p:cSld>
-  <p:clrMapOvr>
-    <a:masterClrMapping/>
-  </p:clrMapOvr>
-  <mc:AlternateContent xmlns:mc="http://schemas.openxmlformats.org/markup-compatibility/2006">
-    <mc:Choice xmlns:p14="http://schemas.microsoft.com/office/powerpoint/2010/main" Requires="p14">
-      <p:transition spd="med" p14:dur="700">
-        <p:fade/>
-      </p:transition>
-    </mc:Choice>
-    <mc:Fallback>
-      <p:transition spd="med">
         <p:fade/>
       </p:transition>
     </mc:Fallback>
@@ -13444,26 +13546,61 @@
           <a:chExt cx="0" cy="0"/>
         </a:xfrm>
       </p:grpSpPr>
-      <p:sp>
-        <p:nvSpPr>
-          <p:cNvPr id="14" name="모서리가 둥근 직사각형 13"/>
+      <p:pic>
+        <p:nvPicPr>
+          <p:cNvPr id="3" name="그림 2">
+            <a:extLst>
+              <a:ext uri="{FF2B5EF4-FFF2-40B4-BE49-F238E27FC236}">
+                <a16:creationId xmlns:a16="http://schemas.microsoft.com/office/drawing/2014/main" id="{331F6F75-B221-4061-B962-758F7C3BEBFF}"/>
+              </a:ext>
+            </a:extLst>
+          </p:cNvPr>
+          <p:cNvPicPr>
+            <a:picLocks noChangeAspect="1"/>
+          </p:cNvPicPr>
+          <p:nvPr/>
+        </p:nvPicPr>
+        <p:blipFill rotWithShape="1">
+          <a:blip r:embed="rId2" cstate="screen">
+            <a:extLst>
+              <a:ext uri="{28A0092B-C50C-407E-A947-70E740481C1C}">
+                <a14:useLocalDpi xmlns:a14="http://schemas.microsoft.com/office/drawing/2010/main" val="0"/>
+              </a:ext>
+            </a:extLst>
+          </a:blip>
+          <a:srcRect/>
+          <a:stretch/>
+        </p:blipFill>
+        <p:spPr>
+          <a:xfrm>
+            <a:off x="3474720" y="0"/>
+            <a:ext cx="8717280" cy="6858000"/>
+          </a:xfrm>
+          <a:prstGeom prst="rect">
+            <a:avLst/>
+          </a:prstGeom>
+        </p:spPr>
+      </p:pic>
+      <p:sp>
+        <p:nvSpPr>
+          <p:cNvPr id="7" name="직사각형 6">
+            <a:extLst>
+              <a:ext uri="{FF2B5EF4-FFF2-40B4-BE49-F238E27FC236}">
+                <a16:creationId xmlns:a16="http://schemas.microsoft.com/office/drawing/2014/main" id="{BFB742AF-8DE1-4801-BAAB-FF7C033D40F3}"/>
+              </a:ext>
+            </a:extLst>
+          </p:cNvPr>
           <p:cNvSpPr/>
           <p:nvPr/>
         </p:nvSpPr>
         <p:spPr>
           <a:xfrm>
-            <a:off x="902881" y="1619228"/>
-            <a:ext cx="2036682" cy="4214191"/>
-          </a:xfrm>
-          <a:prstGeom prst="roundRect">
-            <a:avLst/>
-          </a:prstGeom>
-          <a:solidFill>
-            <a:srgbClr val="1E3252"/>
-          </a:solidFill>
-          <a:ln>
-            <a:noFill/>
-          </a:ln>
+            <a:off x="0" y="0"/>
+            <a:ext cx="6096000" cy="6858000"/>
+          </a:xfrm>
+          <a:prstGeom prst="rect">
+            <a:avLst/>
+          </a:prstGeom>
         </p:spPr>
         <p:style>
           <a:lnRef idx="2">
@@ -13492,56 +13629,10 @@
       </p:sp>
       <p:sp>
         <p:nvSpPr>
-          <p:cNvPr id="2" name="직사각형 1">
-            <a:extLst>
-              <a:ext uri="{FF2B5EF4-FFF2-40B4-BE49-F238E27FC236}">
-                <a16:creationId xmlns:a16="http://schemas.microsoft.com/office/drawing/2014/main" id="{0546E572-061A-4F66-860A-EA1641AD3DE2}"/>
-              </a:ext>
-            </a:extLst>
-          </p:cNvPr>
-          <p:cNvSpPr/>
-          <p:nvPr/>
-        </p:nvSpPr>
-        <p:spPr>
-          <a:xfrm>
-            <a:off x="0" y="0"/>
-            <a:ext cx="12192000" cy="1076960"/>
-          </a:xfrm>
-          <a:prstGeom prst="rect">
-            <a:avLst/>
-          </a:prstGeom>
-        </p:spPr>
-        <p:style>
-          <a:lnRef idx="2">
-            <a:schemeClr val="accent1">
-              <a:shade val="50000"/>
-            </a:schemeClr>
-          </a:lnRef>
-          <a:fillRef idx="1">
-            <a:schemeClr val="accent1"/>
-          </a:fillRef>
-          <a:effectRef idx="0">
-            <a:schemeClr val="accent1"/>
-          </a:effectRef>
-          <a:fontRef idx="minor">
-            <a:schemeClr val="lt1"/>
-          </a:fontRef>
-        </p:style>
-        <p:txBody>
-          <a:bodyPr rtlCol="0" anchor="ctr"/>
-          <a:lstStyle/>
-          <a:p>
-            <a:pPr algn="ctr"/>
-            <a:endParaRPr lang="ko-KR" altLang="en-US"/>
-          </a:p>
-        </p:txBody>
-      </p:sp>
-      <p:sp>
-        <p:nvSpPr>
-          <p:cNvPr id="3" name="TextBox 2">
-            <a:extLst>
-              <a:ext uri="{FF2B5EF4-FFF2-40B4-BE49-F238E27FC236}">
-                <a16:creationId xmlns:a16="http://schemas.microsoft.com/office/drawing/2014/main" id="{8951765C-E4E1-440B-B3F6-AD127EB533CF}"/>
+          <p:cNvPr id="9" name="TextBox 8">
+            <a:extLst>
+              <a:ext uri="{FF2B5EF4-FFF2-40B4-BE49-F238E27FC236}">
+                <a16:creationId xmlns:a16="http://schemas.microsoft.com/office/drawing/2014/main" id="{E9B29B74-5530-431A-9A1D-6C360E5E40A6}"/>
               </a:ext>
             </a:extLst>
           </p:cNvPr>
@@ -13550,8 +13641,8 @@
         </p:nvSpPr>
         <p:spPr>
           <a:xfrm>
-            <a:off x="875104" y="101916"/>
-            <a:ext cx="2092239" cy="646331"/>
+            <a:off x="1647264" y="3105834"/>
+            <a:ext cx="2169184" cy="646331"/>
           </a:xfrm>
           <a:prstGeom prst="rect">
             <a:avLst/>
@@ -13565,12 +13656,12 @@
           <a:lstStyle/>
           <a:p>
             <a:r>
-              <a:rPr lang="ko-KR" altLang="en-US" sz="3600" spc="-300" dirty="0" err="1" smtClean="0">
+              <a:rPr lang="ko-KR" altLang="en-US" sz="3600" spc="-300" dirty="0" smtClean="0">
                 <a:solidFill>
                   <a:schemeClr val="bg1"/>
                 </a:solidFill>
               </a:rPr>
-              <a:t>데이터흐름</a:t>
+              <a:t>데이터 흐름</a:t>
             </a:r>
             <a:endParaRPr lang="ko-KR" altLang="en-US" sz="3600" spc="-300" dirty="0">
               <a:solidFill>
@@ -13582,10 +13673,10 @@
       </p:sp>
       <p:sp>
         <p:nvSpPr>
-          <p:cNvPr id="4" name="TextBox 3">
-            <a:extLst>
-              <a:ext uri="{FF2B5EF4-FFF2-40B4-BE49-F238E27FC236}">
-                <a16:creationId xmlns:a16="http://schemas.microsoft.com/office/drawing/2014/main" id="{8E877FB6-6DE1-44E4-8EF8-7160153CD120}"/>
+          <p:cNvPr id="11" name="TextBox 10">
+            <a:extLst>
+              <a:ext uri="{FF2B5EF4-FFF2-40B4-BE49-F238E27FC236}">
+                <a16:creationId xmlns:a16="http://schemas.microsoft.com/office/drawing/2014/main" id="{DD6DC040-1911-4DE1-B7BA-8D50B20BC5F8}"/>
               </a:ext>
             </a:extLst>
           </p:cNvPr>
@@ -13594,7 +13685,7 @@
         </p:nvSpPr>
         <p:spPr>
           <a:xfrm>
-            <a:off x="132080" y="117305"/>
+            <a:off x="904240" y="3121223"/>
             <a:ext cx="743024" cy="307777"/>
           </a:xfrm>
           <a:prstGeom prst="rect">
@@ -13632,473 +13723,114 @@
           </a:p>
         </p:txBody>
       </p:sp>
-      <p:pic>
-        <p:nvPicPr>
-          <p:cNvPr id="12" name="그림 11">
-            <a:extLst>
-              <a:ext uri="{FF2B5EF4-FFF2-40B4-BE49-F238E27FC236}">
-                <a16:creationId xmlns:a16="http://schemas.microsoft.com/office/drawing/2014/main" id="{6A373110-06E4-4A8B-A1F6-09F27DCA35CB}"/>
-              </a:ext>
-            </a:extLst>
-          </p:cNvPr>
-          <p:cNvPicPr>
-            <a:picLocks noChangeAspect="1"/>
-          </p:cNvPicPr>
-          <p:nvPr/>
-        </p:nvPicPr>
-        <p:blipFill>
-          <a:blip r:embed="rId2" cstate="screen">
-            <a:extLst>
-              <a:ext uri="{28A0092B-C50C-407E-A947-70E740481C1C}">
-                <a14:useLocalDpi xmlns:a14="http://schemas.microsoft.com/office/drawing/2010/main" val="0"/>
-              </a:ext>
-            </a:extLst>
-          </a:blip>
-          <a:stretch>
-            <a:fillRect/>
-          </a:stretch>
-        </p:blipFill>
-        <p:spPr>
-          <a:xfrm>
-            <a:off x="1306070" y="5005679"/>
-            <a:ext cx="1230305" cy="644241"/>
-          </a:xfrm>
-          <a:prstGeom prst="rect">
-            <a:avLst/>
-          </a:prstGeom>
-        </p:spPr>
-      </p:pic>
-      <p:pic>
-        <p:nvPicPr>
-          <p:cNvPr id="13" name="그림 12"/>
-          <p:cNvPicPr>
-            <a:picLocks noChangeAspect="1"/>
-          </p:cNvPicPr>
-          <p:nvPr/>
-        </p:nvPicPr>
-        <p:blipFill>
-          <a:blip r:embed="rId3" cstate="screen">
-            <a:extLst>
-              <a:ext uri="{28A0092B-C50C-407E-A947-70E740481C1C}">
-                <a14:useLocalDpi xmlns:a14="http://schemas.microsoft.com/office/drawing/2010/main" val="0"/>
-              </a:ext>
-            </a:extLst>
-          </a:blip>
-          <a:stretch>
-            <a:fillRect/>
-          </a:stretch>
-        </p:blipFill>
-        <p:spPr>
-          <a:xfrm>
-            <a:off x="1098418" y="1831163"/>
-            <a:ext cx="1645610" cy="863945"/>
-          </a:xfrm>
-          <a:prstGeom prst="rect">
-            <a:avLst/>
-          </a:prstGeom>
-        </p:spPr>
-      </p:pic>
-      <p:sp>
-        <p:nvSpPr>
-          <p:cNvPr id="17" name="모서리가 둥근 직사각형 16"/>
-          <p:cNvSpPr/>
-          <p:nvPr/>
-        </p:nvSpPr>
-        <p:spPr>
-          <a:xfrm>
-            <a:off x="5077659" y="1619227"/>
-            <a:ext cx="2036682" cy="4214191"/>
-          </a:xfrm>
-          <a:prstGeom prst="roundRect">
-            <a:avLst/>
-          </a:prstGeom>
-          <a:solidFill>
-            <a:srgbClr val="1E3252"/>
-          </a:solidFill>
+      <p:cxnSp>
+        <p:nvCxnSpPr>
+          <p:cNvPr id="12" name="직선 연결선 11">
+            <a:extLst>
+              <a:ext uri="{FF2B5EF4-FFF2-40B4-BE49-F238E27FC236}">
+                <a16:creationId xmlns:a16="http://schemas.microsoft.com/office/drawing/2014/main" id="{E9C7568C-DA98-40CE-9115-1F19853EEDF6}"/>
+              </a:ext>
+            </a:extLst>
+          </p:cNvPr>
+          <p:cNvCxnSpPr>
+            <a:cxnSpLocks/>
+          </p:cNvCxnSpPr>
+          <p:nvPr/>
+        </p:nvCxnSpPr>
+        <p:spPr>
+          <a:xfrm>
+            <a:off x="904240" y="2823130"/>
+            <a:ext cx="4467890" cy="0"/>
+          </a:xfrm>
+          <a:prstGeom prst="line">
+            <a:avLst/>
+          </a:prstGeom>
           <a:ln>
-            <a:noFill/>
+            <a:solidFill>
+              <a:schemeClr val="bg1"/>
+            </a:solidFill>
           </a:ln>
         </p:spPr>
         <p:style>
-          <a:lnRef idx="2">
-            <a:schemeClr val="accent1">
-              <a:shade val="50000"/>
-            </a:schemeClr>
+          <a:lnRef idx="1">
+            <a:schemeClr val="accent1"/>
           </a:lnRef>
-          <a:fillRef idx="1">
+          <a:fillRef idx="0">
             <a:schemeClr val="accent1"/>
           </a:fillRef>
           <a:effectRef idx="0">
             <a:schemeClr val="accent1"/>
           </a:effectRef>
           <a:fontRef idx="minor">
-            <a:schemeClr val="lt1"/>
+            <a:schemeClr val="tx1"/>
           </a:fontRef>
         </p:style>
-        <p:txBody>
-          <a:bodyPr rtlCol="0" anchor="ctr"/>
-          <a:lstStyle/>
-          <a:p>
-            <a:pPr algn="ctr"/>
-            <a:endParaRPr lang="ko-KR" altLang="en-US"/>
-          </a:p>
-        </p:txBody>
-      </p:sp>
-      <p:pic>
-        <p:nvPicPr>
-          <p:cNvPr id="18" name="그림 17">
-            <a:extLst>
-              <a:ext uri="{FF2B5EF4-FFF2-40B4-BE49-F238E27FC236}">
-                <a16:creationId xmlns:a16="http://schemas.microsoft.com/office/drawing/2014/main" id="{6A373110-06E4-4A8B-A1F6-09F27DCA35CB}"/>
-              </a:ext>
-            </a:extLst>
-          </p:cNvPr>
-          <p:cNvPicPr>
-            <a:picLocks noChangeAspect="1"/>
-          </p:cNvPicPr>
-          <p:nvPr/>
-        </p:nvPicPr>
-        <p:blipFill>
-          <a:blip r:embed="rId2" cstate="screen">
-            <a:extLst>
-              <a:ext uri="{28A0092B-C50C-407E-A947-70E740481C1C}">
-                <a14:useLocalDpi xmlns:a14="http://schemas.microsoft.com/office/drawing/2010/main" val="0"/>
-              </a:ext>
-            </a:extLst>
-          </a:blip>
-          <a:stretch>
-            <a:fillRect/>
-          </a:stretch>
-        </p:blipFill>
-        <p:spPr>
-          <a:xfrm>
-            <a:off x="5480847" y="5005678"/>
-            <a:ext cx="1230305" cy="644241"/>
-          </a:xfrm>
-          <a:prstGeom prst="rect">
-            <a:avLst/>
-          </a:prstGeom>
-        </p:spPr>
-      </p:pic>
-      <p:pic>
-        <p:nvPicPr>
-          <p:cNvPr id="19" name="그림 18"/>
-          <p:cNvPicPr>
-            <a:picLocks noChangeAspect="1"/>
-          </p:cNvPicPr>
-          <p:nvPr/>
-        </p:nvPicPr>
-        <p:blipFill>
-          <a:blip r:embed="rId3" cstate="screen">
-            <a:extLst>
-              <a:ext uri="{28A0092B-C50C-407E-A947-70E740481C1C}">
-                <a14:useLocalDpi xmlns:a14="http://schemas.microsoft.com/office/drawing/2010/main" val="0"/>
-              </a:ext>
-            </a:extLst>
-          </a:blip>
-          <a:stretch>
-            <a:fillRect/>
-          </a:stretch>
-        </p:blipFill>
-        <p:spPr>
-          <a:xfrm>
-            <a:off x="5273195" y="1831162"/>
-            <a:ext cx="1645610" cy="863945"/>
-          </a:xfrm>
-          <a:prstGeom prst="rect">
-            <a:avLst/>
-          </a:prstGeom>
-        </p:spPr>
-      </p:pic>
-      <p:sp>
-        <p:nvSpPr>
-          <p:cNvPr id="20" name="모서리가 둥근 직사각형 19"/>
-          <p:cNvSpPr/>
-          <p:nvPr/>
-        </p:nvSpPr>
-        <p:spPr>
-          <a:xfrm>
-            <a:off x="9252437" y="1619227"/>
-            <a:ext cx="2036682" cy="4214191"/>
-          </a:xfrm>
-          <a:prstGeom prst="roundRect">
-            <a:avLst/>
-          </a:prstGeom>
-          <a:solidFill>
-            <a:srgbClr val="1E3252"/>
-          </a:solidFill>
+      </p:cxnSp>
+      <p:cxnSp>
+        <p:nvCxnSpPr>
+          <p:cNvPr id="13" name="직선 연결선 12">
+            <a:extLst>
+              <a:ext uri="{FF2B5EF4-FFF2-40B4-BE49-F238E27FC236}">
+                <a16:creationId xmlns:a16="http://schemas.microsoft.com/office/drawing/2014/main" id="{92A7BF85-EFF0-4169-9F33-5B30AFBB9A2A}"/>
+              </a:ext>
+            </a:extLst>
+          </p:cNvPr>
+          <p:cNvCxnSpPr>
+            <a:cxnSpLocks/>
+          </p:cNvCxnSpPr>
+          <p:nvPr/>
+        </p:nvCxnSpPr>
+        <p:spPr>
+          <a:xfrm>
+            <a:off x="904240" y="4011850"/>
+            <a:ext cx="4467890" cy="0"/>
+          </a:xfrm>
+          <a:prstGeom prst="line">
+            <a:avLst/>
+          </a:prstGeom>
           <a:ln>
-            <a:noFill/>
+            <a:solidFill>
+              <a:schemeClr val="bg1"/>
+            </a:solidFill>
           </a:ln>
         </p:spPr>
         <p:style>
-          <a:lnRef idx="2">
-            <a:schemeClr val="accent1">
-              <a:shade val="50000"/>
-            </a:schemeClr>
+          <a:lnRef idx="1">
+            <a:schemeClr val="accent1"/>
           </a:lnRef>
-          <a:fillRef idx="1">
+          <a:fillRef idx="0">
             <a:schemeClr val="accent1"/>
           </a:fillRef>
           <a:effectRef idx="0">
             <a:schemeClr val="accent1"/>
           </a:effectRef>
           <a:fontRef idx="minor">
-            <a:schemeClr val="lt1"/>
+            <a:schemeClr val="tx1"/>
           </a:fontRef>
         </p:style>
-        <p:txBody>
-          <a:bodyPr rtlCol="0" anchor="ctr"/>
-          <a:lstStyle/>
-          <a:p>
-            <a:pPr algn="ctr"/>
-            <a:endParaRPr lang="ko-KR" altLang="en-US"/>
-          </a:p>
-        </p:txBody>
-      </p:sp>
-      <p:pic>
-        <p:nvPicPr>
-          <p:cNvPr id="21" name="그림 20">
-            <a:extLst>
-              <a:ext uri="{FF2B5EF4-FFF2-40B4-BE49-F238E27FC236}">
-                <a16:creationId xmlns:a16="http://schemas.microsoft.com/office/drawing/2014/main" id="{6A373110-06E4-4A8B-A1F6-09F27DCA35CB}"/>
-              </a:ext>
-            </a:extLst>
-          </p:cNvPr>
-          <p:cNvPicPr>
-            <a:picLocks noChangeAspect="1"/>
-          </p:cNvPicPr>
-          <p:nvPr/>
-        </p:nvPicPr>
-        <p:blipFill>
-          <a:blip r:embed="rId2" cstate="screen">
-            <a:extLst>
-              <a:ext uri="{28A0092B-C50C-407E-A947-70E740481C1C}">
-                <a14:useLocalDpi xmlns:a14="http://schemas.microsoft.com/office/drawing/2010/main" val="0"/>
-              </a:ext>
-            </a:extLst>
-          </a:blip>
-          <a:stretch>
-            <a:fillRect/>
-          </a:stretch>
-        </p:blipFill>
-        <p:spPr>
-          <a:xfrm>
-            <a:off x="9655625" y="5005678"/>
-            <a:ext cx="1230305" cy="644241"/>
-          </a:xfrm>
-          <a:prstGeom prst="rect">
-            <a:avLst/>
-          </a:prstGeom>
-        </p:spPr>
-      </p:pic>
-      <p:pic>
-        <p:nvPicPr>
-          <p:cNvPr id="23" name="그림 22"/>
-          <p:cNvPicPr>
-            <a:picLocks noChangeAspect="1"/>
-          </p:cNvPicPr>
-          <p:nvPr/>
-        </p:nvPicPr>
-        <p:blipFill>
-          <a:blip r:embed="rId3" cstate="screen">
-            <a:extLst>
-              <a:ext uri="{28A0092B-C50C-407E-A947-70E740481C1C}">
-                <a14:useLocalDpi xmlns:a14="http://schemas.microsoft.com/office/drawing/2010/main" val="0"/>
-              </a:ext>
-            </a:extLst>
-          </a:blip>
-          <a:stretch>
-            <a:fillRect/>
-          </a:stretch>
-        </p:blipFill>
-        <p:spPr>
-          <a:xfrm>
-            <a:off x="9447973" y="1831162"/>
-            <a:ext cx="1645610" cy="863945"/>
-          </a:xfrm>
-          <a:prstGeom prst="rect">
-            <a:avLst/>
-          </a:prstGeom>
-        </p:spPr>
-      </p:pic>
-      <p:pic>
-        <p:nvPicPr>
-          <p:cNvPr id="27" name="그림 26"/>
-          <p:cNvPicPr>
-            <a:picLocks noChangeAspect="1"/>
-          </p:cNvPicPr>
-          <p:nvPr/>
-        </p:nvPicPr>
-        <p:blipFill>
-          <a:blip r:embed="rId4" cstate="screen">
-            <a:extLst>
-              <a:ext uri="{28A0092B-C50C-407E-A947-70E740481C1C}">
-                <a14:useLocalDpi xmlns:a14="http://schemas.microsoft.com/office/drawing/2010/main" val="0"/>
-              </a:ext>
-            </a:extLst>
-          </a:blip>
-          <a:stretch>
-            <a:fillRect/>
-          </a:stretch>
-        </p:blipFill>
-        <p:spPr>
-          <a:xfrm>
-            <a:off x="1098418" y="6045354"/>
-            <a:ext cx="1577993" cy="333132"/>
-          </a:xfrm>
-          <a:prstGeom prst="rect">
-            <a:avLst/>
-          </a:prstGeom>
-        </p:spPr>
-      </p:pic>
-      <p:pic>
-        <p:nvPicPr>
-          <p:cNvPr id="5" name="그림 4"/>
-          <p:cNvPicPr>
-            <a:picLocks noChangeAspect="1"/>
-          </p:cNvPicPr>
-          <p:nvPr/>
-        </p:nvPicPr>
-        <p:blipFill>
-          <a:blip r:embed="rId5" cstate="screen">
-            <a:extLst>
-              <a:ext uri="{28A0092B-C50C-407E-A947-70E740481C1C}">
-                <a14:useLocalDpi xmlns:a14="http://schemas.microsoft.com/office/drawing/2010/main" val="0"/>
-              </a:ext>
-            </a:extLst>
-          </a:blip>
-          <a:stretch>
-            <a:fillRect/>
-          </a:stretch>
-        </p:blipFill>
-        <p:spPr>
-          <a:xfrm>
-            <a:off x="5210727" y="5989955"/>
-            <a:ext cx="1770544" cy="470434"/>
-          </a:xfrm>
-          <a:prstGeom prst="rect">
-            <a:avLst/>
-          </a:prstGeom>
-        </p:spPr>
-      </p:pic>
-      <p:sp>
-        <p:nvSpPr>
-          <p:cNvPr id="7" name="TextBox 6"/>
-          <p:cNvSpPr txBox="1"/>
-          <p:nvPr/>
-        </p:nvSpPr>
-        <p:spPr>
-          <a:xfrm>
-            <a:off x="7818783" y="1457738"/>
-            <a:ext cx="184731" cy="369332"/>
-          </a:xfrm>
-          <a:prstGeom prst="rect">
-            <a:avLst/>
-          </a:prstGeom>
-          <a:noFill/>
-        </p:spPr>
-        <p:txBody>
-          <a:bodyPr wrap="none" rtlCol="0">
-            <a:spAutoFit/>
-          </a:bodyPr>
-          <a:lstStyle/>
-          <a:p>
-            <a:endParaRPr lang="ko-KR" altLang="en-US" dirty="0"/>
-          </a:p>
-        </p:txBody>
-      </p:sp>
-      <p:pic>
-        <p:nvPicPr>
-          <p:cNvPr id="8" name="그림 7"/>
-          <p:cNvPicPr>
-            <a:picLocks noChangeAspect="1"/>
-          </p:cNvPicPr>
-          <p:nvPr/>
-        </p:nvPicPr>
-        <p:blipFill>
-          <a:blip r:embed="rId6" cstate="screen">
-            <a:extLst>
-              <a:ext uri="{28A0092B-C50C-407E-A947-70E740481C1C}">
-                <a14:useLocalDpi xmlns:a14="http://schemas.microsoft.com/office/drawing/2010/main" val="0"/>
-              </a:ext>
-            </a:extLst>
-          </a:blip>
-          <a:stretch>
-            <a:fillRect/>
-          </a:stretch>
-        </p:blipFill>
-        <p:spPr>
-          <a:xfrm>
-            <a:off x="10107398" y="5933261"/>
-            <a:ext cx="557318" cy="557318"/>
-          </a:xfrm>
-          <a:prstGeom prst="rect">
-            <a:avLst/>
-          </a:prstGeom>
-        </p:spPr>
-      </p:pic>
-      <p:sp>
-        <p:nvSpPr>
-          <p:cNvPr id="22" name="직사각형 21"/>
-          <p:cNvSpPr/>
-          <p:nvPr/>
-        </p:nvSpPr>
-        <p:spPr>
-          <a:xfrm>
-            <a:off x="10241280" y="6489402"/>
-            <a:ext cx="1950720" cy="302096"/>
-          </a:xfrm>
-          <a:prstGeom prst="rect">
-            <a:avLst/>
-          </a:prstGeom>
-          <a:solidFill>
-            <a:schemeClr val="bg1"/>
-          </a:solidFill>
-          <a:ln>
-            <a:solidFill>
-              <a:schemeClr val="bg1"/>
-            </a:solidFill>
-          </a:ln>
-        </p:spPr>
-        <p:style>
-          <a:lnRef idx="2">
-            <a:schemeClr val="accent1">
-              <a:shade val="50000"/>
-            </a:schemeClr>
-          </a:lnRef>
-          <a:fillRef idx="1">
-            <a:schemeClr val="accent1"/>
-          </a:fillRef>
-          <a:effectRef idx="0">
-            <a:schemeClr val="accent1"/>
-          </a:effectRef>
-          <a:fontRef idx="minor">
-            <a:schemeClr val="lt1"/>
-          </a:fontRef>
-        </p:style>
-        <p:txBody>
-          <a:bodyPr rtlCol="0" anchor="ctr"/>
-          <a:lstStyle/>
-          <a:p>
-            <a:pPr algn="ctr"/>
-            <a:endParaRPr lang="ko-KR" altLang="en-US"/>
-          </a:p>
-        </p:txBody>
-      </p:sp>
+      </p:cxnSp>
     </p:spTree>
     <p:extLst>
       <p:ext uri="{BB962C8B-B14F-4D97-AF65-F5344CB8AC3E}">
-        <p14:creationId xmlns:p14="http://schemas.microsoft.com/office/powerpoint/2010/main" val="104550201"/>
+        <p14:creationId xmlns:p14="http://schemas.microsoft.com/office/powerpoint/2010/main" val="701873013"/>
       </p:ext>
     </p:extLst>
   </p:cSld>
   <p:clrMapOvr>
     <a:masterClrMapping/>
   </p:clrMapOvr>
-  <p:transition>
-    <p:fade/>
-  </p:transition>
+  <mc:AlternateContent xmlns:mc="http://schemas.openxmlformats.org/markup-compatibility/2006">
+    <mc:Choice xmlns:p14="http://schemas.microsoft.com/office/powerpoint/2010/main" Requires="p14">
+      <p:transition spd="med" p14:dur="700">
+        <p:fade/>
+      </p:transition>
+    </mc:Choice>
+    <mc:Fallback>
+      <p:transition spd="med">
+        <p:fade/>
+      </p:transition>
+    </mc:Fallback>
+  </mc:AlternateContent>
   <p:timing>
     <p:tnLst>
       <p:par>
@@ -14722,23 +14454,25 @@
       </p:pic>
       <p:sp>
         <p:nvSpPr>
-          <p:cNvPr id="9" name="오른쪽 화살표 8"/>
+          <p:cNvPr id="22" name="직사각형 21"/>
           <p:cNvSpPr/>
           <p:nvPr/>
         </p:nvSpPr>
         <p:spPr>
           <a:xfrm>
-            <a:off x="3412263" y="3156478"/>
-            <a:ext cx="1192696" cy="1139687"/>
-          </a:xfrm>
-          <a:prstGeom prst="rightArrow">
+            <a:off x="10241280" y="6489402"/>
+            <a:ext cx="1950720" cy="302096"/>
+          </a:xfrm>
+          <a:prstGeom prst="rect">
             <a:avLst/>
           </a:prstGeom>
           <a:solidFill>
-            <a:srgbClr val="4DB9E9"/>
+            <a:schemeClr val="bg1"/>
           </a:solidFill>
           <a:ln>
-            <a:noFill/>
+            <a:solidFill>
+              <a:schemeClr val="bg1"/>
+            </a:solidFill>
           </a:ln>
         </p:spPr>
         <p:style>
@@ -14766,58 +14500,10 @@
           </a:p>
         </p:txBody>
       </p:sp>
-      <p:sp>
-        <p:nvSpPr>
-          <p:cNvPr id="22" name="직사각형 21"/>
-          <p:cNvSpPr/>
-          <p:nvPr/>
-        </p:nvSpPr>
-        <p:spPr>
-          <a:xfrm>
-            <a:off x="10241280" y="6489402"/>
-            <a:ext cx="1950720" cy="302096"/>
-          </a:xfrm>
-          <a:prstGeom prst="rect">
-            <a:avLst/>
-          </a:prstGeom>
-          <a:solidFill>
-            <a:schemeClr val="bg1"/>
-          </a:solidFill>
-          <a:ln>
-            <a:solidFill>
-              <a:schemeClr val="bg1"/>
-            </a:solidFill>
-          </a:ln>
-        </p:spPr>
-        <p:style>
-          <a:lnRef idx="2">
-            <a:schemeClr val="accent1">
-              <a:shade val="50000"/>
-            </a:schemeClr>
-          </a:lnRef>
-          <a:fillRef idx="1">
-            <a:schemeClr val="accent1"/>
-          </a:fillRef>
-          <a:effectRef idx="0">
-            <a:schemeClr val="accent1"/>
-          </a:effectRef>
-          <a:fontRef idx="minor">
-            <a:schemeClr val="lt1"/>
-          </a:fontRef>
-        </p:style>
-        <p:txBody>
-          <a:bodyPr rtlCol="0" anchor="ctr"/>
-          <a:lstStyle/>
-          <a:p>
-            <a:pPr algn="ctr"/>
-            <a:endParaRPr lang="ko-KR" altLang="en-US"/>
-          </a:p>
-        </p:txBody>
-      </p:sp>
     </p:spTree>
     <p:extLst>
       <p:ext uri="{BB962C8B-B14F-4D97-AF65-F5344CB8AC3E}">
-        <p14:creationId xmlns:p14="http://schemas.microsoft.com/office/powerpoint/2010/main" val="3290557593"/>
+        <p14:creationId xmlns:p14="http://schemas.microsoft.com/office/powerpoint/2010/main" val="104550201"/>
       </p:ext>
     </p:extLst>
   </p:cSld>
@@ -15456,7 +15142,7 @@
         </p:nvSpPr>
         <p:spPr>
           <a:xfrm>
-            <a:off x="7587041" y="3156478"/>
+            <a:off x="3412263" y="3156478"/>
             <a:ext cx="1192696" cy="1139687"/>
           </a:xfrm>
           <a:prstGeom prst="rightArrow">
@@ -15545,7 +15231,7 @@
     </p:spTree>
     <p:extLst>
       <p:ext uri="{BB962C8B-B14F-4D97-AF65-F5344CB8AC3E}">
-        <p14:creationId xmlns:p14="http://schemas.microsoft.com/office/powerpoint/2010/main" val="3796841057"/>
+        <p14:creationId xmlns:p14="http://schemas.microsoft.com/office/powerpoint/2010/main" val="3290557593"/>
       </p:ext>
     </p:extLst>
   </p:cSld>
@@ -16178,25 +15864,23 @@
       </p:pic>
       <p:sp>
         <p:nvSpPr>
-          <p:cNvPr id="22" name="직사각형 21"/>
+          <p:cNvPr id="9" name="오른쪽 화살표 8"/>
           <p:cNvSpPr/>
           <p:nvPr/>
         </p:nvSpPr>
         <p:spPr>
           <a:xfrm>
-            <a:off x="10241280" y="6489402"/>
-            <a:ext cx="1950720" cy="302096"/>
-          </a:xfrm>
-          <a:prstGeom prst="rect">
+            <a:off x="7587041" y="3156478"/>
+            <a:ext cx="1192696" cy="1139687"/>
+          </a:xfrm>
+          <a:prstGeom prst="rightArrow">
             <a:avLst/>
           </a:prstGeom>
           <a:solidFill>
-            <a:schemeClr val="bg1"/>
+            <a:srgbClr val="4DB9E9"/>
           </a:solidFill>
           <a:ln>
-            <a:solidFill>
-              <a:schemeClr val="bg1"/>
-            </a:solidFill>
+            <a:noFill/>
           </a:ln>
         </p:spPr>
         <p:style>
@@ -16224,10 +15908,58 @@
           </a:p>
         </p:txBody>
       </p:sp>
+      <p:sp>
+        <p:nvSpPr>
+          <p:cNvPr id="22" name="직사각형 21"/>
+          <p:cNvSpPr/>
+          <p:nvPr/>
+        </p:nvSpPr>
+        <p:spPr>
+          <a:xfrm>
+            <a:off x="10241280" y="6489402"/>
+            <a:ext cx="1950720" cy="302096"/>
+          </a:xfrm>
+          <a:prstGeom prst="rect">
+            <a:avLst/>
+          </a:prstGeom>
+          <a:solidFill>
+            <a:schemeClr val="bg1"/>
+          </a:solidFill>
+          <a:ln>
+            <a:solidFill>
+              <a:schemeClr val="bg1"/>
+            </a:solidFill>
+          </a:ln>
+        </p:spPr>
+        <p:style>
+          <a:lnRef idx="2">
+            <a:schemeClr val="accent1">
+              <a:shade val="50000"/>
+            </a:schemeClr>
+          </a:lnRef>
+          <a:fillRef idx="1">
+            <a:schemeClr val="accent1"/>
+          </a:fillRef>
+          <a:effectRef idx="0">
+            <a:schemeClr val="accent1"/>
+          </a:effectRef>
+          <a:fontRef idx="minor">
+            <a:schemeClr val="lt1"/>
+          </a:fontRef>
+        </p:style>
+        <p:txBody>
+          <a:bodyPr rtlCol="0" anchor="ctr"/>
+          <a:lstStyle/>
+          <a:p>
+            <a:pPr algn="ctr"/>
+            <a:endParaRPr lang="ko-KR" altLang="en-US"/>
+          </a:p>
+        </p:txBody>
+      </p:sp>
     </p:spTree>
     <p:extLst>
       <p:ext uri="{BB962C8B-B14F-4D97-AF65-F5344CB8AC3E}">
-        <p14:creationId xmlns:p14="http://schemas.microsoft.com/office/powerpoint/2010/main" val="69525454"/>
+        <p14:creationId xmlns:p14="http://schemas.microsoft.com/office/powerpoint/2010/main" val="3796841057"/>
       </p:ext>
     </p:extLst>
   </p:cSld>
@@ -16860,23 +16592,25 @@
       </p:pic>
       <p:sp>
         <p:nvSpPr>
-          <p:cNvPr id="9" name="오른쪽 화살표 8"/>
+          <p:cNvPr id="22" name="직사각형 21"/>
           <p:cNvSpPr/>
           <p:nvPr/>
         </p:nvSpPr>
         <p:spPr>
-          <a:xfrm rot="10800000">
-            <a:off x="7587041" y="3156478"/>
-            <a:ext cx="1192696" cy="1139687"/>
-          </a:xfrm>
-          <a:prstGeom prst="rightArrow">
+          <a:xfrm>
+            <a:off x="10241280" y="6489402"/>
+            <a:ext cx="1950720" cy="302096"/>
+          </a:xfrm>
+          <a:prstGeom prst="rect">
             <a:avLst/>
           </a:prstGeom>
           <a:solidFill>
-            <a:srgbClr val="4DB9E9"/>
+            <a:schemeClr val="bg1"/>
           </a:solidFill>
           <a:ln>
-            <a:noFill/>
+            <a:solidFill>
+              <a:schemeClr val="bg1"/>
+            </a:solidFill>
           </a:ln>
         </p:spPr>
         <p:style>
@@ -16904,58 +16638,10 @@
           </a:p>
         </p:txBody>
       </p:sp>
-      <p:sp>
-        <p:nvSpPr>
-          <p:cNvPr id="22" name="직사각형 21"/>
-          <p:cNvSpPr/>
-          <p:nvPr/>
-        </p:nvSpPr>
-        <p:spPr>
-          <a:xfrm>
-            <a:off x="10241280" y="6489402"/>
-            <a:ext cx="1950720" cy="302096"/>
-          </a:xfrm>
-          <a:prstGeom prst="rect">
-            <a:avLst/>
-          </a:prstGeom>
-          <a:solidFill>
-            <a:schemeClr val="bg1"/>
-          </a:solidFill>
-          <a:ln>
-            <a:solidFill>
-              <a:schemeClr val="bg1"/>
-            </a:solidFill>
-          </a:ln>
-        </p:spPr>
-        <p:style>
-          <a:lnRef idx="2">
-            <a:schemeClr val="accent1">
-              <a:shade val="50000"/>
-            </a:schemeClr>
-          </a:lnRef>
-          <a:fillRef idx="1">
-            <a:schemeClr val="accent1"/>
-          </a:fillRef>
-          <a:effectRef idx="0">
-            <a:schemeClr val="accent1"/>
-          </a:effectRef>
-          <a:fontRef idx="minor">
-            <a:schemeClr val="lt1"/>
-          </a:fontRef>
-        </p:style>
-        <p:txBody>
-          <a:bodyPr rtlCol="0" anchor="ctr"/>
-          <a:lstStyle/>
-          <a:p>
-            <a:pPr algn="ctr"/>
-            <a:endParaRPr lang="ko-KR" altLang="en-US"/>
-          </a:p>
-        </p:txBody>
-      </p:sp>
     </p:spTree>
     <p:extLst>
       <p:ext uri="{BB962C8B-B14F-4D97-AF65-F5344CB8AC3E}">
-        <p14:creationId xmlns:p14="http://schemas.microsoft.com/office/powerpoint/2010/main" val="2076804631"/>
+        <p14:creationId xmlns:p14="http://schemas.microsoft.com/office/powerpoint/2010/main" val="69525454"/>
       </p:ext>
     </p:extLst>
   </p:cSld>
@@ -17594,7 +17280,7 @@
         </p:nvSpPr>
         <p:spPr>
           <a:xfrm rot="10800000">
-            <a:off x="3412263" y="3156478"/>
+            <a:off x="7587041" y="3156478"/>
             <a:ext cx="1192696" cy="1139687"/>
           </a:xfrm>
           <a:prstGeom prst="rightArrow">
@@ -17683,7 +17369,7 @@
     </p:spTree>
     <p:extLst>
       <p:ext uri="{BB962C8B-B14F-4D97-AF65-F5344CB8AC3E}">
-        <p14:creationId xmlns:p14="http://schemas.microsoft.com/office/powerpoint/2010/main" val="3965640498"/>
+        <p14:creationId xmlns:p14="http://schemas.microsoft.com/office/powerpoint/2010/main" val="2076804631"/>
       </p:ext>
     </p:extLst>
   </p:cSld>
@@ -18316,6 +18002,734 @@
       </p:pic>
       <p:sp>
         <p:nvSpPr>
+          <p:cNvPr id="9" name="오른쪽 화살표 8"/>
+          <p:cNvSpPr/>
+          <p:nvPr/>
+        </p:nvSpPr>
+        <p:spPr>
+          <a:xfrm rot="10800000">
+            <a:off x="3412263" y="3156478"/>
+            <a:ext cx="1192696" cy="1139687"/>
+          </a:xfrm>
+          <a:prstGeom prst="rightArrow">
+            <a:avLst/>
+          </a:prstGeom>
+          <a:solidFill>
+            <a:srgbClr val="4DB9E9"/>
+          </a:solidFill>
+          <a:ln>
+            <a:noFill/>
+          </a:ln>
+        </p:spPr>
+        <p:style>
+          <a:lnRef idx="2">
+            <a:schemeClr val="accent1">
+              <a:shade val="50000"/>
+            </a:schemeClr>
+          </a:lnRef>
+          <a:fillRef idx="1">
+            <a:schemeClr val="accent1"/>
+          </a:fillRef>
+          <a:effectRef idx="0">
+            <a:schemeClr val="accent1"/>
+          </a:effectRef>
+          <a:fontRef idx="minor">
+            <a:schemeClr val="lt1"/>
+          </a:fontRef>
+        </p:style>
+        <p:txBody>
+          <a:bodyPr rtlCol="0" anchor="ctr"/>
+          <a:lstStyle/>
+          <a:p>
+            <a:pPr algn="ctr"/>
+            <a:endParaRPr lang="ko-KR" altLang="en-US"/>
+          </a:p>
+        </p:txBody>
+      </p:sp>
+      <p:sp>
+        <p:nvSpPr>
+          <p:cNvPr id="22" name="직사각형 21"/>
+          <p:cNvSpPr/>
+          <p:nvPr/>
+        </p:nvSpPr>
+        <p:spPr>
+          <a:xfrm>
+            <a:off x="10241280" y="6489402"/>
+            <a:ext cx="1950720" cy="302096"/>
+          </a:xfrm>
+          <a:prstGeom prst="rect">
+            <a:avLst/>
+          </a:prstGeom>
+          <a:solidFill>
+            <a:schemeClr val="bg1"/>
+          </a:solidFill>
+          <a:ln>
+            <a:solidFill>
+              <a:schemeClr val="bg1"/>
+            </a:solidFill>
+          </a:ln>
+        </p:spPr>
+        <p:style>
+          <a:lnRef idx="2">
+            <a:schemeClr val="accent1">
+              <a:shade val="50000"/>
+            </a:schemeClr>
+          </a:lnRef>
+          <a:fillRef idx="1">
+            <a:schemeClr val="accent1"/>
+          </a:fillRef>
+          <a:effectRef idx="0">
+            <a:schemeClr val="accent1"/>
+          </a:effectRef>
+          <a:fontRef idx="minor">
+            <a:schemeClr val="lt1"/>
+          </a:fontRef>
+        </p:style>
+        <p:txBody>
+          <a:bodyPr rtlCol="0" anchor="ctr"/>
+          <a:lstStyle/>
+          <a:p>
+            <a:pPr algn="ctr"/>
+            <a:endParaRPr lang="ko-KR" altLang="en-US"/>
+          </a:p>
+        </p:txBody>
+      </p:sp>
+    </p:spTree>
+    <p:extLst>
+      <p:ext uri="{BB962C8B-B14F-4D97-AF65-F5344CB8AC3E}">
+        <p14:creationId xmlns:p14="http://schemas.microsoft.com/office/powerpoint/2010/main" val="3965640498"/>
+      </p:ext>
+    </p:extLst>
+  </p:cSld>
+  <p:clrMapOvr>
+    <a:masterClrMapping/>
+  </p:clrMapOvr>
+  <p:transition>
+    <p:fade/>
+  </p:transition>
+  <p:timing>
+    <p:tnLst>
+      <p:par>
+        <p:cTn id="1" dur="indefinite" restart="never" nodeType="tmRoot"/>
+      </p:par>
+    </p:tnLst>
+  </p:timing>
+</p:sld>
+</file>
+
+<file path=ppt/slides/slide27.xml><?xml version="1.0" encoding="utf-8"?>
+<p:sld xmlns:a="http://schemas.openxmlformats.org/drawingml/2006/main" xmlns:r="http://schemas.openxmlformats.org/officeDocument/2006/relationships" xmlns:p="http://schemas.openxmlformats.org/presentationml/2006/main">
+  <p:cSld>
+    <p:spTree>
+      <p:nvGrpSpPr>
+        <p:cNvPr id="1" name=""/>
+        <p:cNvGrpSpPr/>
+        <p:nvPr/>
+      </p:nvGrpSpPr>
+      <p:grpSpPr>
+        <a:xfrm>
+          <a:off x="0" y="0"/>
+          <a:ext cx="0" cy="0"/>
+          <a:chOff x="0" y="0"/>
+          <a:chExt cx="0" cy="0"/>
+        </a:xfrm>
+      </p:grpSpPr>
+      <p:sp>
+        <p:nvSpPr>
+          <p:cNvPr id="14" name="모서리가 둥근 직사각형 13"/>
+          <p:cNvSpPr/>
+          <p:nvPr/>
+        </p:nvSpPr>
+        <p:spPr>
+          <a:xfrm>
+            <a:off x="902881" y="1619228"/>
+            <a:ext cx="2036682" cy="4214191"/>
+          </a:xfrm>
+          <a:prstGeom prst="roundRect">
+            <a:avLst/>
+          </a:prstGeom>
+          <a:solidFill>
+            <a:srgbClr val="1E3252"/>
+          </a:solidFill>
+          <a:ln>
+            <a:noFill/>
+          </a:ln>
+        </p:spPr>
+        <p:style>
+          <a:lnRef idx="2">
+            <a:schemeClr val="accent1">
+              <a:shade val="50000"/>
+            </a:schemeClr>
+          </a:lnRef>
+          <a:fillRef idx="1">
+            <a:schemeClr val="accent1"/>
+          </a:fillRef>
+          <a:effectRef idx="0">
+            <a:schemeClr val="accent1"/>
+          </a:effectRef>
+          <a:fontRef idx="minor">
+            <a:schemeClr val="lt1"/>
+          </a:fontRef>
+        </p:style>
+        <p:txBody>
+          <a:bodyPr rtlCol="0" anchor="ctr"/>
+          <a:lstStyle/>
+          <a:p>
+            <a:pPr algn="ctr"/>
+            <a:endParaRPr lang="ko-KR" altLang="en-US"/>
+          </a:p>
+        </p:txBody>
+      </p:sp>
+      <p:sp>
+        <p:nvSpPr>
+          <p:cNvPr id="2" name="직사각형 1">
+            <a:extLst>
+              <a:ext uri="{FF2B5EF4-FFF2-40B4-BE49-F238E27FC236}">
+                <a16:creationId xmlns:a16="http://schemas.microsoft.com/office/drawing/2014/main" id="{0546E572-061A-4F66-860A-EA1641AD3DE2}"/>
+              </a:ext>
+            </a:extLst>
+          </p:cNvPr>
+          <p:cNvSpPr/>
+          <p:nvPr/>
+        </p:nvSpPr>
+        <p:spPr>
+          <a:xfrm>
+            <a:off x="0" y="0"/>
+            <a:ext cx="12192000" cy="1076960"/>
+          </a:xfrm>
+          <a:prstGeom prst="rect">
+            <a:avLst/>
+          </a:prstGeom>
+        </p:spPr>
+        <p:style>
+          <a:lnRef idx="2">
+            <a:schemeClr val="accent1">
+              <a:shade val="50000"/>
+            </a:schemeClr>
+          </a:lnRef>
+          <a:fillRef idx="1">
+            <a:schemeClr val="accent1"/>
+          </a:fillRef>
+          <a:effectRef idx="0">
+            <a:schemeClr val="accent1"/>
+          </a:effectRef>
+          <a:fontRef idx="minor">
+            <a:schemeClr val="lt1"/>
+          </a:fontRef>
+        </p:style>
+        <p:txBody>
+          <a:bodyPr rtlCol="0" anchor="ctr"/>
+          <a:lstStyle/>
+          <a:p>
+            <a:pPr algn="ctr"/>
+            <a:endParaRPr lang="ko-KR" altLang="en-US"/>
+          </a:p>
+        </p:txBody>
+      </p:sp>
+      <p:sp>
+        <p:nvSpPr>
+          <p:cNvPr id="3" name="TextBox 2">
+            <a:extLst>
+              <a:ext uri="{FF2B5EF4-FFF2-40B4-BE49-F238E27FC236}">
+                <a16:creationId xmlns:a16="http://schemas.microsoft.com/office/drawing/2014/main" id="{8951765C-E4E1-440B-B3F6-AD127EB533CF}"/>
+              </a:ext>
+            </a:extLst>
+          </p:cNvPr>
+          <p:cNvSpPr txBox="1"/>
+          <p:nvPr/>
+        </p:nvSpPr>
+        <p:spPr>
+          <a:xfrm>
+            <a:off x="875104" y="101916"/>
+            <a:ext cx="2092239" cy="646331"/>
+          </a:xfrm>
+          <a:prstGeom prst="rect">
+            <a:avLst/>
+          </a:prstGeom>
+          <a:noFill/>
+        </p:spPr>
+        <p:txBody>
+          <a:bodyPr wrap="none" rtlCol="0">
+            <a:spAutoFit/>
+          </a:bodyPr>
+          <a:lstStyle/>
+          <a:p>
+            <a:r>
+              <a:rPr lang="ko-KR" altLang="en-US" sz="3600" spc="-300" dirty="0" err="1" smtClean="0">
+                <a:solidFill>
+                  <a:schemeClr val="bg1"/>
+                </a:solidFill>
+              </a:rPr>
+              <a:t>데이터흐름</a:t>
+            </a:r>
+            <a:endParaRPr lang="ko-KR" altLang="en-US" sz="3600" spc="-300" dirty="0">
+              <a:solidFill>
+                <a:schemeClr val="bg1"/>
+              </a:solidFill>
+            </a:endParaRPr>
+          </a:p>
+        </p:txBody>
+      </p:sp>
+      <p:sp>
+        <p:nvSpPr>
+          <p:cNvPr id="4" name="TextBox 3">
+            <a:extLst>
+              <a:ext uri="{FF2B5EF4-FFF2-40B4-BE49-F238E27FC236}">
+                <a16:creationId xmlns:a16="http://schemas.microsoft.com/office/drawing/2014/main" id="{8E877FB6-6DE1-44E4-8EF8-7160153CD120}"/>
+              </a:ext>
+            </a:extLst>
+          </p:cNvPr>
+          <p:cNvSpPr txBox="1"/>
+          <p:nvPr/>
+        </p:nvSpPr>
+        <p:spPr>
+          <a:xfrm>
+            <a:off x="132080" y="117305"/>
+            <a:ext cx="743024" cy="307777"/>
+          </a:xfrm>
+          <a:prstGeom prst="rect">
+            <a:avLst/>
+          </a:prstGeom>
+          <a:noFill/>
+        </p:spPr>
+        <p:txBody>
+          <a:bodyPr wrap="none" rtlCol="0">
+            <a:spAutoFit/>
+          </a:bodyPr>
+          <a:lstStyle/>
+          <a:p>
+            <a:r>
+              <a:rPr lang="en-US" altLang="ko-KR" sz="1400" dirty="0">
+                <a:solidFill>
+                  <a:schemeClr val="bg1"/>
+                </a:solidFill>
+              </a:rPr>
+              <a:t>Part </a:t>
+            </a:r>
+            <a:r>
+              <a:rPr lang="en-US" altLang="ko-KR" sz="1400" dirty="0" smtClean="0">
+                <a:solidFill>
+                  <a:schemeClr val="bg1"/>
+                </a:solidFill>
+              </a:rPr>
+              <a:t>4, </a:t>
+            </a:r>
+            <a:endParaRPr lang="ko-KR" altLang="en-US" sz="1400" dirty="0">
+              <a:solidFill>
+                <a:schemeClr val="bg1"/>
+              </a:solidFill>
+            </a:endParaRPr>
+          </a:p>
+        </p:txBody>
+      </p:sp>
+      <p:pic>
+        <p:nvPicPr>
+          <p:cNvPr id="12" name="그림 11">
+            <a:extLst>
+              <a:ext uri="{FF2B5EF4-FFF2-40B4-BE49-F238E27FC236}">
+                <a16:creationId xmlns:a16="http://schemas.microsoft.com/office/drawing/2014/main" id="{6A373110-06E4-4A8B-A1F6-09F27DCA35CB}"/>
+              </a:ext>
+            </a:extLst>
+          </p:cNvPr>
+          <p:cNvPicPr>
+            <a:picLocks noChangeAspect="1"/>
+          </p:cNvPicPr>
+          <p:nvPr/>
+        </p:nvPicPr>
+        <p:blipFill>
+          <a:blip r:embed="rId2" cstate="screen">
+            <a:extLst>
+              <a:ext uri="{28A0092B-C50C-407E-A947-70E740481C1C}">
+                <a14:useLocalDpi xmlns:a14="http://schemas.microsoft.com/office/drawing/2010/main" val="0"/>
+              </a:ext>
+            </a:extLst>
+          </a:blip>
+          <a:stretch>
+            <a:fillRect/>
+          </a:stretch>
+        </p:blipFill>
+        <p:spPr>
+          <a:xfrm>
+            <a:off x="1306070" y="5005679"/>
+            <a:ext cx="1230305" cy="644241"/>
+          </a:xfrm>
+          <a:prstGeom prst="rect">
+            <a:avLst/>
+          </a:prstGeom>
+        </p:spPr>
+      </p:pic>
+      <p:pic>
+        <p:nvPicPr>
+          <p:cNvPr id="13" name="그림 12"/>
+          <p:cNvPicPr>
+            <a:picLocks noChangeAspect="1"/>
+          </p:cNvPicPr>
+          <p:nvPr/>
+        </p:nvPicPr>
+        <p:blipFill>
+          <a:blip r:embed="rId3" cstate="screen">
+            <a:extLst>
+              <a:ext uri="{28A0092B-C50C-407E-A947-70E740481C1C}">
+                <a14:useLocalDpi xmlns:a14="http://schemas.microsoft.com/office/drawing/2010/main" val="0"/>
+              </a:ext>
+            </a:extLst>
+          </a:blip>
+          <a:stretch>
+            <a:fillRect/>
+          </a:stretch>
+        </p:blipFill>
+        <p:spPr>
+          <a:xfrm>
+            <a:off x="1098418" y="1831163"/>
+            <a:ext cx="1645610" cy="863945"/>
+          </a:xfrm>
+          <a:prstGeom prst="rect">
+            <a:avLst/>
+          </a:prstGeom>
+        </p:spPr>
+      </p:pic>
+      <p:sp>
+        <p:nvSpPr>
+          <p:cNvPr id="17" name="모서리가 둥근 직사각형 16"/>
+          <p:cNvSpPr/>
+          <p:nvPr/>
+        </p:nvSpPr>
+        <p:spPr>
+          <a:xfrm>
+            <a:off x="5077659" y="1619227"/>
+            <a:ext cx="2036682" cy="4214191"/>
+          </a:xfrm>
+          <a:prstGeom prst="roundRect">
+            <a:avLst/>
+          </a:prstGeom>
+          <a:solidFill>
+            <a:srgbClr val="1E3252"/>
+          </a:solidFill>
+          <a:ln>
+            <a:noFill/>
+          </a:ln>
+        </p:spPr>
+        <p:style>
+          <a:lnRef idx="2">
+            <a:schemeClr val="accent1">
+              <a:shade val="50000"/>
+            </a:schemeClr>
+          </a:lnRef>
+          <a:fillRef idx="1">
+            <a:schemeClr val="accent1"/>
+          </a:fillRef>
+          <a:effectRef idx="0">
+            <a:schemeClr val="accent1"/>
+          </a:effectRef>
+          <a:fontRef idx="minor">
+            <a:schemeClr val="lt1"/>
+          </a:fontRef>
+        </p:style>
+        <p:txBody>
+          <a:bodyPr rtlCol="0" anchor="ctr"/>
+          <a:lstStyle/>
+          <a:p>
+            <a:pPr algn="ctr"/>
+            <a:endParaRPr lang="ko-KR" altLang="en-US"/>
+          </a:p>
+        </p:txBody>
+      </p:sp>
+      <p:pic>
+        <p:nvPicPr>
+          <p:cNvPr id="18" name="그림 17">
+            <a:extLst>
+              <a:ext uri="{FF2B5EF4-FFF2-40B4-BE49-F238E27FC236}">
+                <a16:creationId xmlns:a16="http://schemas.microsoft.com/office/drawing/2014/main" id="{6A373110-06E4-4A8B-A1F6-09F27DCA35CB}"/>
+              </a:ext>
+            </a:extLst>
+          </p:cNvPr>
+          <p:cNvPicPr>
+            <a:picLocks noChangeAspect="1"/>
+          </p:cNvPicPr>
+          <p:nvPr/>
+        </p:nvPicPr>
+        <p:blipFill>
+          <a:blip r:embed="rId2" cstate="screen">
+            <a:extLst>
+              <a:ext uri="{28A0092B-C50C-407E-A947-70E740481C1C}">
+                <a14:useLocalDpi xmlns:a14="http://schemas.microsoft.com/office/drawing/2010/main" val="0"/>
+              </a:ext>
+            </a:extLst>
+          </a:blip>
+          <a:stretch>
+            <a:fillRect/>
+          </a:stretch>
+        </p:blipFill>
+        <p:spPr>
+          <a:xfrm>
+            <a:off x="5480847" y="5005678"/>
+            <a:ext cx="1230305" cy="644241"/>
+          </a:xfrm>
+          <a:prstGeom prst="rect">
+            <a:avLst/>
+          </a:prstGeom>
+        </p:spPr>
+      </p:pic>
+      <p:pic>
+        <p:nvPicPr>
+          <p:cNvPr id="19" name="그림 18"/>
+          <p:cNvPicPr>
+            <a:picLocks noChangeAspect="1"/>
+          </p:cNvPicPr>
+          <p:nvPr/>
+        </p:nvPicPr>
+        <p:blipFill>
+          <a:blip r:embed="rId3" cstate="screen">
+            <a:extLst>
+              <a:ext uri="{28A0092B-C50C-407E-A947-70E740481C1C}">
+                <a14:useLocalDpi xmlns:a14="http://schemas.microsoft.com/office/drawing/2010/main" val="0"/>
+              </a:ext>
+            </a:extLst>
+          </a:blip>
+          <a:stretch>
+            <a:fillRect/>
+          </a:stretch>
+        </p:blipFill>
+        <p:spPr>
+          <a:xfrm>
+            <a:off x="5273195" y="1831162"/>
+            <a:ext cx="1645610" cy="863945"/>
+          </a:xfrm>
+          <a:prstGeom prst="rect">
+            <a:avLst/>
+          </a:prstGeom>
+        </p:spPr>
+      </p:pic>
+      <p:sp>
+        <p:nvSpPr>
+          <p:cNvPr id="20" name="모서리가 둥근 직사각형 19"/>
+          <p:cNvSpPr/>
+          <p:nvPr/>
+        </p:nvSpPr>
+        <p:spPr>
+          <a:xfrm>
+            <a:off x="9252437" y="1619227"/>
+            <a:ext cx="2036682" cy="4214191"/>
+          </a:xfrm>
+          <a:prstGeom prst="roundRect">
+            <a:avLst/>
+          </a:prstGeom>
+          <a:solidFill>
+            <a:srgbClr val="1E3252"/>
+          </a:solidFill>
+          <a:ln>
+            <a:noFill/>
+          </a:ln>
+        </p:spPr>
+        <p:style>
+          <a:lnRef idx="2">
+            <a:schemeClr val="accent1">
+              <a:shade val="50000"/>
+            </a:schemeClr>
+          </a:lnRef>
+          <a:fillRef idx="1">
+            <a:schemeClr val="accent1"/>
+          </a:fillRef>
+          <a:effectRef idx="0">
+            <a:schemeClr val="accent1"/>
+          </a:effectRef>
+          <a:fontRef idx="minor">
+            <a:schemeClr val="lt1"/>
+          </a:fontRef>
+        </p:style>
+        <p:txBody>
+          <a:bodyPr rtlCol="0" anchor="ctr"/>
+          <a:lstStyle/>
+          <a:p>
+            <a:pPr algn="ctr"/>
+            <a:endParaRPr lang="ko-KR" altLang="en-US"/>
+          </a:p>
+        </p:txBody>
+      </p:sp>
+      <p:pic>
+        <p:nvPicPr>
+          <p:cNvPr id="21" name="그림 20">
+            <a:extLst>
+              <a:ext uri="{FF2B5EF4-FFF2-40B4-BE49-F238E27FC236}">
+                <a16:creationId xmlns:a16="http://schemas.microsoft.com/office/drawing/2014/main" id="{6A373110-06E4-4A8B-A1F6-09F27DCA35CB}"/>
+              </a:ext>
+            </a:extLst>
+          </p:cNvPr>
+          <p:cNvPicPr>
+            <a:picLocks noChangeAspect="1"/>
+          </p:cNvPicPr>
+          <p:nvPr/>
+        </p:nvPicPr>
+        <p:blipFill>
+          <a:blip r:embed="rId2" cstate="screen">
+            <a:extLst>
+              <a:ext uri="{28A0092B-C50C-407E-A947-70E740481C1C}">
+                <a14:useLocalDpi xmlns:a14="http://schemas.microsoft.com/office/drawing/2010/main" val="0"/>
+              </a:ext>
+            </a:extLst>
+          </a:blip>
+          <a:stretch>
+            <a:fillRect/>
+          </a:stretch>
+        </p:blipFill>
+        <p:spPr>
+          <a:xfrm>
+            <a:off x="9655625" y="5005678"/>
+            <a:ext cx="1230305" cy="644241"/>
+          </a:xfrm>
+          <a:prstGeom prst="rect">
+            <a:avLst/>
+          </a:prstGeom>
+        </p:spPr>
+      </p:pic>
+      <p:pic>
+        <p:nvPicPr>
+          <p:cNvPr id="23" name="그림 22"/>
+          <p:cNvPicPr>
+            <a:picLocks noChangeAspect="1"/>
+          </p:cNvPicPr>
+          <p:nvPr/>
+        </p:nvPicPr>
+        <p:blipFill>
+          <a:blip r:embed="rId3" cstate="screen">
+            <a:extLst>
+              <a:ext uri="{28A0092B-C50C-407E-A947-70E740481C1C}">
+                <a14:useLocalDpi xmlns:a14="http://schemas.microsoft.com/office/drawing/2010/main" val="0"/>
+              </a:ext>
+            </a:extLst>
+          </a:blip>
+          <a:stretch>
+            <a:fillRect/>
+          </a:stretch>
+        </p:blipFill>
+        <p:spPr>
+          <a:xfrm>
+            <a:off x="9447973" y="1831162"/>
+            <a:ext cx="1645610" cy="863945"/>
+          </a:xfrm>
+          <a:prstGeom prst="rect">
+            <a:avLst/>
+          </a:prstGeom>
+        </p:spPr>
+      </p:pic>
+      <p:pic>
+        <p:nvPicPr>
+          <p:cNvPr id="27" name="그림 26"/>
+          <p:cNvPicPr>
+            <a:picLocks noChangeAspect="1"/>
+          </p:cNvPicPr>
+          <p:nvPr/>
+        </p:nvPicPr>
+        <p:blipFill>
+          <a:blip r:embed="rId4" cstate="screen">
+            <a:extLst>
+              <a:ext uri="{28A0092B-C50C-407E-A947-70E740481C1C}">
+                <a14:useLocalDpi xmlns:a14="http://schemas.microsoft.com/office/drawing/2010/main" val="0"/>
+              </a:ext>
+            </a:extLst>
+          </a:blip>
+          <a:stretch>
+            <a:fillRect/>
+          </a:stretch>
+        </p:blipFill>
+        <p:spPr>
+          <a:xfrm>
+            <a:off x="1098418" y="6045354"/>
+            <a:ext cx="1577993" cy="333132"/>
+          </a:xfrm>
+          <a:prstGeom prst="rect">
+            <a:avLst/>
+          </a:prstGeom>
+        </p:spPr>
+      </p:pic>
+      <p:pic>
+        <p:nvPicPr>
+          <p:cNvPr id="5" name="그림 4"/>
+          <p:cNvPicPr>
+            <a:picLocks noChangeAspect="1"/>
+          </p:cNvPicPr>
+          <p:nvPr/>
+        </p:nvPicPr>
+        <p:blipFill>
+          <a:blip r:embed="rId5" cstate="screen">
+            <a:extLst>
+              <a:ext uri="{28A0092B-C50C-407E-A947-70E740481C1C}">
+                <a14:useLocalDpi xmlns:a14="http://schemas.microsoft.com/office/drawing/2010/main" val="0"/>
+              </a:ext>
+            </a:extLst>
+          </a:blip>
+          <a:stretch>
+            <a:fillRect/>
+          </a:stretch>
+        </p:blipFill>
+        <p:spPr>
+          <a:xfrm>
+            <a:off x="5210727" y="5989955"/>
+            <a:ext cx="1770544" cy="470434"/>
+          </a:xfrm>
+          <a:prstGeom prst="rect">
+            <a:avLst/>
+          </a:prstGeom>
+        </p:spPr>
+      </p:pic>
+      <p:sp>
+        <p:nvSpPr>
+          <p:cNvPr id="7" name="TextBox 6"/>
+          <p:cNvSpPr txBox="1"/>
+          <p:nvPr/>
+        </p:nvSpPr>
+        <p:spPr>
+          <a:xfrm>
+            <a:off x="7818783" y="1457738"/>
+            <a:ext cx="184731" cy="369332"/>
+          </a:xfrm>
+          <a:prstGeom prst="rect">
+            <a:avLst/>
+          </a:prstGeom>
+          <a:noFill/>
+        </p:spPr>
+        <p:txBody>
+          <a:bodyPr wrap="none" rtlCol="0">
+            <a:spAutoFit/>
+          </a:bodyPr>
+          <a:lstStyle/>
+          <a:p>
+            <a:endParaRPr lang="ko-KR" altLang="en-US" dirty="0"/>
+          </a:p>
+        </p:txBody>
+      </p:sp>
+      <p:pic>
+        <p:nvPicPr>
+          <p:cNvPr id="8" name="그림 7"/>
+          <p:cNvPicPr>
+            <a:picLocks noChangeAspect="1"/>
+          </p:cNvPicPr>
+          <p:nvPr/>
+        </p:nvPicPr>
+        <p:blipFill>
+          <a:blip r:embed="rId6" cstate="screen">
+            <a:extLst>
+              <a:ext uri="{28A0092B-C50C-407E-A947-70E740481C1C}">
+                <a14:useLocalDpi xmlns:a14="http://schemas.microsoft.com/office/drawing/2010/main" val="0"/>
+              </a:ext>
+            </a:extLst>
+          </a:blip>
+          <a:stretch>
+            <a:fillRect/>
+          </a:stretch>
+        </p:blipFill>
+        <p:spPr>
+          <a:xfrm>
+            <a:off x="10107398" y="5933261"/>
+            <a:ext cx="557318" cy="557318"/>
+          </a:xfrm>
+          <a:prstGeom prst="rect">
+            <a:avLst/>
+          </a:prstGeom>
+        </p:spPr>
+      </p:pic>
+      <p:sp>
+        <p:nvSpPr>
           <p:cNvPr id="22" name="직사각형 21"/>
           <p:cNvSpPr/>
           <p:nvPr/>
@@ -18385,7 +18799,7 @@
 </p:sld>
 </file>
 
-<file path=ppt/slides/slide27.xml><?xml version="1.0" encoding="utf-8"?>
+<file path=ppt/slides/slide28.xml><?xml version="1.0" encoding="utf-8"?>
 <p:sld xmlns:a="http://schemas.openxmlformats.org/drawingml/2006/main" xmlns:r="http://schemas.openxmlformats.org/officeDocument/2006/relationships" xmlns:p="http://schemas.openxmlformats.org/presentationml/2006/main">
   <p:cSld>
     <p:spTree>
@@ -18697,7 +19111,7 @@
 </p:sld>
 </file>
 
-<file path=ppt/slides/slide28.xml><?xml version="1.0" encoding="utf-8"?>
+<file path=ppt/slides/slide29.xml><?xml version="1.0" encoding="utf-8"?>
 <p:sld xmlns:a="http://schemas.openxmlformats.org/drawingml/2006/main" xmlns:r="http://schemas.openxmlformats.org/officeDocument/2006/relationships" xmlns:p="http://schemas.openxmlformats.org/presentationml/2006/main">
   <p:cSld>
     <p:spTree>
@@ -18909,306 +19323,6 @@
     <p:extLst>
       <p:ext uri="{BB962C8B-B14F-4D97-AF65-F5344CB8AC3E}">
         <p14:creationId xmlns:p14="http://schemas.microsoft.com/office/powerpoint/2010/main" val="3452171623"/>
-      </p:ext>
-    </p:extLst>
-  </p:cSld>
-  <p:clrMapOvr>
-    <a:masterClrMapping/>
-  </p:clrMapOvr>
-  <mc:AlternateContent xmlns:mc="http://schemas.openxmlformats.org/markup-compatibility/2006">
-    <mc:Choice xmlns:p14="http://schemas.microsoft.com/office/powerpoint/2010/main" Requires="p14">
-      <p:transition spd="slow" p14:dur="800">
-        <p:fade/>
-      </p:transition>
-    </mc:Choice>
-    <mc:Fallback>
-      <p:transition spd="slow">
-        <p:fade/>
-      </p:transition>
-    </mc:Fallback>
-  </mc:AlternateContent>
-  <p:timing>
-    <p:tnLst>
-      <p:par>
-        <p:cTn id="1" dur="indefinite" restart="never" nodeType="tmRoot"/>
-      </p:par>
-    </p:tnLst>
-  </p:timing>
-</p:sld>
-</file>
-
-<file path=ppt/slides/slide29.xml><?xml version="1.0" encoding="utf-8"?>
-<p:sld xmlns:a="http://schemas.openxmlformats.org/drawingml/2006/main" xmlns:r="http://schemas.openxmlformats.org/officeDocument/2006/relationships" xmlns:p="http://schemas.openxmlformats.org/presentationml/2006/main">
-  <p:cSld>
-    <p:spTree>
-      <p:nvGrpSpPr>
-        <p:cNvPr id="1" name=""/>
-        <p:cNvGrpSpPr/>
-        <p:nvPr/>
-      </p:nvGrpSpPr>
-      <p:grpSpPr>
-        <a:xfrm>
-          <a:off x="0" y="0"/>
-          <a:ext cx="0" cy="0"/>
-          <a:chOff x="0" y="0"/>
-          <a:chExt cx="0" cy="0"/>
-        </a:xfrm>
-      </p:grpSpPr>
-      <p:sp>
-        <p:nvSpPr>
-          <p:cNvPr id="2" name="TextBox 1">
-            <a:extLst>
-              <a:ext uri="{FF2B5EF4-FFF2-40B4-BE49-F238E27FC236}">
-                <a16:creationId xmlns:a16="http://schemas.microsoft.com/office/drawing/2014/main" id="{580C4291-AA49-4611-97D5-21EC4368F85B}"/>
-              </a:ext>
-            </a:extLst>
-          </p:cNvPr>
-          <p:cNvSpPr txBox="1"/>
-          <p:nvPr/>
-        </p:nvSpPr>
-        <p:spPr>
-          <a:xfrm>
-            <a:off x="4701229" y="2676872"/>
-            <a:ext cx="2789546" cy="830997"/>
-          </a:xfrm>
-          <a:prstGeom prst="rect">
-            <a:avLst/>
-          </a:prstGeom>
-          <a:noFill/>
-        </p:spPr>
-        <p:txBody>
-          <a:bodyPr wrap="none" rtlCol="0">
-            <a:spAutoFit/>
-          </a:bodyPr>
-          <a:lstStyle/>
-          <a:p>
-            <a:pPr algn="ctr"/>
-            <a:r>
-              <a:rPr lang="ko-KR" altLang="en-US" sz="4800" spc="-300" dirty="0" smtClean="0">
-                <a:solidFill>
-                  <a:schemeClr val="bg1"/>
-                </a:solidFill>
-              </a:rPr>
-              <a:t>감사합니다</a:t>
-            </a:r>
-            <a:endParaRPr lang="ko-KR" altLang="en-US" sz="4800" spc="-300" dirty="0">
-              <a:solidFill>
-                <a:schemeClr val="bg1"/>
-              </a:solidFill>
-            </a:endParaRPr>
-          </a:p>
-        </p:txBody>
-      </p:sp>
-      <p:cxnSp>
-        <p:nvCxnSpPr>
-          <p:cNvPr id="17" name="직선 연결선 16">
-            <a:extLst>
-              <a:ext uri="{FF2B5EF4-FFF2-40B4-BE49-F238E27FC236}">
-                <a16:creationId xmlns:a16="http://schemas.microsoft.com/office/drawing/2014/main" id="{1F12AE3B-B2F6-41CB-8089-A3BC3350D683}"/>
-              </a:ext>
-            </a:extLst>
-          </p:cNvPr>
-          <p:cNvCxnSpPr>
-            <a:cxnSpLocks/>
-          </p:cNvCxnSpPr>
-          <p:nvPr/>
-        </p:nvCxnSpPr>
-        <p:spPr>
-          <a:xfrm>
-            <a:off x="3862055" y="2172890"/>
-            <a:ext cx="4467890" cy="0"/>
-          </a:xfrm>
-          <a:prstGeom prst="line">
-            <a:avLst/>
-          </a:prstGeom>
-          <a:ln>
-            <a:solidFill>
-              <a:schemeClr val="bg1"/>
-            </a:solidFill>
-          </a:ln>
-        </p:spPr>
-        <p:style>
-          <a:lnRef idx="1">
-            <a:schemeClr val="accent1"/>
-          </a:lnRef>
-          <a:fillRef idx="0">
-            <a:schemeClr val="accent1"/>
-          </a:fillRef>
-          <a:effectRef idx="0">
-            <a:schemeClr val="accent1"/>
-          </a:effectRef>
-          <a:fontRef idx="minor">
-            <a:schemeClr val="tx1"/>
-          </a:fontRef>
-        </p:style>
-      </p:cxnSp>
-      <p:cxnSp>
-        <p:nvCxnSpPr>
-          <p:cNvPr id="18" name="직선 연결선 17">
-            <a:extLst>
-              <a:ext uri="{FF2B5EF4-FFF2-40B4-BE49-F238E27FC236}">
-                <a16:creationId xmlns:a16="http://schemas.microsoft.com/office/drawing/2014/main" id="{0BDE27BE-D47F-4C86-A8A7-881E337B1B9F}"/>
-              </a:ext>
-            </a:extLst>
-          </p:cNvPr>
-          <p:cNvCxnSpPr>
-            <a:cxnSpLocks/>
-          </p:cNvCxnSpPr>
-          <p:nvPr/>
-        </p:nvCxnSpPr>
-        <p:spPr>
-          <a:xfrm>
-            <a:off x="3862055" y="4011850"/>
-            <a:ext cx="4467890" cy="0"/>
-          </a:xfrm>
-          <a:prstGeom prst="line">
-            <a:avLst/>
-          </a:prstGeom>
-          <a:ln>
-            <a:solidFill>
-              <a:schemeClr val="bg1"/>
-            </a:solidFill>
-          </a:ln>
-        </p:spPr>
-        <p:style>
-          <a:lnRef idx="1">
-            <a:schemeClr val="accent1"/>
-          </a:lnRef>
-          <a:fillRef idx="0">
-            <a:schemeClr val="accent1"/>
-          </a:fillRef>
-          <a:effectRef idx="0">
-            <a:schemeClr val="accent1"/>
-          </a:effectRef>
-          <a:fontRef idx="minor">
-            <a:schemeClr val="tx1"/>
-          </a:fontRef>
-        </p:style>
-      </p:cxnSp>
-      <p:sp>
-        <p:nvSpPr>
-          <p:cNvPr id="20" name="TextBox 19">
-            <a:extLst>
-              <a:ext uri="{FF2B5EF4-FFF2-40B4-BE49-F238E27FC236}">
-                <a16:creationId xmlns:a16="http://schemas.microsoft.com/office/drawing/2014/main" id="{9A579EC9-5759-4D72-9456-D207CF1DDEEF}"/>
-              </a:ext>
-            </a:extLst>
-          </p:cNvPr>
-          <p:cNvSpPr txBox="1"/>
-          <p:nvPr/>
-        </p:nvSpPr>
-        <p:spPr>
-          <a:xfrm>
-            <a:off x="3907749" y="4346555"/>
-            <a:ext cx="4376519" cy="338554"/>
-          </a:xfrm>
-          <a:prstGeom prst="rect">
-            <a:avLst/>
-          </a:prstGeom>
-          <a:noFill/>
-        </p:spPr>
-        <p:txBody>
-          <a:bodyPr wrap="none" rtlCol="0">
-            <a:spAutoFit/>
-          </a:bodyPr>
-          <a:lstStyle/>
-          <a:p>
-            <a:pPr algn="ctr"/>
-            <a:r>
-              <a:rPr lang="en-US" altLang="ko-KR" sz="1600" dirty="0" smtClean="0">
-                <a:solidFill>
-                  <a:schemeClr val="bg1"/>
-                </a:solidFill>
-              </a:rPr>
-              <a:t>Python</a:t>
-            </a:r>
-            <a:r>
-              <a:rPr lang="ko-KR" altLang="en-US" sz="1600" dirty="0" smtClean="0">
-                <a:solidFill>
-                  <a:schemeClr val="bg1"/>
-                </a:solidFill>
-              </a:rPr>
-              <a:t>활용 디지털컨버전스 </a:t>
-            </a:r>
-            <a:r>
-              <a:rPr lang="en-US" altLang="ko-KR" sz="1600" dirty="0" smtClean="0">
-                <a:solidFill>
-                  <a:schemeClr val="bg1"/>
-                </a:solidFill>
-              </a:rPr>
-              <a:t>SW</a:t>
-            </a:r>
-            <a:r>
-              <a:rPr lang="ko-KR" altLang="en-US" sz="1600" dirty="0" smtClean="0">
-                <a:solidFill>
-                  <a:schemeClr val="bg1"/>
-                </a:solidFill>
-              </a:rPr>
-              <a:t>개발자 양성과정</a:t>
-            </a:r>
-            <a:r>
-              <a:rPr lang="en-US" altLang="ko-KR" sz="1600" dirty="0" smtClean="0">
-                <a:solidFill>
-                  <a:schemeClr val="bg1"/>
-                </a:solidFill>
-              </a:rPr>
-              <a:t>A</a:t>
-            </a:r>
-            <a:endParaRPr lang="ko-KR" altLang="en-US" sz="1600" dirty="0">
-              <a:solidFill>
-                <a:schemeClr val="bg1"/>
-              </a:solidFill>
-            </a:endParaRPr>
-          </a:p>
-        </p:txBody>
-      </p:sp>
-      <p:sp>
-        <p:nvSpPr>
-          <p:cNvPr id="3" name="직사각형 2"/>
-          <p:cNvSpPr/>
-          <p:nvPr/>
-        </p:nvSpPr>
-        <p:spPr>
-          <a:xfrm>
-            <a:off x="10108276" y="6492240"/>
-            <a:ext cx="2083724" cy="365760"/>
-          </a:xfrm>
-          <a:prstGeom prst="rect">
-            <a:avLst/>
-          </a:prstGeom>
-          <a:ln>
-            <a:noFill/>
-          </a:ln>
-        </p:spPr>
-        <p:style>
-          <a:lnRef idx="2">
-            <a:schemeClr val="accent1">
-              <a:shade val="50000"/>
-            </a:schemeClr>
-          </a:lnRef>
-          <a:fillRef idx="1">
-            <a:schemeClr val="accent1"/>
-          </a:fillRef>
-          <a:effectRef idx="0">
-            <a:schemeClr val="accent1"/>
-          </a:effectRef>
-          <a:fontRef idx="minor">
-            <a:schemeClr val="lt1"/>
-          </a:fontRef>
-        </p:style>
-        <p:txBody>
-          <a:bodyPr rtlCol="0" anchor="ctr"/>
-          <a:lstStyle/>
-          <a:p>
-            <a:pPr algn="ctr"/>
-            <a:endParaRPr lang="ko-KR" altLang="en-US"/>
-          </a:p>
-        </p:txBody>
-      </p:sp>
-    </p:spTree>
-    <p:extLst>
-      <p:ext uri="{BB962C8B-B14F-4D97-AF65-F5344CB8AC3E}">
-        <p14:creationId xmlns:p14="http://schemas.microsoft.com/office/powerpoint/2010/main" val="1307085189"/>
       </p:ext>
     </p:extLst>
   </p:cSld>
@@ -19513,6 +19627,306 @@
     <p:extLst>
       <p:ext uri="{BB962C8B-B14F-4D97-AF65-F5344CB8AC3E}">
         <p14:creationId xmlns:p14="http://schemas.microsoft.com/office/powerpoint/2010/main" val="1437291536"/>
+      </p:ext>
+    </p:extLst>
+  </p:cSld>
+  <p:clrMapOvr>
+    <a:masterClrMapping/>
+  </p:clrMapOvr>
+  <mc:AlternateContent xmlns:mc="http://schemas.openxmlformats.org/markup-compatibility/2006">
+    <mc:Choice xmlns:p14="http://schemas.microsoft.com/office/powerpoint/2010/main" Requires="p14">
+      <p:transition spd="slow" p14:dur="800">
+        <p:fade/>
+      </p:transition>
+    </mc:Choice>
+    <mc:Fallback>
+      <p:transition spd="slow">
+        <p:fade/>
+      </p:transition>
+    </mc:Fallback>
+  </mc:AlternateContent>
+  <p:timing>
+    <p:tnLst>
+      <p:par>
+        <p:cTn id="1" dur="indefinite" restart="never" nodeType="tmRoot"/>
+      </p:par>
+    </p:tnLst>
+  </p:timing>
+</p:sld>
+</file>
+
+<file path=ppt/slides/slide30.xml><?xml version="1.0" encoding="utf-8"?>
+<p:sld xmlns:a="http://schemas.openxmlformats.org/drawingml/2006/main" xmlns:r="http://schemas.openxmlformats.org/officeDocument/2006/relationships" xmlns:p="http://schemas.openxmlformats.org/presentationml/2006/main">
+  <p:cSld>
+    <p:spTree>
+      <p:nvGrpSpPr>
+        <p:cNvPr id="1" name=""/>
+        <p:cNvGrpSpPr/>
+        <p:nvPr/>
+      </p:nvGrpSpPr>
+      <p:grpSpPr>
+        <a:xfrm>
+          <a:off x="0" y="0"/>
+          <a:ext cx="0" cy="0"/>
+          <a:chOff x="0" y="0"/>
+          <a:chExt cx="0" cy="0"/>
+        </a:xfrm>
+      </p:grpSpPr>
+      <p:sp>
+        <p:nvSpPr>
+          <p:cNvPr id="2" name="TextBox 1">
+            <a:extLst>
+              <a:ext uri="{FF2B5EF4-FFF2-40B4-BE49-F238E27FC236}">
+                <a16:creationId xmlns:a16="http://schemas.microsoft.com/office/drawing/2014/main" id="{580C4291-AA49-4611-97D5-21EC4368F85B}"/>
+              </a:ext>
+            </a:extLst>
+          </p:cNvPr>
+          <p:cNvSpPr txBox="1"/>
+          <p:nvPr/>
+        </p:nvSpPr>
+        <p:spPr>
+          <a:xfrm>
+            <a:off x="4701229" y="2676872"/>
+            <a:ext cx="2789546" cy="830997"/>
+          </a:xfrm>
+          <a:prstGeom prst="rect">
+            <a:avLst/>
+          </a:prstGeom>
+          <a:noFill/>
+        </p:spPr>
+        <p:txBody>
+          <a:bodyPr wrap="none" rtlCol="0">
+            <a:spAutoFit/>
+          </a:bodyPr>
+          <a:lstStyle/>
+          <a:p>
+            <a:pPr algn="ctr"/>
+            <a:r>
+              <a:rPr lang="ko-KR" altLang="en-US" sz="4800" spc="-300" dirty="0" smtClean="0">
+                <a:solidFill>
+                  <a:schemeClr val="bg1"/>
+                </a:solidFill>
+              </a:rPr>
+              <a:t>감사합니다</a:t>
+            </a:r>
+            <a:endParaRPr lang="ko-KR" altLang="en-US" sz="4800" spc="-300" dirty="0">
+              <a:solidFill>
+                <a:schemeClr val="bg1"/>
+              </a:solidFill>
+            </a:endParaRPr>
+          </a:p>
+        </p:txBody>
+      </p:sp>
+      <p:cxnSp>
+        <p:nvCxnSpPr>
+          <p:cNvPr id="17" name="직선 연결선 16">
+            <a:extLst>
+              <a:ext uri="{FF2B5EF4-FFF2-40B4-BE49-F238E27FC236}">
+                <a16:creationId xmlns:a16="http://schemas.microsoft.com/office/drawing/2014/main" id="{1F12AE3B-B2F6-41CB-8089-A3BC3350D683}"/>
+              </a:ext>
+            </a:extLst>
+          </p:cNvPr>
+          <p:cNvCxnSpPr>
+            <a:cxnSpLocks/>
+          </p:cNvCxnSpPr>
+          <p:nvPr/>
+        </p:nvCxnSpPr>
+        <p:spPr>
+          <a:xfrm>
+            <a:off x="3862055" y="2172890"/>
+            <a:ext cx="4467890" cy="0"/>
+          </a:xfrm>
+          <a:prstGeom prst="line">
+            <a:avLst/>
+          </a:prstGeom>
+          <a:ln>
+            <a:solidFill>
+              <a:schemeClr val="bg1"/>
+            </a:solidFill>
+          </a:ln>
+        </p:spPr>
+        <p:style>
+          <a:lnRef idx="1">
+            <a:schemeClr val="accent1"/>
+          </a:lnRef>
+          <a:fillRef idx="0">
+            <a:schemeClr val="accent1"/>
+          </a:fillRef>
+          <a:effectRef idx="0">
+            <a:schemeClr val="accent1"/>
+          </a:effectRef>
+          <a:fontRef idx="minor">
+            <a:schemeClr val="tx1"/>
+          </a:fontRef>
+        </p:style>
+      </p:cxnSp>
+      <p:cxnSp>
+        <p:nvCxnSpPr>
+          <p:cNvPr id="18" name="직선 연결선 17">
+            <a:extLst>
+              <a:ext uri="{FF2B5EF4-FFF2-40B4-BE49-F238E27FC236}">
+                <a16:creationId xmlns:a16="http://schemas.microsoft.com/office/drawing/2014/main" id="{0BDE27BE-D47F-4C86-A8A7-881E337B1B9F}"/>
+              </a:ext>
+            </a:extLst>
+          </p:cNvPr>
+          <p:cNvCxnSpPr>
+            <a:cxnSpLocks/>
+          </p:cNvCxnSpPr>
+          <p:nvPr/>
+        </p:nvCxnSpPr>
+        <p:spPr>
+          <a:xfrm>
+            <a:off x="3862055" y="4011850"/>
+            <a:ext cx="4467890" cy="0"/>
+          </a:xfrm>
+          <a:prstGeom prst="line">
+            <a:avLst/>
+          </a:prstGeom>
+          <a:ln>
+            <a:solidFill>
+              <a:schemeClr val="bg1"/>
+            </a:solidFill>
+          </a:ln>
+        </p:spPr>
+        <p:style>
+          <a:lnRef idx="1">
+            <a:schemeClr val="accent1"/>
+          </a:lnRef>
+          <a:fillRef idx="0">
+            <a:schemeClr val="accent1"/>
+          </a:fillRef>
+          <a:effectRef idx="0">
+            <a:schemeClr val="accent1"/>
+          </a:effectRef>
+          <a:fontRef idx="minor">
+            <a:schemeClr val="tx1"/>
+          </a:fontRef>
+        </p:style>
+      </p:cxnSp>
+      <p:sp>
+        <p:nvSpPr>
+          <p:cNvPr id="20" name="TextBox 19">
+            <a:extLst>
+              <a:ext uri="{FF2B5EF4-FFF2-40B4-BE49-F238E27FC236}">
+                <a16:creationId xmlns:a16="http://schemas.microsoft.com/office/drawing/2014/main" id="{9A579EC9-5759-4D72-9456-D207CF1DDEEF}"/>
+              </a:ext>
+            </a:extLst>
+          </p:cNvPr>
+          <p:cNvSpPr txBox="1"/>
+          <p:nvPr/>
+        </p:nvSpPr>
+        <p:spPr>
+          <a:xfrm>
+            <a:off x="3907749" y="4346555"/>
+            <a:ext cx="4376519" cy="338554"/>
+          </a:xfrm>
+          <a:prstGeom prst="rect">
+            <a:avLst/>
+          </a:prstGeom>
+          <a:noFill/>
+        </p:spPr>
+        <p:txBody>
+          <a:bodyPr wrap="none" rtlCol="0">
+            <a:spAutoFit/>
+          </a:bodyPr>
+          <a:lstStyle/>
+          <a:p>
+            <a:pPr algn="ctr"/>
+            <a:r>
+              <a:rPr lang="en-US" altLang="ko-KR" sz="1600" dirty="0" smtClean="0">
+                <a:solidFill>
+                  <a:schemeClr val="bg1"/>
+                </a:solidFill>
+              </a:rPr>
+              <a:t>Python</a:t>
+            </a:r>
+            <a:r>
+              <a:rPr lang="ko-KR" altLang="en-US" sz="1600" dirty="0" smtClean="0">
+                <a:solidFill>
+                  <a:schemeClr val="bg1"/>
+                </a:solidFill>
+              </a:rPr>
+              <a:t>활용 디지털컨버전스 </a:t>
+            </a:r>
+            <a:r>
+              <a:rPr lang="en-US" altLang="ko-KR" sz="1600" dirty="0" smtClean="0">
+                <a:solidFill>
+                  <a:schemeClr val="bg1"/>
+                </a:solidFill>
+              </a:rPr>
+              <a:t>SW</a:t>
+            </a:r>
+            <a:r>
+              <a:rPr lang="ko-KR" altLang="en-US" sz="1600" dirty="0" smtClean="0">
+                <a:solidFill>
+                  <a:schemeClr val="bg1"/>
+                </a:solidFill>
+              </a:rPr>
+              <a:t>개발자 양성과정</a:t>
+            </a:r>
+            <a:r>
+              <a:rPr lang="en-US" altLang="ko-KR" sz="1600" dirty="0" smtClean="0">
+                <a:solidFill>
+                  <a:schemeClr val="bg1"/>
+                </a:solidFill>
+              </a:rPr>
+              <a:t>A</a:t>
+            </a:r>
+            <a:endParaRPr lang="ko-KR" altLang="en-US" sz="1600" dirty="0">
+              <a:solidFill>
+                <a:schemeClr val="bg1"/>
+              </a:solidFill>
+            </a:endParaRPr>
+          </a:p>
+        </p:txBody>
+      </p:sp>
+      <p:sp>
+        <p:nvSpPr>
+          <p:cNvPr id="3" name="직사각형 2"/>
+          <p:cNvSpPr/>
+          <p:nvPr/>
+        </p:nvSpPr>
+        <p:spPr>
+          <a:xfrm>
+            <a:off x="10108276" y="6492240"/>
+            <a:ext cx="2083724" cy="365760"/>
+          </a:xfrm>
+          <a:prstGeom prst="rect">
+            <a:avLst/>
+          </a:prstGeom>
+          <a:ln>
+            <a:noFill/>
+          </a:ln>
+        </p:spPr>
+        <p:style>
+          <a:lnRef idx="2">
+            <a:schemeClr val="accent1">
+              <a:shade val="50000"/>
+            </a:schemeClr>
+          </a:lnRef>
+          <a:fillRef idx="1">
+            <a:schemeClr val="accent1"/>
+          </a:fillRef>
+          <a:effectRef idx="0">
+            <a:schemeClr val="accent1"/>
+          </a:effectRef>
+          <a:fontRef idx="minor">
+            <a:schemeClr val="lt1"/>
+          </a:fontRef>
+        </p:style>
+        <p:txBody>
+          <a:bodyPr rtlCol="0" anchor="ctr"/>
+          <a:lstStyle/>
+          <a:p>
+            <a:pPr algn="ctr"/>
+            <a:endParaRPr lang="ko-KR" altLang="en-US"/>
+          </a:p>
+        </p:txBody>
+      </p:sp>
+    </p:spTree>
+    <p:extLst>
+      <p:ext uri="{BB962C8B-B14F-4D97-AF65-F5344CB8AC3E}">
+        <p14:creationId xmlns:p14="http://schemas.microsoft.com/office/powerpoint/2010/main" val="1307085189"/>
       </p:ext>
     </p:extLst>
   </p:cSld>
@@ -20538,6 +20952,448 @@
           <a:chExt cx="0" cy="0"/>
         </a:xfrm>
       </p:grpSpPr>
+      <p:sp>
+        <p:nvSpPr>
+          <p:cNvPr id="2" name="직사각형 1">
+            <a:extLst>
+              <a:ext uri="{FF2B5EF4-FFF2-40B4-BE49-F238E27FC236}">
+                <a16:creationId xmlns:a16="http://schemas.microsoft.com/office/drawing/2014/main" id="{0546E572-061A-4F66-860A-EA1641AD3DE2}"/>
+              </a:ext>
+            </a:extLst>
+          </p:cNvPr>
+          <p:cNvSpPr/>
+          <p:nvPr/>
+        </p:nvSpPr>
+        <p:spPr>
+          <a:xfrm>
+            <a:off x="0" y="0"/>
+            <a:ext cx="12192000" cy="1076960"/>
+          </a:xfrm>
+          <a:prstGeom prst="rect">
+            <a:avLst/>
+          </a:prstGeom>
+        </p:spPr>
+        <p:style>
+          <a:lnRef idx="2">
+            <a:schemeClr val="accent1">
+              <a:shade val="50000"/>
+            </a:schemeClr>
+          </a:lnRef>
+          <a:fillRef idx="1">
+            <a:schemeClr val="accent1"/>
+          </a:fillRef>
+          <a:effectRef idx="0">
+            <a:schemeClr val="accent1"/>
+          </a:effectRef>
+          <a:fontRef idx="minor">
+            <a:schemeClr val="lt1"/>
+          </a:fontRef>
+        </p:style>
+        <p:txBody>
+          <a:bodyPr rtlCol="0" anchor="ctr"/>
+          <a:lstStyle/>
+          <a:p>
+            <a:pPr algn="ctr"/>
+            <a:endParaRPr lang="ko-KR" altLang="en-US"/>
+          </a:p>
+        </p:txBody>
+      </p:sp>
+      <p:sp>
+        <p:nvSpPr>
+          <p:cNvPr id="3" name="TextBox 2">
+            <a:extLst>
+              <a:ext uri="{FF2B5EF4-FFF2-40B4-BE49-F238E27FC236}">
+                <a16:creationId xmlns:a16="http://schemas.microsoft.com/office/drawing/2014/main" id="{8951765C-E4E1-440B-B3F6-AD127EB533CF}"/>
+              </a:ext>
+            </a:extLst>
+          </p:cNvPr>
+          <p:cNvSpPr txBox="1"/>
+          <p:nvPr/>
+        </p:nvSpPr>
+        <p:spPr>
+          <a:xfrm>
+            <a:off x="875104" y="101916"/>
+            <a:ext cx="1710725" cy="646331"/>
+          </a:xfrm>
+          <a:prstGeom prst="rect">
+            <a:avLst/>
+          </a:prstGeom>
+          <a:noFill/>
+        </p:spPr>
+        <p:txBody>
+          <a:bodyPr wrap="none" rtlCol="0">
+            <a:spAutoFit/>
+          </a:bodyPr>
+          <a:lstStyle/>
+          <a:p>
+            <a:r>
+              <a:rPr lang="ko-KR" altLang="en-US" sz="3600" spc="-300" dirty="0" err="1" smtClean="0">
+                <a:solidFill>
+                  <a:schemeClr val="bg1"/>
+                </a:solidFill>
+              </a:rPr>
+              <a:t>개발동기</a:t>
+            </a:r>
+            <a:endParaRPr lang="ko-KR" altLang="en-US" sz="3600" spc="-300" dirty="0">
+              <a:solidFill>
+                <a:schemeClr val="bg1"/>
+              </a:solidFill>
+            </a:endParaRPr>
+          </a:p>
+        </p:txBody>
+      </p:sp>
+      <p:sp>
+        <p:nvSpPr>
+          <p:cNvPr id="4" name="TextBox 3">
+            <a:extLst>
+              <a:ext uri="{FF2B5EF4-FFF2-40B4-BE49-F238E27FC236}">
+                <a16:creationId xmlns:a16="http://schemas.microsoft.com/office/drawing/2014/main" id="{8E877FB6-6DE1-44E4-8EF8-7160153CD120}"/>
+              </a:ext>
+            </a:extLst>
+          </p:cNvPr>
+          <p:cNvSpPr txBox="1"/>
+          <p:nvPr/>
+        </p:nvSpPr>
+        <p:spPr>
+          <a:xfrm>
+            <a:off x="132080" y="117305"/>
+            <a:ext cx="743024" cy="307777"/>
+          </a:xfrm>
+          <a:prstGeom prst="rect">
+            <a:avLst/>
+          </a:prstGeom>
+          <a:noFill/>
+        </p:spPr>
+        <p:txBody>
+          <a:bodyPr wrap="none" rtlCol="0">
+            <a:spAutoFit/>
+          </a:bodyPr>
+          <a:lstStyle/>
+          <a:p>
+            <a:r>
+              <a:rPr lang="en-US" altLang="ko-KR" sz="1400" dirty="0">
+                <a:solidFill>
+                  <a:schemeClr val="bg1"/>
+                </a:solidFill>
+              </a:rPr>
+              <a:t>Part 1, </a:t>
+            </a:r>
+            <a:endParaRPr lang="ko-KR" altLang="en-US" sz="1400" dirty="0">
+              <a:solidFill>
+                <a:schemeClr val="bg1"/>
+              </a:solidFill>
+            </a:endParaRPr>
+          </a:p>
+        </p:txBody>
+      </p:sp>
+      <p:grpSp>
+        <p:nvGrpSpPr>
+          <p:cNvPr id="24" name="그룹 23">
+            <a:extLst>
+              <a:ext uri="{FF2B5EF4-FFF2-40B4-BE49-F238E27FC236}">
+                <a16:creationId xmlns:a16="http://schemas.microsoft.com/office/drawing/2014/main" id="{75EA9CF4-4B02-4D79-9686-A8B683FEB8DB}"/>
+              </a:ext>
+            </a:extLst>
+          </p:cNvPr>
+          <p:cNvGrpSpPr/>
+          <p:nvPr/>
+        </p:nvGrpSpPr>
+        <p:grpSpPr>
+          <a:xfrm>
+            <a:off x="5078740" y="5189424"/>
+            <a:ext cx="2990895" cy="814296"/>
+            <a:chOff x="1058249" y="5390664"/>
+            <a:chExt cx="2990895" cy="814296"/>
+          </a:xfrm>
+        </p:grpSpPr>
+        <p:sp>
+          <p:nvSpPr>
+            <p:cNvPr id="25" name="TextBox 24">
+              <a:extLst>
+                <a:ext uri="{FF2B5EF4-FFF2-40B4-BE49-F238E27FC236}">
+                  <a16:creationId xmlns:a16="http://schemas.microsoft.com/office/drawing/2014/main" id="{23EEFA88-3BDB-4986-A4E8-1D056235E726}"/>
+                </a:ext>
+              </a:extLst>
+            </p:cNvPr>
+            <p:cNvSpPr txBox="1"/>
+            <p:nvPr/>
+          </p:nvSpPr>
+          <p:spPr>
+            <a:xfrm>
+              <a:off x="1161492" y="5897183"/>
+              <a:ext cx="2887652" cy="307777"/>
+            </a:xfrm>
+            <a:prstGeom prst="rect">
+              <a:avLst/>
+            </a:prstGeom>
+            <a:noFill/>
+          </p:spPr>
+          <p:txBody>
+            <a:bodyPr wrap="square" rtlCol="0">
+              <a:spAutoFit/>
+            </a:bodyPr>
+            <a:lstStyle/>
+            <a:p>
+              <a:pPr algn="just"/>
+              <a:r>
+                <a:rPr lang="ko-KR" altLang="en-US" sz="1400" spc="-150" dirty="0" smtClean="0">
+                  <a:solidFill>
+                    <a:srgbClr val="393939"/>
+                  </a:solidFill>
+                </a:rPr>
+                <a:t>브랜드와 </a:t>
+              </a:r>
+              <a:r>
+                <a:rPr lang="en-US" altLang="ko-KR" sz="1400" spc="-150" dirty="0" smtClean="0">
+                  <a:solidFill>
+                    <a:srgbClr val="393939"/>
+                  </a:solidFill>
+                </a:rPr>
+                <a:t>PG</a:t>
+              </a:r>
+              <a:r>
+                <a:rPr lang="ko-KR" altLang="en-US" sz="1400" spc="-150" dirty="0" smtClean="0">
+                  <a:solidFill>
+                    <a:srgbClr val="393939"/>
+                  </a:solidFill>
+                </a:rPr>
+                <a:t>서비스의 결합</a:t>
+              </a:r>
+              <a:endParaRPr lang="ko-KR" altLang="en-US" sz="1400" spc="-150" dirty="0">
+                <a:solidFill>
+                  <a:srgbClr val="393939"/>
+                </a:solidFill>
+              </a:endParaRPr>
+            </a:p>
+          </p:txBody>
+        </p:sp>
+        <p:sp>
+          <p:nvSpPr>
+            <p:cNvPr id="26" name="TextBox 25">
+              <a:extLst>
+                <a:ext uri="{FF2B5EF4-FFF2-40B4-BE49-F238E27FC236}">
+                  <a16:creationId xmlns:a16="http://schemas.microsoft.com/office/drawing/2014/main" id="{0D94904B-FC61-4D90-BA0A-83761D16208E}"/>
+                </a:ext>
+              </a:extLst>
+            </p:cNvPr>
+            <p:cNvSpPr txBox="1"/>
+            <p:nvPr/>
+          </p:nvSpPr>
+          <p:spPr>
+            <a:xfrm>
+              <a:off x="1058249" y="5390664"/>
+              <a:ext cx="2034532" cy="400110"/>
+            </a:xfrm>
+            <a:prstGeom prst="rect">
+              <a:avLst/>
+            </a:prstGeom>
+            <a:noFill/>
+          </p:spPr>
+          <p:txBody>
+            <a:bodyPr wrap="none" rtlCol="0">
+              <a:spAutoFit/>
+            </a:bodyPr>
+            <a:lstStyle/>
+            <a:p>
+              <a:pPr algn="ctr"/>
+              <a:r>
+                <a:rPr lang="ko-KR" altLang="en-US" sz="2000" spc="-150" dirty="0" smtClean="0">
+                  <a:solidFill>
+                    <a:srgbClr val="393939"/>
+                  </a:solidFill>
+                  <a:latin typeface="+mj-ea"/>
+                  <a:ea typeface="+mj-ea"/>
+                </a:rPr>
+                <a:t>브랜드와 </a:t>
+              </a:r>
+              <a:r>
+                <a:rPr lang="en-US" altLang="ko-KR" sz="2000" spc="-150" dirty="0" smtClean="0">
+                  <a:solidFill>
+                    <a:srgbClr val="393939"/>
+                  </a:solidFill>
+                  <a:latin typeface="+mj-ea"/>
+                  <a:ea typeface="+mj-ea"/>
+                </a:rPr>
+                <a:t>PG</a:t>
+              </a:r>
+              <a:r>
+                <a:rPr lang="ko-KR" altLang="en-US" sz="2000" spc="-150" dirty="0" smtClean="0">
+                  <a:solidFill>
+                    <a:srgbClr val="393939"/>
+                  </a:solidFill>
+                  <a:latin typeface="+mj-ea"/>
+                  <a:ea typeface="+mj-ea"/>
+                </a:rPr>
+                <a:t>서비스</a:t>
+              </a:r>
+              <a:endParaRPr lang="ko-KR" altLang="en-US" sz="2000" spc="-150" dirty="0">
+                <a:solidFill>
+                  <a:srgbClr val="393939"/>
+                </a:solidFill>
+                <a:latin typeface="+mj-ea"/>
+                <a:ea typeface="+mj-ea"/>
+              </a:endParaRPr>
+            </a:p>
+          </p:txBody>
+        </p:sp>
+      </p:grpSp>
+      <p:pic>
+        <p:nvPicPr>
+          <p:cNvPr id="32" name="그림 31"/>
+          <p:cNvPicPr>
+            <a:picLocks noChangeAspect="1"/>
+          </p:cNvPicPr>
+          <p:nvPr/>
+        </p:nvPicPr>
+        <p:blipFill>
+          <a:blip r:embed="rId2" cstate="screen">
+            <a:extLst>
+              <a:ext uri="{28A0092B-C50C-407E-A947-70E740481C1C}">
+                <a14:useLocalDpi xmlns:a14="http://schemas.microsoft.com/office/drawing/2010/main" val="0"/>
+              </a:ext>
+            </a:extLst>
+          </a:blip>
+          <a:stretch>
+            <a:fillRect/>
+          </a:stretch>
+        </p:blipFill>
+        <p:spPr>
+          <a:xfrm>
+            <a:off x="5181983" y="3041882"/>
+            <a:ext cx="809368" cy="809368"/>
+          </a:xfrm>
+          <a:prstGeom prst="rect">
+            <a:avLst/>
+          </a:prstGeom>
+        </p:spPr>
+      </p:pic>
+      <p:pic>
+        <p:nvPicPr>
+          <p:cNvPr id="34" name="그림 33"/>
+          <p:cNvPicPr>
+            <a:picLocks noChangeAspect="1"/>
+          </p:cNvPicPr>
+          <p:nvPr/>
+        </p:nvPicPr>
+        <p:blipFill>
+          <a:blip r:embed="rId3" cstate="screen">
+            <a:extLst>
+              <a:ext uri="{28A0092B-C50C-407E-A947-70E740481C1C}">
+                <a14:useLocalDpi xmlns:a14="http://schemas.microsoft.com/office/drawing/2010/main" val="0"/>
+              </a:ext>
+            </a:extLst>
+          </a:blip>
+          <a:stretch>
+            <a:fillRect/>
+          </a:stretch>
+        </p:blipFill>
+        <p:spPr>
+          <a:xfrm>
+            <a:off x="6334882" y="3024316"/>
+            <a:ext cx="809368" cy="809368"/>
+          </a:xfrm>
+          <a:prstGeom prst="rect">
+            <a:avLst/>
+          </a:prstGeom>
+        </p:spPr>
+      </p:pic>
+      <p:sp>
+        <p:nvSpPr>
+          <p:cNvPr id="12" name="직사각형 11"/>
+          <p:cNvSpPr/>
+          <p:nvPr/>
+        </p:nvSpPr>
+        <p:spPr>
+          <a:xfrm>
+            <a:off x="10241280" y="6489402"/>
+            <a:ext cx="1950720" cy="302096"/>
+          </a:xfrm>
+          <a:prstGeom prst="rect">
+            <a:avLst/>
+          </a:prstGeom>
+          <a:solidFill>
+            <a:schemeClr val="bg1"/>
+          </a:solidFill>
+          <a:ln>
+            <a:solidFill>
+              <a:schemeClr val="bg1"/>
+            </a:solidFill>
+          </a:ln>
+        </p:spPr>
+        <p:style>
+          <a:lnRef idx="2">
+            <a:schemeClr val="accent1">
+              <a:shade val="50000"/>
+            </a:schemeClr>
+          </a:lnRef>
+          <a:fillRef idx="1">
+            <a:schemeClr val="accent1"/>
+          </a:fillRef>
+          <a:effectRef idx="0">
+            <a:schemeClr val="accent1"/>
+          </a:effectRef>
+          <a:fontRef idx="minor">
+            <a:schemeClr val="lt1"/>
+          </a:fontRef>
+        </p:style>
+        <p:txBody>
+          <a:bodyPr rtlCol="0" anchor="ctr"/>
+          <a:lstStyle/>
+          <a:p>
+            <a:pPr algn="ctr"/>
+            <a:endParaRPr lang="ko-KR" altLang="en-US"/>
+          </a:p>
+        </p:txBody>
+      </p:sp>
+    </p:spTree>
+    <p:extLst>
+      <p:ext uri="{BB962C8B-B14F-4D97-AF65-F5344CB8AC3E}">
+        <p14:creationId xmlns:p14="http://schemas.microsoft.com/office/powerpoint/2010/main" val="1829008418"/>
+      </p:ext>
+    </p:extLst>
+  </p:cSld>
+  <p:clrMapOvr>
+    <a:masterClrMapping/>
+  </p:clrMapOvr>
+  <mc:AlternateContent xmlns:mc="http://schemas.openxmlformats.org/markup-compatibility/2006">
+    <mc:Choice xmlns:p14="http://schemas.microsoft.com/office/powerpoint/2010/main" Requires="p14">
+      <p:transition spd="slow" p14:dur="800">
+        <p:fade/>
+      </p:transition>
+    </mc:Choice>
+    <mc:Fallback>
+      <p:transition spd="slow">
+        <p:fade/>
+      </p:transition>
+    </mc:Fallback>
+  </mc:AlternateContent>
+  <p:timing>
+    <p:tnLst>
+      <p:par>
+        <p:cTn id="1" dur="indefinite" restart="never" nodeType="tmRoot"/>
+      </p:par>
+    </p:tnLst>
+  </p:timing>
+</p:sld>
+</file>
+
+<file path=ppt/slides/slide7.xml><?xml version="1.0" encoding="utf-8"?>
+<p:sld xmlns:a="http://schemas.openxmlformats.org/drawingml/2006/main" xmlns:r="http://schemas.openxmlformats.org/officeDocument/2006/relationships" xmlns:p="http://schemas.openxmlformats.org/presentationml/2006/main">
+  <p:cSld>
+    <p:spTree>
+      <p:nvGrpSpPr>
+        <p:cNvPr id="1" name=""/>
+        <p:cNvGrpSpPr/>
+        <p:nvPr/>
+      </p:nvGrpSpPr>
+      <p:grpSpPr>
+        <a:xfrm>
+          <a:off x="0" y="0"/>
+          <a:ext cx="0" cy="0"/>
+          <a:chOff x="0" y="0"/>
+          <a:chExt cx="0" cy="0"/>
+        </a:xfrm>
+      </p:grpSpPr>
       <p:pic>
         <p:nvPicPr>
           <p:cNvPr id="3" name="그림 2">
@@ -20833,7 +21689,7 @@
 </p:sld>
 </file>
 
-<file path=ppt/slides/slide7.xml><?xml version="1.0" encoding="utf-8"?>
+<file path=ppt/slides/slide8.xml><?xml version="1.0" encoding="utf-8"?>
 <p:sld xmlns:a="http://schemas.openxmlformats.org/drawingml/2006/main" xmlns:r="http://schemas.openxmlformats.org/officeDocument/2006/relationships" xmlns:p="http://schemas.openxmlformats.org/presentationml/2006/main">
   <p:cSld>
     <p:spTree>
@@ -21251,7 +22107,7 @@
 </p:sld>
 </file>
 
-<file path=ppt/slides/slide8.xml><?xml version="1.0" encoding="utf-8"?>
+<file path=ppt/slides/slide9.xml><?xml version="1.0" encoding="utf-8"?>
 <p:sld xmlns:a="http://schemas.openxmlformats.org/drawingml/2006/main" xmlns:r="http://schemas.openxmlformats.org/officeDocument/2006/relationships" xmlns:p="http://schemas.openxmlformats.org/presentationml/2006/main">
   <p:cSld>
     <p:spTree>
@@ -21601,424 +22457,6 @@
     <p:extLst>
       <p:ext uri="{BB962C8B-B14F-4D97-AF65-F5344CB8AC3E}">
         <p14:creationId xmlns:p14="http://schemas.microsoft.com/office/powerpoint/2010/main" val="1947106495"/>
-      </p:ext>
-    </p:extLst>
-  </p:cSld>
-  <p:clrMapOvr>
-    <a:masterClrMapping/>
-  </p:clrMapOvr>
-  <mc:AlternateContent xmlns:mc="http://schemas.openxmlformats.org/markup-compatibility/2006">
-    <mc:Choice xmlns:p14="http://schemas.microsoft.com/office/powerpoint/2010/main" Requires="p14">
-      <p:transition spd="slow" p14:dur="800">
-        <p:fade/>
-      </p:transition>
-    </mc:Choice>
-    <mc:Fallback>
-      <p:transition spd="slow">
-        <p:fade/>
-      </p:transition>
-    </mc:Fallback>
-  </mc:AlternateContent>
-  <p:timing>
-    <p:tnLst>
-      <p:par>
-        <p:cTn id="1" dur="indefinite" restart="never" nodeType="tmRoot"/>
-      </p:par>
-    </p:tnLst>
-  </p:timing>
-</p:sld>
-</file>
-
-<file path=ppt/slides/slide9.xml><?xml version="1.0" encoding="utf-8"?>
-<p:sld xmlns:a="http://schemas.openxmlformats.org/drawingml/2006/main" xmlns:r="http://schemas.openxmlformats.org/officeDocument/2006/relationships" xmlns:p="http://schemas.openxmlformats.org/presentationml/2006/main">
-  <p:cSld>
-    <p:spTree>
-      <p:nvGrpSpPr>
-        <p:cNvPr id="1" name=""/>
-        <p:cNvGrpSpPr/>
-        <p:nvPr/>
-      </p:nvGrpSpPr>
-      <p:grpSpPr>
-        <a:xfrm>
-          <a:off x="0" y="0"/>
-          <a:ext cx="0" cy="0"/>
-          <a:chOff x="0" y="0"/>
-          <a:chExt cx="0" cy="0"/>
-        </a:xfrm>
-      </p:grpSpPr>
-      <p:sp>
-        <p:nvSpPr>
-          <p:cNvPr id="2" name="직사각형 1">
-            <a:extLst>
-              <a:ext uri="{FF2B5EF4-FFF2-40B4-BE49-F238E27FC236}">
-                <a16:creationId xmlns:a16="http://schemas.microsoft.com/office/drawing/2014/main" id="{0546E572-061A-4F66-860A-EA1641AD3DE2}"/>
-              </a:ext>
-            </a:extLst>
-          </p:cNvPr>
-          <p:cNvSpPr/>
-          <p:nvPr/>
-        </p:nvSpPr>
-        <p:spPr>
-          <a:xfrm>
-            <a:off x="0" y="0"/>
-            <a:ext cx="12192000" cy="1076960"/>
-          </a:xfrm>
-          <a:prstGeom prst="rect">
-            <a:avLst/>
-          </a:prstGeom>
-        </p:spPr>
-        <p:style>
-          <a:lnRef idx="2">
-            <a:schemeClr val="accent1">
-              <a:shade val="50000"/>
-            </a:schemeClr>
-          </a:lnRef>
-          <a:fillRef idx="1">
-            <a:schemeClr val="accent1"/>
-          </a:fillRef>
-          <a:effectRef idx="0">
-            <a:schemeClr val="accent1"/>
-          </a:effectRef>
-          <a:fontRef idx="minor">
-            <a:schemeClr val="lt1"/>
-          </a:fontRef>
-        </p:style>
-        <p:txBody>
-          <a:bodyPr rtlCol="0" anchor="ctr"/>
-          <a:lstStyle/>
-          <a:p>
-            <a:pPr algn="ctr"/>
-            <a:endParaRPr lang="ko-KR" altLang="en-US"/>
-          </a:p>
-        </p:txBody>
-      </p:sp>
-      <p:sp>
-        <p:nvSpPr>
-          <p:cNvPr id="3" name="TextBox 2">
-            <a:extLst>
-              <a:ext uri="{FF2B5EF4-FFF2-40B4-BE49-F238E27FC236}">
-                <a16:creationId xmlns:a16="http://schemas.microsoft.com/office/drawing/2014/main" id="{8951765C-E4E1-440B-B3F6-AD127EB533CF}"/>
-              </a:ext>
-            </a:extLst>
-          </p:cNvPr>
-          <p:cNvSpPr txBox="1"/>
-          <p:nvPr/>
-        </p:nvSpPr>
-        <p:spPr>
-          <a:xfrm>
-            <a:off x="875104" y="101916"/>
-            <a:ext cx="2550698" cy="646331"/>
-          </a:xfrm>
-          <a:prstGeom prst="rect">
-            <a:avLst/>
-          </a:prstGeom>
-          <a:noFill/>
-        </p:spPr>
-        <p:txBody>
-          <a:bodyPr wrap="none" rtlCol="0">
-            <a:spAutoFit/>
-          </a:bodyPr>
-          <a:lstStyle/>
-          <a:p>
-            <a:r>
-              <a:rPr lang="ko-KR" altLang="en-US" sz="3600" spc="-300" dirty="0" smtClean="0">
-                <a:solidFill>
-                  <a:schemeClr val="bg1"/>
-                </a:solidFill>
-              </a:rPr>
-              <a:t>프로젝트 소개</a:t>
-            </a:r>
-            <a:endParaRPr lang="ko-KR" altLang="en-US" sz="3600" spc="-300" dirty="0">
-              <a:solidFill>
-                <a:schemeClr val="bg1"/>
-              </a:solidFill>
-            </a:endParaRPr>
-          </a:p>
-        </p:txBody>
-      </p:sp>
-      <p:sp>
-        <p:nvSpPr>
-          <p:cNvPr id="4" name="TextBox 3">
-            <a:extLst>
-              <a:ext uri="{FF2B5EF4-FFF2-40B4-BE49-F238E27FC236}">
-                <a16:creationId xmlns:a16="http://schemas.microsoft.com/office/drawing/2014/main" id="{8E877FB6-6DE1-44E4-8EF8-7160153CD120}"/>
-              </a:ext>
-            </a:extLst>
-          </p:cNvPr>
-          <p:cNvSpPr txBox="1"/>
-          <p:nvPr/>
-        </p:nvSpPr>
-        <p:spPr>
-          <a:xfrm>
-            <a:off x="132080" y="117305"/>
-            <a:ext cx="743024" cy="307777"/>
-          </a:xfrm>
-          <a:prstGeom prst="rect">
-            <a:avLst/>
-          </a:prstGeom>
-          <a:noFill/>
-        </p:spPr>
-        <p:txBody>
-          <a:bodyPr wrap="none" rtlCol="0">
-            <a:spAutoFit/>
-          </a:bodyPr>
-          <a:lstStyle/>
-          <a:p>
-            <a:r>
-              <a:rPr lang="en-US" altLang="ko-KR" sz="1400" dirty="0">
-                <a:solidFill>
-                  <a:schemeClr val="bg1"/>
-                </a:solidFill>
-              </a:rPr>
-              <a:t>Part </a:t>
-            </a:r>
-            <a:r>
-              <a:rPr lang="en-US" altLang="ko-KR" sz="1400" dirty="0" smtClean="0">
-                <a:solidFill>
-                  <a:schemeClr val="bg1"/>
-                </a:solidFill>
-              </a:rPr>
-              <a:t>2, </a:t>
-            </a:r>
-            <a:endParaRPr lang="ko-KR" altLang="en-US" sz="1400" dirty="0">
-              <a:solidFill>
-                <a:schemeClr val="bg1"/>
-              </a:solidFill>
-            </a:endParaRPr>
-          </a:p>
-        </p:txBody>
-      </p:sp>
-      <p:sp>
-        <p:nvSpPr>
-          <p:cNvPr id="26" name="TextBox 25">
-            <a:extLst>
-              <a:ext uri="{FF2B5EF4-FFF2-40B4-BE49-F238E27FC236}">
-                <a16:creationId xmlns:a16="http://schemas.microsoft.com/office/drawing/2014/main" id="{0D94904B-FC61-4D90-BA0A-83761D16208E}"/>
-              </a:ext>
-            </a:extLst>
-          </p:cNvPr>
-          <p:cNvSpPr txBox="1"/>
-          <p:nvPr/>
-        </p:nvSpPr>
-        <p:spPr>
-          <a:xfrm>
-            <a:off x="5096367" y="5145179"/>
-            <a:ext cx="1999265" cy="400110"/>
-          </a:xfrm>
-          <a:prstGeom prst="rect">
-            <a:avLst/>
-          </a:prstGeom>
-          <a:noFill/>
-        </p:spPr>
-        <p:txBody>
-          <a:bodyPr wrap="none" rtlCol="0">
-            <a:spAutoFit/>
-          </a:bodyPr>
-          <a:lstStyle/>
-          <a:p>
-            <a:pPr algn="ctr"/>
-            <a:r>
-              <a:rPr lang="ko-KR" altLang="en-US" sz="2000" spc="-150" dirty="0" smtClean="0">
-                <a:solidFill>
-                  <a:srgbClr val="393939"/>
-                </a:solidFill>
-                <a:latin typeface="+mj-ea"/>
-                <a:ea typeface="+mj-ea"/>
-              </a:rPr>
-              <a:t>쇼핑몰 </a:t>
-            </a:r>
-            <a:r>
-              <a:rPr lang="en-US" altLang="ko-KR" sz="2000" spc="-150" dirty="0" smtClean="0">
-                <a:solidFill>
-                  <a:srgbClr val="393939"/>
-                </a:solidFill>
-                <a:latin typeface="+mj-ea"/>
-                <a:ea typeface="+mj-ea"/>
-              </a:rPr>
-              <a:t>+</a:t>
-            </a:r>
-            <a:r>
-              <a:rPr lang="ko-KR" altLang="en-US" sz="2000" spc="-150" dirty="0" smtClean="0">
-                <a:solidFill>
-                  <a:srgbClr val="393939"/>
-                </a:solidFill>
-                <a:latin typeface="+mj-ea"/>
-                <a:ea typeface="+mj-ea"/>
-              </a:rPr>
-              <a:t> </a:t>
-            </a:r>
-            <a:r>
-              <a:rPr lang="en-US" altLang="ko-KR" sz="2000" spc="-150" dirty="0" smtClean="0">
-                <a:solidFill>
-                  <a:srgbClr val="393939"/>
-                </a:solidFill>
-                <a:latin typeface="+mj-ea"/>
-                <a:ea typeface="+mj-ea"/>
-              </a:rPr>
-              <a:t>PG</a:t>
-            </a:r>
-            <a:r>
-              <a:rPr lang="ko-KR" altLang="en-US" sz="2000" spc="-150" dirty="0" smtClean="0">
-                <a:solidFill>
-                  <a:srgbClr val="393939"/>
-                </a:solidFill>
-                <a:latin typeface="+mj-ea"/>
-                <a:ea typeface="+mj-ea"/>
-              </a:rPr>
-              <a:t>서비스</a:t>
-            </a:r>
-            <a:endParaRPr lang="ko-KR" altLang="en-US" sz="2000" spc="-150" dirty="0">
-              <a:solidFill>
-                <a:srgbClr val="393939"/>
-              </a:solidFill>
-              <a:latin typeface="+mj-ea"/>
-              <a:ea typeface="+mj-ea"/>
-            </a:endParaRPr>
-          </a:p>
-        </p:txBody>
-      </p:sp>
-      <p:pic>
-        <p:nvPicPr>
-          <p:cNvPr id="13" name="그림 12"/>
-          <p:cNvPicPr>
-            <a:picLocks noChangeAspect="1"/>
-          </p:cNvPicPr>
-          <p:nvPr/>
-        </p:nvPicPr>
-        <p:blipFill>
-          <a:blip r:embed="rId2">
-            <a:extLst>
-              <a:ext uri="{28A0092B-C50C-407E-A947-70E740481C1C}">
-                <a14:useLocalDpi xmlns:a14="http://schemas.microsoft.com/office/drawing/2010/main" val="0"/>
-              </a:ext>
-            </a:extLst>
-          </a:blip>
-          <a:stretch>
-            <a:fillRect/>
-          </a:stretch>
-        </p:blipFill>
-        <p:spPr>
-          <a:xfrm>
-            <a:off x="958382" y="3085627"/>
-            <a:ext cx="4137985" cy="873575"/>
-          </a:xfrm>
-          <a:prstGeom prst="rect">
-            <a:avLst/>
-          </a:prstGeom>
-        </p:spPr>
-      </p:pic>
-      <p:pic>
-        <p:nvPicPr>
-          <p:cNvPr id="14" name="그림 13"/>
-          <p:cNvPicPr>
-            <a:picLocks noChangeAspect="1"/>
-          </p:cNvPicPr>
-          <p:nvPr/>
-        </p:nvPicPr>
-        <p:blipFill>
-          <a:blip r:embed="rId3" cstate="screen">
-            <a:extLst>
-              <a:ext uri="{28A0092B-C50C-407E-A947-70E740481C1C}">
-                <a14:useLocalDpi xmlns:a14="http://schemas.microsoft.com/office/drawing/2010/main" val="0"/>
-              </a:ext>
-            </a:extLst>
-          </a:blip>
-          <a:stretch>
-            <a:fillRect/>
-          </a:stretch>
-        </p:blipFill>
-        <p:spPr>
-          <a:xfrm>
-            <a:off x="7095632" y="2988228"/>
-            <a:ext cx="4298507" cy="1068374"/>
-          </a:xfrm>
-          <a:prstGeom prst="rect">
-            <a:avLst/>
-          </a:prstGeom>
-        </p:spPr>
-      </p:pic>
-      <p:pic>
-        <p:nvPicPr>
-          <p:cNvPr id="15" name="그림 14"/>
-          <p:cNvPicPr>
-            <a:picLocks noChangeAspect="1"/>
-          </p:cNvPicPr>
-          <p:nvPr/>
-        </p:nvPicPr>
-        <p:blipFill>
-          <a:blip r:embed="rId4" cstate="screen">
-            <a:extLst>
-              <a:ext uri="{28A0092B-C50C-407E-A947-70E740481C1C}">
-                <a14:useLocalDpi xmlns:a14="http://schemas.microsoft.com/office/drawing/2010/main" val="0"/>
-              </a:ext>
-            </a:extLst>
-          </a:blip>
-          <a:stretch>
-            <a:fillRect/>
-          </a:stretch>
-        </p:blipFill>
-        <p:spPr>
-          <a:xfrm>
-            <a:off x="5860862" y="3193862"/>
-            <a:ext cx="470276" cy="470276"/>
-          </a:xfrm>
-          <a:prstGeom prst="rect">
-            <a:avLst/>
-          </a:prstGeom>
-        </p:spPr>
-      </p:pic>
-      <p:sp>
-        <p:nvSpPr>
-          <p:cNvPr id="9" name="직사각형 8"/>
-          <p:cNvSpPr/>
-          <p:nvPr/>
-        </p:nvSpPr>
-        <p:spPr>
-          <a:xfrm>
-            <a:off x="10241280" y="6489402"/>
-            <a:ext cx="1950720" cy="302096"/>
-          </a:xfrm>
-          <a:prstGeom prst="rect">
-            <a:avLst/>
-          </a:prstGeom>
-          <a:solidFill>
-            <a:schemeClr val="bg1"/>
-          </a:solidFill>
-          <a:ln>
-            <a:solidFill>
-              <a:schemeClr val="bg1"/>
-            </a:solidFill>
-          </a:ln>
-        </p:spPr>
-        <p:style>
-          <a:lnRef idx="2">
-            <a:schemeClr val="accent1">
-              <a:shade val="50000"/>
-            </a:schemeClr>
-          </a:lnRef>
-          <a:fillRef idx="1">
-            <a:schemeClr val="accent1"/>
-          </a:fillRef>
-          <a:effectRef idx="0">
-            <a:schemeClr val="accent1"/>
-          </a:effectRef>
-          <a:fontRef idx="minor">
-            <a:schemeClr val="lt1"/>
-          </a:fontRef>
-        </p:style>
-        <p:txBody>
-          <a:bodyPr rtlCol="0" anchor="ctr"/>
-          <a:lstStyle/>
-          <a:p>
-            <a:pPr algn="ctr"/>
-            <a:endParaRPr lang="ko-KR" altLang="en-US"/>
-          </a:p>
-        </p:txBody>
-      </p:sp>
-    </p:spTree>
-    <p:extLst>
-      <p:ext uri="{BB962C8B-B14F-4D97-AF65-F5344CB8AC3E}">
-        <p14:creationId xmlns:p14="http://schemas.microsoft.com/office/powerpoint/2010/main" val="635118545"/>
       </p:ext>
     </p:extLst>
   </p:cSld>
